--- a/Resogning_Agents.pptx
+++ b/Resogning_Agents.pptx
@@ -5,22 +5,19 @@
     <p:sldMasterId id="2147483651" r:id="rId1"/>
   </p:sldMasterIdLst>
   <p:notesMasterIdLst>
-    <p:notesMasterId r:id="rId15"/>
+    <p:notesMasterId r:id="rId12"/>
   </p:notesMasterIdLst>
   <p:sldIdLst>
-    <p:sldId id="289" r:id="rId2"/>
-    <p:sldId id="278" r:id="rId3"/>
-    <p:sldId id="279" r:id="rId4"/>
-    <p:sldId id="280" r:id="rId5"/>
-    <p:sldId id="281" r:id="rId6"/>
-    <p:sldId id="282" r:id="rId7"/>
-    <p:sldId id="291" r:id="rId8"/>
-    <p:sldId id="292" r:id="rId9"/>
-    <p:sldId id="288" r:id="rId10"/>
-    <p:sldId id="293" r:id="rId11"/>
-    <p:sldId id="297" r:id="rId12"/>
-    <p:sldId id="295" r:id="rId13"/>
-    <p:sldId id="285" r:id="rId14"/>
+    <p:sldId id="301" r:id="rId2"/>
+    <p:sldId id="281" r:id="rId3"/>
+    <p:sldId id="291" r:id="rId4"/>
+    <p:sldId id="292" r:id="rId5"/>
+    <p:sldId id="288" r:id="rId6"/>
+    <p:sldId id="295" r:id="rId7"/>
+    <p:sldId id="296" r:id="rId8"/>
+    <p:sldId id="299" r:id="rId9"/>
+    <p:sldId id="300" r:id="rId10"/>
+    <p:sldId id="285" r:id="rId11"/>
   </p:sldIdLst>
   <p:sldSz cx="9144000" cy="6858000" type="screen4x3"/>
   <p:notesSz cx="6858000" cy="9144000"/>
@@ -1877,7 +1874,7 @@
             </a:pPr>
             <a:fld id="{00000000-1234-1234-1234-123412341234}" type="slidenum">
               <a:rPr lang="en-US"/>
-              <a:t>2</a:t>
+              <a:t>1</a:t>
             </a:fld>
             <a:endParaRPr/>
           </a:p>
@@ -1979,7 +1976,7 @@
     </p:spTree>
     <p:extLst>
       <p:ext uri="{BB962C8B-B14F-4D97-AF65-F5344CB8AC3E}">
-        <p14:creationId xmlns:p14="http://schemas.microsoft.com/office/powerpoint/2010/main" val="720976587"/>
+        <p14:creationId xmlns:p14="http://schemas.microsoft.com/office/powerpoint/2010/main" val="1457699427"/>
       </p:ext>
     </p:extLst>
   </p:cSld>
@@ -1990,382 +1987,6 @@
 </file>
 
 <file path=ppt/notesSlides/notesSlide2.xml><?xml version="1.0" encoding="utf-8"?>
-<p:notes xmlns:a="http://schemas.openxmlformats.org/drawingml/2006/main" xmlns:r="http://schemas.openxmlformats.org/officeDocument/2006/relationships" xmlns:p="http://schemas.openxmlformats.org/presentationml/2006/main" showMasterSp="0" showMasterPhAnim="0">
-  <p:cSld>
-    <p:spTree>
-      <p:nvGrpSpPr>
-        <p:cNvPr id="1" name="Shape 493"/>
-        <p:cNvGrpSpPr/>
-        <p:nvPr/>
-      </p:nvGrpSpPr>
-      <p:grpSpPr>
-        <a:xfrm>
-          <a:off x="0" y="0"/>
-          <a:ext cx="0" cy="0"/>
-          <a:chOff x="0" y="0"/>
-          <a:chExt cx="0" cy="0"/>
-        </a:xfrm>
-      </p:grpSpPr>
-      <p:sp>
-        <p:nvSpPr>
-          <p:cNvPr id="494" name="Google Shape;494;g574715c828_1_32:notes"/>
-          <p:cNvSpPr txBox="1">
-            <a:spLocks noGrp="1"/>
-          </p:cNvSpPr>
-          <p:nvPr>
-            <p:ph type="sldNum" idx="12"/>
-          </p:nvPr>
-        </p:nvSpPr>
-        <p:spPr>
-          <a:xfrm>
-            <a:off x="3886200" y="8686800"/>
-            <a:ext cx="2971800" cy="457200"/>
-          </a:xfrm>
-          <a:prstGeom prst="rect">
-            <a:avLst/>
-          </a:prstGeom>
-          <a:noFill/>
-          <a:ln>
-            <a:noFill/>
-          </a:ln>
-        </p:spPr>
-        <p:txBody>
-          <a:bodyPr spcFirstLastPara="1" wrap="square" lIns="91425" tIns="45700" rIns="91425" bIns="45700" anchor="b" anchorCtr="0">
-            <a:noAutofit/>
-          </a:bodyPr>
-          <a:lstStyle/>
-          <a:p>
-            <a:pPr marL="0" lvl="0" indent="0" algn="l" rtl="0">
-              <a:lnSpc>
-                <a:spcPct val="100000"/>
-              </a:lnSpc>
-              <a:spcBef>
-                <a:spcPts val="0"/>
-              </a:spcBef>
-              <a:spcAft>
-                <a:spcPts val="0"/>
-              </a:spcAft>
-              <a:buSzPts val="1400"/>
-              <a:buNone/>
-            </a:pPr>
-            <a:fld id="{00000000-1234-1234-1234-123412341234}" type="slidenum">
-              <a:rPr lang="en-US"/>
-              <a:t>3</a:t>
-            </a:fld>
-            <a:endParaRPr/>
-          </a:p>
-        </p:txBody>
-      </p:sp>
-      <p:sp>
-        <p:nvSpPr>
-          <p:cNvPr id="495" name="Google Shape;495;g574715c828_1_32:notes"/>
-          <p:cNvSpPr>
-            <a:spLocks noGrp="1" noRot="1" noChangeAspect="1"/>
-          </p:cNvSpPr>
-          <p:nvPr>
-            <p:ph type="sldImg" idx="2"/>
-          </p:nvPr>
-        </p:nvSpPr>
-        <p:spPr>
-          <a:xfrm>
-            <a:off x="1143000" y="685800"/>
-            <a:ext cx="4572000" cy="3429000"/>
-          </a:xfrm>
-          <a:custGeom>
-            <a:avLst/>
-            <a:gdLst/>
-            <a:ahLst/>
-            <a:cxnLst/>
-            <a:rect l="l" t="t" r="r" b="b"/>
-            <a:pathLst>
-              <a:path w="120000" h="120000" extrusionOk="0">
-                <a:moveTo>
-                  <a:pt x="0" y="0"/>
-                </a:moveTo>
-                <a:lnTo>
-                  <a:pt x="120000" y="0"/>
-                </a:lnTo>
-                <a:lnTo>
-                  <a:pt x="120000" y="120000"/>
-                </a:lnTo>
-                <a:lnTo>
-                  <a:pt x="0" y="120000"/>
-                </a:lnTo>
-                <a:close/>
-              </a:path>
-            </a:pathLst>
-          </a:custGeom>
-          <a:solidFill>
-            <a:srgbClr val="FFFFFF"/>
-          </a:solidFill>
-          <a:ln>
-            <a:noFill/>
-          </a:ln>
-        </p:spPr>
-      </p:sp>
-      <p:sp>
-        <p:nvSpPr>
-          <p:cNvPr id="496" name="Google Shape;496;g574715c828_1_32:notes"/>
-          <p:cNvSpPr txBox="1">
-            <a:spLocks noGrp="1"/>
-          </p:cNvSpPr>
-          <p:nvPr>
-            <p:ph type="body" idx="1"/>
-          </p:nvPr>
-        </p:nvSpPr>
-        <p:spPr>
-          <a:xfrm>
-            <a:off x="914400" y="4343400"/>
-            <a:ext cx="5029200" cy="4114800"/>
-          </a:xfrm>
-          <a:prstGeom prst="rect">
-            <a:avLst/>
-          </a:prstGeom>
-          <a:noFill/>
-          <a:ln>
-            <a:noFill/>
-          </a:ln>
-        </p:spPr>
-        <p:txBody>
-          <a:bodyPr spcFirstLastPara="1" wrap="square" lIns="91425" tIns="45700" rIns="91425" bIns="45700" anchor="t" anchorCtr="0">
-            <a:noAutofit/>
-          </a:bodyPr>
-          <a:lstStyle/>
-          <a:p>
-            <a:pPr marL="0" lvl="0" indent="0" algn="l" rtl="0">
-              <a:lnSpc>
-                <a:spcPct val="100000"/>
-              </a:lnSpc>
-              <a:spcBef>
-                <a:spcPts val="0"/>
-              </a:spcBef>
-              <a:spcAft>
-                <a:spcPts val="0"/>
-              </a:spcAft>
-              <a:buSzPts val="1400"/>
-              <a:buNone/>
-            </a:pPr>
-            <a:endParaRPr/>
-          </a:p>
-        </p:txBody>
-      </p:sp>
-    </p:spTree>
-    <p:extLst>
-      <p:ext uri="{BB962C8B-B14F-4D97-AF65-F5344CB8AC3E}">
-        <p14:creationId xmlns:p14="http://schemas.microsoft.com/office/powerpoint/2010/main" val="1350761335"/>
-      </p:ext>
-    </p:extLst>
-  </p:cSld>
-  <p:clrMapOvr>
-    <a:masterClrMapping/>
-  </p:clrMapOvr>
-</p:notes>
-</file>
-
-<file path=ppt/notesSlides/notesSlide3.xml><?xml version="1.0" encoding="utf-8"?>
-<p:notes xmlns:a="http://schemas.openxmlformats.org/drawingml/2006/main" xmlns:r="http://schemas.openxmlformats.org/officeDocument/2006/relationships" xmlns:p="http://schemas.openxmlformats.org/presentationml/2006/main" showMasterSp="0" showMasterPhAnim="0">
-  <p:cSld>
-    <p:spTree>
-      <p:nvGrpSpPr>
-        <p:cNvPr id="1" name="Shape 512"/>
-        <p:cNvGrpSpPr/>
-        <p:nvPr/>
-      </p:nvGrpSpPr>
-      <p:grpSpPr>
-        <a:xfrm>
-          <a:off x="0" y="0"/>
-          <a:ext cx="0" cy="0"/>
-          <a:chOff x="0" y="0"/>
-          <a:chExt cx="0" cy="0"/>
-        </a:xfrm>
-      </p:grpSpPr>
-      <p:sp>
-        <p:nvSpPr>
-          <p:cNvPr id="513" name="Google Shape;513;g56d603a349_2_6:notes"/>
-          <p:cNvSpPr txBox="1">
-            <a:spLocks noGrp="1"/>
-          </p:cNvSpPr>
-          <p:nvPr>
-            <p:ph type="sldNum" idx="12"/>
-          </p:nvPr>
-        </p:nvSpPr>
-        <p:spPr>
-          <a:xfrm>
-            <a:off x="3886200" y="8686800"/>
-            <a:ext cx="2971800" cy="457200"/>
-          </a:xfrm>
-          <a:prstGeom prst="rect">
-            <a:avLst/>
-          </a:prstGeom>
-        </p:spPr>
-        <p:txBody>
-          <a:bodyPr spcFirstLastPara="1" wrap="square" lIns="91425" tIns="45700" rIns="91425" bIns="45700" anchor="b" anchorCtr="0">
-            <a:noAutofit/>
-          </a:bodyPr>
-          <a:lstStyle/>
-          <a:p>
-            <a:pPr marL="0" lvl="0" indent="0" algn="l" rtl="0">
-              <a:spcBef>
-                <a:spcPts val="0"/>
-              </a:spcBef>
-              <a:spcAft>
-                <a:spcPts val="0"/>
-              </a:spcAft>
-              <a:buClr>
-                <a:srgbClr val="000000"/>
-              </a:buClr>
-              <a:buSzPts val="2400"/>
-              <a:buFont typeface="Arial"/>
-              <a:buNone/>
-            </a:pPr>
-            <a:fld id="{00000000-1234-1234-1234-123412341234}" type="slidenum">
-              <a:rPr lang="en-US"/>
-              <a:t>4</a:t>
-            </a:fld>
-            <a:endParaRPr sz="1400"/>
-          </a:p>
-        </p:txBody>
-      </p:sp>
-      <p:sp>
-        <p:nvSpPr>
-          <p:cNvPr id="514" name="Google Shape;514;g56d603a349_2_6:notes"/>
-          <p:cNvSpPr>
-            <a:spLocks noGrp="1" noRot="1" noChangeAspect="1"/>
-          </p:cNvSpPr>
-          <p:nvPr>
-            <p:ph type="sldImg" idx="2"/>
-          </p:nvPr>
-        </p:nvSpPr>
-        <p:spPr>
-          <a:xfrm>
-            <a:off x="1143000" y="685800"/>
-            <a:ext cx="4572000" cy="3429000"/>
-          </a:xfrm>
-          <a:custGeom>
-            <a:avLst/>
-            <a:gdLst/>
-            <a:ahLst/>
-            <a:cxnLst/>
-            <a:rect l="l" t="t" r="r" b="b"/>
-            <a:pathLst>
-              <a:path w="120000" h="120000" extrusionOk="0">
-                <a:moveTo>
-                  <a:pt x="0" y="0"/>
-                </a:moveTo>
-                <a:lnTo>
-                  <a:pt x="120000" y="0"/>
-                </a:lnTo>
-                <a:lnTo>
-                  <a:pt x="120000" y="120000"/>
-                </a:lnTo>
-                <a:lnTo>
-                  <a:pt x="0" y="120000"/>
-                </a:lnTo>
-                <a:close/>
-              </a:path>
-            </a:pathLst>
-          </a:custGeom>
-        </p:spPr>
-      </p:sp>
-      <p:sp>
-        <p:nvSpPr>
-          <p:cNvPr id="515" name="Google Shape;515;g56d603a349_2_6:notes"/>
-          <p:cNvSpPr txBox="1">
-            <a:spLocks noGrp="1"/>
-          </p:cNvSpPr>
-          <p:nvPr>
-            <p:ph type="body" idx="1"/>
-          </p:nvPr>
-        </p:nvSpPr>
-        <p:spPr>
-          <a:xfrm>
-            <a:off x="914400" y="4343400"/>
-            <a:ext cx="5029200" cy="4114800"/>
-          </a:xfrm>
-          <a:prstGeom prst="rect">
-            <a:avLst/>
-          </a:prstGeom>
-        </p:spPr>
-        <p:txBody>
-          <a:bodyPr spcFirstLastPara="1" wrap="square" lIns="91425" tIns="45700" rIns="91425" bIns="45700" anchor="t" anchorCtr="0">
-            <a:noAutofit/>
-          </a:bodyPr>
-          <a:lstStyle/>
-          <a:p>
-            <a:pPr marL="0" lvl="0" indent="0" algn="l" rtl="0">
-              <a:spcBef>
-                <a:spcPts val="0"/>
-              </a:spcBef>
-              <a:spcAft>
-                <a:spcPts val="0"/>
-              </a:spcAft>
-              <a:buNone/>
-            </a:pPr>
-            <a:endParaRPr/>
-          </a:p>
-        </p:txBody>
-      </p:sp>
-      <p:sp>
-        <p:nvSpPr>
-          <p:cNvPr id="516" name="Google Shape;516;g56d603a349_2_6:notes"/>
-          <p:cNvSpPr txBox="1">
-            <a:spLocks noGrp="1"/>
-          </p:cNvSpPr>
-          <p:nvPr>
-            <p:ph type="sldNum" idx="3"/>
-          </p:nvPr>
-        </p:nvSpPr>
-        <p:spPr>
-          <a:xfrm>
-            <a:off x="3886200" y="8686800"/>
-            <a:ext cx="2971800" cy="457200"/>
-          </a:xfrm>
-          <a:prstGeom prst="rect">
-            <a:avLst/>
-          </a:prstGeom>
-        </p:spPr>
-        <p:txBody>
-          <a:bodyPr spcFirstLastPara="1" wrap="square" lIns="91425" tIns="45700" rIns="91425" bIns="45700" anchor="b" anchorCtr="0">
-            <a:noAutofit/>
-          </a:bodyPr>
-          <a:lstStyle/>
-          <a:p>
-            <a:pPr marL="0" lvl="0" indent="0" algn="r" rtl="0">
-              <a:spcBef>
-                <a:spcPts val="0"/>
-              </a:spcBef>
-              <a:spcAft>
-                <a:spcPts val="0"/>
-              </a:spcAft>
-              <a:buClr>
-                <a:srgbClr val="000000"/>
-              </a:buClr>
-              <a:buSzPts val="1200"/>
-              <a:buFont typeface="Arial"/>
-              <a:buNone/>
-            </a:pPr>
-            <a:fld id="{00000000-1234-1234-1234-123412341234}" type="slidenum">
-              <a:rPr lang="en-US"/>
-              <a:t>4</a:t>
-            </a:fld>
-            <a:endParaRPr sz="1400"/>
-          </a:p>
-        </p:txBody>
-      </p:sp>
-    </p:spTree>
-    <p:extLst>
-      <p:ext uri="{BB962C8B-B14F-4D97-AF65-F5344CB8AC3E}">
-        <p14:creationId xmlns:p14="http://schemas.microsoft.com/office/powerpoint/2010/main" val="1196124908"/>
-      </p:ext>
-    </p:extLst>
-  </p:cSld>
-  <p:clrMapOvr>
-    <a:masterClrMapping/>
-  </p:clrMapOvr>
-</p:notes>
-</file>
-
-<file path=ppt/notesSlides/notesSlide4.xml><?xml version="1.0" encoding="utf-8"?>
 <p:notes xmlns:a="http://schemas.openxmlformats.org/drawingml/2006/main" xmlns:r="http://schemas.openxmlformats.org/officeDocument/2006/relationships" xmlns:p="http://schemas.openxmlformats.org/presentationml/2006/main" showMasterSp="0" showMasterPhAnim="0">
   <p:cSld>
     <p:spTree>
@@ -2426,7 +2047,7 @@
             </a:pPr>
             <a:fld id="{00000000-1234-1234-1234-123412341234}" type="slidenum">
               <a:rPr lang="en-US"/>
-              <a:t>5</a:t>
+              <a:t>2</a:t>
             </a:fld>
             <a:endParaRPr/>
           </a:p>
@@ -2538,210 +2159,7 @@
 </p:notes>
 </file>
 
-<file path=ppt/notesSlides/notesSlide5.xml><?xml version="1.0" encoding="utf-8"?>
-<p:notes xmlns:a="http://schemas.openxmlformats.org/drawingml/2006/main" xmlns:r="http://schemas.openxmlformats.org/officeDocument/2006/relationships" xmlns:p="http://schemas.openxmlformats.org/presentationml/2006/main" showMasterSp="0" showMasterPhAnim="0">
-  <p:cSld>
-    <p:spTree>
-      <p:nvGrpSpPr>
-        <p:cNvPr id="1" name="Shape 541"/>
-        <p:cNvGrpSpPr/>
-        <p:nvPr/>
-      </p:nvGrpSpPr>
-      <p:grpSpPr>
-        <a:xfrm>
-          <a:off x="0" y="0"/>
-          <a:ext cx="0" cy="0"/>
-          <a:chOff x="0" y="0"/>
-          <a:chExt cx="0" cy="0"/>
-        </a:xfrm>
-      </p:grpSpPr>
-      <p:sp>
-        <p:nvSpPr>
-          <p:cNvPr id="542" name="Google Shape;542;g56d603a349_3_33:notes"/>
-          <p:cNvSpPr txBox="1">
-            <a:spLocks noGrp="1"/>
-          </p:cNvSpPr>
-          <p:nvPr>
-            <p:ph type="sldNum" idx="12"/>
-          </p:nvPr>
-        </p:nvSpPr>
-        <p:spPr>
-          <a:xfrm>
-            <a:off x="3886200" y="8686800"/>
-            <a:ext cx="2971800" cy="457200"/>
-          </a:xfrm>
-          <a:prstGeom prst="rect">
-            <a:avLst/>
-          </a:prstGeom>
-        </p:spPr>
-        <p:txBody>
-          <a:bodyPr spcFirstLastPara="1" wrap="square" lIns="91425" tIns="45700" rIns="91425" bIns="45700" anchor="b" anchorCtr="0">
-            <a:noAutofit/>
-          </a:bodyPr>
-          <a:lstStyle/>
-          <a:p>
-            <a:pPr marL="0" lvl="0" indent="0" algn="l" rtl="0">
-              <a:spcBef>
-                <a:spcPts val="0"/>
-              </a:spcBef>
-              <a:spcAft>
-                <a:spcPts val="0"/>
-              </a:spcAft>
-              <a:buClr>
-                <a:srgbClr val="000000"/>
-              </a:buClr>
-              <a:buSzPts val="2400"/>
-              <a:buFont typeface="Arial"/>
-              <a:buNone/>
-            </a:pPr>
-            <a:fld id="{00000000-1234-1234-1234-123412341234}" type="slidenum">
-              <a:rPr lang="en-US"/>
-              <a:t>6</a:t>
-            </a:fld>
-            <a:endParaRPr sz="1400"/>
-          </a:p>
-        </p:txBody>
-      </p:sp>
-      <p:sp>
-        <p:nvSpPr>
-          <p:cNvPr id="543" name="Google Shape;543;g56d603a349_3_33:notes"/>
-          <p:cNvSpPr>
-            <a:spLocks noGrp="1" noRot="1" noChangeAspect="1"/>
-          </p:cNvSpPr>
-          <p:nvPr>
-            <p:ph type="sldImg" idx="2"/>
-          </p:nvPr>
-        </p:nvSpPr>
-        <p:spPr>
-          <a:xfrm>
-            <a:off x="1143000" y="685800"/>
-            <a:ext cx="4572000" cy="3429000"/>
-          </a:xfrm>
-          <a:custGeom>
-            <a:avLst/>
-            <a:gdLst/>
-            <a:ahLst/>
-            <a:cxnLst/>
-            <a:rect l="l" t="t" r="r" b="b"/>
-            <a:pathLst>
-              <a:path w="120000" h="120000" extrusionOk="0">
-                <a:moveTo>
-                  <a:pt x="0" y="0"/>
-                </a:moveTo>
-                <a:lnTo>
-                  <a:pt x="120000" y="0"/>
-                </a:lnTo>
-                <a:lnTo>
-                  <a:pt x="120000" y="120000"/>
-                </a:lnTo>
-                <a:lnTo>
-                  <a:pt x="0" y="120000"/>
-                </a:lnTo>
-                <a:close/>
-              </a:path>
-            </a:pathLst>
-          </a:custGeom>
-        </p:spPr>
-      </p:sp>
-      <p:sp>
-        <p:nvSpPr>
-          <p:cNvPr id="544" name="Google Shape;544;g56d603a349_3_33:notes"/>
-          <p:cNvSpPr txBox="1">
-            <a:spLocks noGrp="1"/>
-          </p:cNvSpPr>
-          <p:nvPr>
-            <p:ph type="body" idx="1"/>
-          </p:nvPr>
-        </p:nvSpPr>
-        <p:spPr>
-          <a:xfrm>
-            <a:off x="914400" y="4343400"/>
-            <a:ext cx="5029200" cy="4114800"/>
-          </a:xfrm>
-          <a:prstGeom prst="rect">
-            <a:avLst/>
-          </a:prstGeom>
-        </p:spPr>
-        <p:txBody>
-          <a:bodyPr spcFirstLastPara="1" wrap="square" lIns="91425" tIns="45700" rIns="91425" bIns="45700" anchor="t" anchorCtr="0">
-            <a:noAutofit/>
-          </a:bodyPr>
-          <a:lstStyle/>
-          <a:p>
-            <a:pPr marL="0" lvl="0" indent="0" algn="l" rtl="0">
-              <a:spcBef>
-                <a:spcPts val="0"/>
-              </a:spcBef>
-              <a:spcAft>
-                <a:spcPts val="0"/>
-              </a:spcAft>
-              <a:buNone/>
-            </a:pPr>
-            <a:endParaRPr/>
-          </a:p>
-        </p:txBody>
-      </p:sp>
-      <p:sp>
-        <p:nvSpPr>
-          <p:cNvPr id="545" name="Google Shape;545;g56d603a349_3_33:notes"/>
-          <p:cNvSpPr txBox="1">
-            <a:spLocks noGrp="1"/>
-          </p:cNvSpPr>
-          <p:nvPr>
-            <p:ph type="sldNum" idx="3"/>
-          </p:nvPr>
-        </p:nvSpPr>
-        <p:spPr>
-          <a:xfrm>
-            <a:off x="3886200" y="8686800"/>
-            <a:ext cx="2971800" cy="457200"/>
-          </a:xfrm>
-          <a:prstGeom prst="rect">
-            <a:avLst/>
-          </a:prstGeom>
-        </p:spPr>
-        <p:txBody>
-          <a:bodyPr spcFirstLastPara="1" wrap="square" lIns="91425" tIns="45700" rIns="91425" bIns="45700" anchor="b" anchorCtr="0">
-            <a:noAutofit/>
-          </a:bodyPr>
-          <a:lstStyle/>
-          <a:p>
-            <a:pPr marL="0" lvl="0" indent="0" algn="r" rtl="0">
-              <a:spcBef>
-                <a:spcPts val="0"/>
-              </a:spcBef>
-              <a:spcAft>
-                <a:spcPts val="0"/>
-              </a:spcAft>
-              <a:buClr>
-                <a:srgbClr val="000000"/>
-              </a:buClr>
-              <a:buSzPts val="1200"/>
-              <a:buFont typeface="Arial"/>
-              <a:buNone/>
-            </a:pPr>
-            <a:fld id="{00000000-1234-1234-1234-123412341234}" type="slidenum">
-              <a:rPr lang="en-US"/>
-              <a:t>6</a:t>
-            </a:fld>
-            <a:endParaRPr sz="1400"/>
-          </a:p>
-        </p:txBody>
-      </p:sp>
-    </p:spTree>
-    <p:extLst>
-      <p:ext uri="{BB962C8B-B14F-4D97-AF65-F5344CB8AC3E}">
-        <p14:creationId xmlns:p14="http://schemas.microsoft.com/office/powerpoint/2010/main" val="1591861364"/>
-      </p:ext>
-    </p:extLst>
-  </p:cSld>
-  <p:clrMapOvr>
-    <a:masterClrMapping/>
-  </p:clrMapOvr>
-</p:notes>
-</file>
-
-<file path=ppt/notesSlides/notesSlide6.xml><?xml version="1.0" encoding="utf-8"?>
+<file path=ppt/notesSlides/notesSlide3.xml><?xml version="1.0" encoding="utf-8"?>
 <p:notes xmlns:a="http://schemas.openxmlformats.org/drawingml/2006/main" xmlns:r="http://schemas.openxmlformats.org/officeDocument/2006/relationships" xmlns:p="http://schemas.openxmlformats.org/presentationml/2006/main" showMasterSp="0" showMasterPhAnim="0">
   <p:cSld>
     <p:spTree>
@@ -2799,7 +2217,7 @@
             </a:pPr>
             <a:fld id="{00000000-1234-1234-1234-123412341234}" type="slidenum">
               <a:rPr lang="en-US"/>
-              <a:t>9</a:t>
+              <a:t>5</a:t>
             </a:fld>
             <a:endParaRPr sz="1400"/>
           </a:p>
@@ -2925,7 +2343,7 @@
             </a:pPr>
             <a:fld id="{00000000-1234-1234-1234-123412341234}" type="slidenum">
               <a:rPr lang="en-US"/>
-              <a:t>9</a:t>
+              <a:t>5</a:t>
             </a:fld>
             <a:endParaRPr sz="1400"/>
           </a:p>
@@ -2944,7 +2362,7 @@
 </p:notes>
 </file>
 
-<file path=ppt/notesSlides/notesSlide7.xml><?xml version="1.0" encoding="utf-8"?>
+<file path=ppt/notesSlides/notesSlide4.xml><?xml version="1.0" encoding="utf-8"?>
 <p:notes xmlns:a="http://schemas.openxmlformats.org/drawingml/2006/main" xmlns:r="http://schemas.openxmlformats.org/officeDocument/2006/relationships" xmlns:p="http://schemas.openxmlformats.org/presentationml/2006/main" showMasterSp="0" showMasterPhAnim="0">
   <p:cSld>
     <p:spTree>
@@ -3002,7 +2420,7 @@
             </a:pPr>
             <a:fld id="{00000000-1234-1234-1234-123412341234}" type="slidenum">
               <a:rPr lang="en-US"/>
-              <a:t>13</a:t>
+              <a:t>9</a:t>
             </a:fld>
             <a:endParaRPr sz="1400"/>
           </a:p>
@@ -3128,7 +2546,210 @@
             </a:pPr>
             <a:fld id="{00000000-1234-1234-1234-123412341234}" type="slidenum">
               <a:rPr lang="en-US"/>
-              <a:t>13</a:t>
+              <a:t>9</a:t>
+            </a:fld>
+            <a:endParaRPr sz="1400"/>
+          </a:p>
+        </p:txBody>
+      </p:sp>
+    </p:spTree>
+    <p:extLst>
+      <p:ext uri="{BB962C8B-B14F-4D97-AF65-F5344CB8AC3E}">
+        <p14:creationId xmlns:p14="http://schemas.microsoft.com/office/powerpoint/2010/main" val="607991449"/>
+      </p:ext>
+    </p:extLst>
+  </p:cSld>
+  <p:clrMapOvr>
+    <a:masterClrMapping/>
+  </p:clrMapOvr>
+</p:notes>
+</file>
+
+<file path=ppt/notesSlides/notesSlide5.xml><?xml version="1.0" encoding="utf-8"?>
+<p:notes xmlns:a="http://schemas.openxmlformats.org/drawingml/2006/main" xmlns:r="http://schemas.openxmlformats.org/officeDocument/2006/relationships" xmlns:p="http://schemas.openxmlformats.org/presentationml/2006/main" showMasterSp="0" showMasterPhAnim="0">
+  <p:cSld>
+    <p:spTree>
+      <p:nvGrpSpPr>
+        <p:cNvPr id="1" name="Shape 582"/>
+        <p:cNvGrpSpPr/>
+        <p:nvPr/>
+      </p:nvGrpSpPr>
+      <p:grpSpPr>
+        <a:xfrm>
+          <a:off x="0" y="0"/>
+          <a:ext cx="0" cy="0"/>
+          <a:chOff x="0" y="0"/>
+          <a:chExt cx="0" cy="0"/>
+        </a:xfrm>
+      </p:grpSpPr>
+      <p:sp>
+        <p:nvSpPr>
+          <p:cNvPr id="583" name="Google Shape;583;g58f6ca7508_0_0:notes"/>
+          <p:cNvSpPr txBox="1">
+            <a:spLocks noGrp="1"/>
+          </p:cNvSpPr>
+          <p:nvPr>
+            <p:ph type="sldNum" idx="12"/>
+          </p:nvPr>
+        </p:nvSpPr>
+        <p:spPr>
+          <a:xfrm>
+            <a:off x="3886200" y="8686800"/>
+            <a:ext cx="2971800" cy="457200"/>
+          </a:xfrm>
+          <a:prstGeom prst="rect">
+            <a:avLst/>
+          </a:prstGeom>
+        </p:spPr>
+        <p:txBody>
+          <a:bodyPr spcFirstLastPara="1" wrap="square" lIns="91425" tIns="45700" rIns="91425" bIns="45700" anchor="b" anchorCtr="0">
+            <a:noAutofit/>
+          </a:bodyPr>
+          <a:lstStyle/>
+          <a:p>
+            <a:pPr marL="0" lvl="0" indent="0" algn="l" rtl="0">
+              <a:spcBef>
+                <a:spcPts val="0"/>
+              </a:spcBef>
+              <a:spcAft>
+                <a:spcPts val="0"/>
+              </a:spcAft>
+              <a:buClr>
+                <a:srgbClr val="000000"/>
+              </a:buClr>
+              <a:buSzPts val="2400"/>
+              <a:buFont typeface="Arial"/>
+              <a:buNone/>
+            </a:pPr>
+            <a:fld id="{00000000-1234-1234-1234-123412341234}" type="slidenum">
+              <a:rPr lang="en-US"/>
+              <a:t>10</a:t>
+            </a:fld>
+            <a:endParaRPr sz="1400"/>
+          </a:p>
+        </p:txBody>
+      </p:sp>
+      <p:sp>
+        <p:nvSpPr>
+          <p:cNvPr id="584" name="Google Shape;584;g58f6ca7508_0_0:notes"/>
+          <p:cNvSpPr>
+            <a:spLocks noGrp="1" noRot="1" noChangeAspect="1"/>
+          </p:cNvSpPr>
+          <p:nvPr>
+            <p:ph type="sldImg" idx="2"/>
+          </p:nvPr>
+        </p:nvSpPr>
+        <p:spPr>
+          <a:xfrm>
+            <a:off x="1143000" y="685800"/>
+            <a:ext cx="4572000" cy="3429000"/>
+          </a:xfrm>
+          <a:custGeom>
+            <a:avLst/>
+            <a:gdLst/>
+            <a:ahLst/>
+            <a:cxnLst/>
+            <a:rect l="l" t="t" r="r" b="b"/>
+            <a:pathLst>
+              <a:path w="120000" h="120000" extrusionOk="0">
+                <a:moveTo>
+                  <a:pt x="0" y="0"/>
+                </a:moveTo>
+                <a:lnTo>
+                  <a:pt x="120000" y="0"/>
+                </a:lnTo>
+                <a:lnTo>
+                  <a:pt x="120000" y="120000"/>
+                </a:lnTo>
+                <a:lnTo>
+                  <a:pt x="0" y="120000"/>
+                </a:lnTo>
+                <a:close/>
+              </a:path>
+            </a:pathLst>
+          </a:custGeom>
+        </p:spPr>
+      </p:sp>
+      <p:sp>
+        <p:nvSpPr>
+          <p:cNvPr id="585" name="Google Shape;585;g58f6ca7508_0_0:notes"/>
+          <p:cNvSpPr txBox="1">
+            <a:spLocks noGrp="1"/>
+          </p:cNvSpPr>
+          <p:nvPr>
+            <p:ph type="body" idx="1"/>
+          </p:nvPr>
+        </p:nvSpPr>
+        <p:spPr>
+          <a:xfrm>
+            <a:off x="914400" y="4343400"/>
+            <a:ext cx="5029200" cy="4114800"/>
+          </a:xfrm>
+          <a:prstGeom prst="rect">
+            <a:avLst/>
+          </a:prstGeom>
+        </p:spPr>
+        <p:txBody>
+          <a:bodyPr spcFirstLastPara="1" wrap="square" lIns="91425" tIns="45700" rIns="91425" bIns="45700" anchor="t" anchorCtr="0">
+            <a:noAutofit/>
+          </a:bodyPr>
+          <a:lstStyle/>
+          <a:p>
+            <a:pPr marL="0" lvl="0" indent="0" algn="l" rtl="0">
+              <a:spcBef>
+                <a:spcPts val="0"/>
+              </a:spcBef>
+              <a:spcAft>
+                <a:spcPts val="0"/>
+              </a:spcAft>
+              <a:buNone/>
+            </a:pPr>
+            <a:endParaRPr/>
+          </a:p>
+        </p:txBody>
+      </p:sp>
+      <p:sp>
+        <p:nvSpPr>
+          <p:cNvPr id="586" name="Google Shape;586;g58f6ca7508_0_0:notes"/>
+          <p:cNvSpPr txBox="1">
+            <a:spLocks noGrp="1"/>
+          </p:cNvSpPr>
+          <p:nvPr>
+            <p:ph type="sldNum" idx="3"/>
+          </p:nvPr>
+        </p:nvSpPr>
+        <p:spPr>
+          <a:xfrm>
+            <a:off x="3886200" y="8686800"/>
+            <a:ext cx="2971800" cy="457200"/>
+          </a:xfrm>
+          <a:prstGeom prst="rect">
+            <a:avLst/>
+          </a:prstGeom>
+        </p:spPr>
+        <p:txBody>
+          <a:bodyPr spcFirstLastPara="1" wrap="square" lIns="91425" tIns="45700" rIns="91425" bIns="45700" anchor="b" anchorCtr="0">
+            <a:noAutofit/>
+          </a:bodyPr>
+          <a:lstStyle/>
+          <a:p>
+            <a:pPr marL="0" lvl="0" indent="0" algn="r" rtl="0">
+              <a:spcBef>
+                <a:spcPts val="0"/>
+              </a:spcBef>
+              <a:spcAft>
+                <a:spcPts val="0"/>
+              </a:spcAft>
+              <a:buClr>
+                <a:srgbClr val="000000"/>
+              </a:buClr>
+              <a:buSzPts val="1200"/>
+              <a:buFont typeface="Arial"/>
+              <a:buNone/>
+            </a:pPr>
+            <a:fld id="{00000000-1234-1234-1234-123412341234}" type="slidenum">
+              <a:rPr lang="en-US"/>
+              <a:t>10</a:t>
             </a:fld>
             <a:endParaRPr sz="1400"/>
           </a:p>
@@ -6961,7 +6582,7 @@
   <p:cSld>
     <p:spTree>
       <p:nvGrpSpPr>
-        <p:cNvPr id="1" name=""/>
+        <p:cNvPr id="1" name="Shape 482"/>
         <p:cNvGrpSpPr/>
         <p:nvPr/>
       </p:nvGrpSpPr>
@@ -6975,333 +6596,707 @@
       </p:grpSpPr>
       <p:sp>
         <p:nvSpPr>
-          <p:cNvPr id="2" name="CasellaDiTesto 1"/>
+          <p:cNvPr id="483" name="Google Shape;483;p27"/>
+          <p:cNvSpPr txBox="1">
+            <a:spLocks noGrp="1"/>
+          </p:cNvSpPr>
+          <p:nvPr>
+            <p:ph type="dt" idx="10"/>
+          </p:nvPr>
+        </p:nvSpPr>
+        <p:spPr>
+          <a:xfrm>
+            <a:off x="4343400" y="6146800"/>
+            <a:ext cx="1905000" cy="457200"/>
+          </a:xfrm>
+          <a:prstGeom prst="rect">
+            <a:avLst/>
+          </a:prstGeom>
+          <a:noFill/>
+          <a:ln>
+            <a:noFill/>
+          </a:ln>
+        </p:spPr>
+        <p:txBody>
+          <a:bodyPr spcFirstLastPara="1" wrap="square" lIns="91425" tIns="45700" rIns="91425" bIns="45700" anchor="t" anchorCtr="0">
+            <a:noAutofit/>
+          </a:bodyPr>
+          <a:lstStyle/>
+          <a:p>
+            <a:pPr marL="0" marR="0" lvl="0" indent="0" algn="l" rtl="0">
+              <a:lnSpc>
+                <a:spcPct val="100000"/>
+              </a:lnSpc>
+              <a:spcBef>
+                <a:spcPts val="0"/>
+              </a:spcBef>
+              <a:spcAft>
+                <a:spcPts val="0"/>
+              </a:spcAft>
+              <a:buSzPts val="1400"/>
+              <a:buNone/>
+            </a:pPr>
+            <a:r>
+              <a:rPr lang="en-US" sz="2400" b="0" i="0" u="none">
+                <a:solidFill>
+                  <a:schemeClr val="dk1"/>
+                </a:solidFill>
+                <a:latin typeface="Arial"/>
+                <a:ea typeface="Arial"/>
+                <a:cs typeface="Arial"/>
+                <a:sym typeface="Arial"/>
+              </a:rPr>
+              <a:t>04/13/2019</a:t>
+            </a:r>
+            <a:endParaRPr/>
+          </a:p>
+        </p:txBody>
+      </p:sp>
+      <p:sp>
+        <p:nvSpPr>
+          <p:cNvPr id="484" name="Google Shape;484;p27"/>
+          <p:cNvSpPr txBox="1">
+            <a:spLocks noGrp="1"/>
+          </p:cNvSpPr>
+          <p:nvPr>
+            <p:ph type="ftr" idx="11"/>
+          </p:nvPr>
+        </p:nvSpPr>
+        <p:spPr>
+          <a:xfrm>
+            <a:off x="1219200" y="6146800"/>
+            <a:ext cx="2895600" cy="457200"/>
+          </a:xfrm>
+          <a:prstGeom prst="rect">
+            <a:avLst/>
+          </a:prstGeom>
+          <a:noFill/>
+          <a:ln>
+            <a:noFill/>
+          </a:ln>
+        </p:spPr>
+        <p:txBody>
+          <a:bodyPr spcFirstLastPara="1" wrap="square" lIns="91425" tIns="45700" rIns="91425" bIns="45700" anchor="t" anchorCtr="0">
+            <a:noAutofit/>
+          </a:bodyPr>
+          <a:lstStyle/>
+          <a:p>
+            <a:pPr marL="0" marR="0" lvl="0" indent="0" algn="l" rtl="0">
+              <a:lnSpc>
+                <a:spcPct val="100000"/>
+              </a:lnSpc>
+              <a:spcBef>
+                <a:spcPts val="0"/>
+              </a:spcBef>
+              <a:spcAft>
+                <a:spcPts val="0"/>
+              </a:spcAft>
+              <a:buSzPts val="1400"/>
+              <a:buNone/>
+            </a:pPr>
+            <a:r>
+              <a:rPr lang="en-US" sz="2400" b="0" i="0" u="none">
+                <a:solidFill>
+                  <a:schemeClr val="dk1"/>
+                </a:solidFill>
+                <a:latin typeface="Arial"/>
+                <a:ea typeface="Arial"/>
+                <a:cs typeface="Arial"/>
+                <a:sym typeface="Arial"/>
+              </a:rPr>
+              <a:t>Titolo Presentazione</a:t>
+            </a:r>
+            <a:endParaRPr/>
+          </a:p>
+        </p:txBody>
+      </p:sp>
+      <p:sp>
+        <p:nvSpPr>
+          <p:cNvPr id="486" name="Google Shape;486;p27"/>
+          <p:cNvSpPr txBox="1">
+            <a:spLocks noGrp="1"/>
+          </p:cNvSpPr>
+          <p:nvPr>
+            <p:ph type="title" idx="4294967295"/>
+          </p:nvPr>
+        </p:nvSpPr>
+        <p:spPr>
+          <a:xfrm>
+            <a:off x="661449" y="236825"/>
+            <a:ext cx="8028000" cy="509700"/>
+          </a:xfrm>
+          <a:prstGeom prst="rect">
+            <a:avLst/>
+          </a:prstGeom>
+          <a:noFill/>
+          <a:ln>
+            <a:noFill/>
+          </a:ln>
+        </p:spPr>
+        <p:txBody>
+          <a:bodyPr spcFirstLastPara="1" wrap="square" lIns="91425" tIns="45700" rIns="91425" bIns="45700" anchor="t" anchorCtr="0">
+            <a:noAutofit/>
+          </a:bodyPr>
+          <a:lstStyle/>
+          <a:p>
+            <a:pPr marL="0" lvl="0" indent="0" algn="ctr" rtl="0">
+              <a:spcBef>
+                <a:spcPts val="0"/>
+              </a:spcBef>
+              <a:spcAft>
+                <a:spcPts val="0"/>
+              </a:spcAft>
+              <a:buClr>
+                <a:srgbClr val="000000"/>
+              </a:buClr>
+              <a:buSzPts val="2200"/>
+              <a:buFont typeface="Arial"/>
+              <a:buNone/>
+            </a:pPr>
+            <a:r>
+              <a:rPr lang="en-US" sz="2600" dirty="0" smtClean="0">
+                <a:solidFill>
+                  <a:schemeClr val="dk1"/>
+                </a:solidFill>
+              </a:rPr>
+              <a:t>General Setup</a:t>
+            </a:r>
+            <a:endParaRPr sz="3000" dirty="0">
+              <a:solidFill>
+                <a:schemeClr val="dk1"/>
+              </a:solidFill>
+            </a:endParaRPr>
+          </a:p>
+        </p:txBody>
+      </p:sp>
+      <p:sp>
+        <p:nvSpPr>
+          <p:cNvPr id="487" name="Google Shape;487;p27"/>
+          <p:cNvSpPr txBox="1">
+            <a:spLocks noGrp="1"/>
+          </p:cNvSpPr>
+          <p:nvPr>
+            <p:ph type="dt" idx="10"/>
+          </p:nvPr>
+        </p:nvSpPr>
+        <p:spPr>
+          <a:xfrm>
+            <a:off x="7158525" y="6265350"/>
+            <a:ext cx="1905000" cy="457200"/>
+          </a:xfrm>
+          <a:prstGeom prst="rect">
+            <a:avLst/>
+          </a:prstGeom>
+          <a:noFill/>
+          <a:ln>
+            <a:noFill/>
+          </a:ln>
+        </p:spPr>
+        <p:txBody>
+          <a:bodyPr spcFirstLastPara="1" wrap="square" lIns="91425" tIns="45700" rIns="91425" bIns="45700" anchor="t" anchorCtr="0">
+            <a:noAutofit/>
+          </a:bodyPr>
+          <a:lstStyle/>
+          <a:p>
+            <a:pPr marL="0" marR="0" lvl="0" indent="0" algn="l" rtl="0">
+              <a:lnSpc>
+                <a:spcPct val="100000"/>
+              </a:lnSpc>
+              <a:spcBef>
+                <a:spcPts val="0"/>
+              </a:spcBef>
+              <a:spcAft>
+                <a:spcPts val="0"/>
+              </a:spcAft>
+              <a:buSzPts val="1400"/>
+              <a:buNone/>
+            </a:pPr>
+            <a:endParaRPr dirty="0">
+              <a:solidFill>
+                <a:srgbClr val="FFFFFF"/>
+              </a:solidFill>
+            </a:endParaRPr>
+          </a:p>
+        </p:txBody>
+      </p:sp>
+      <p:sp>
+        <p:nvSpPr>
+          <p:cNvPr id="488" name="Google Shape;488;p27"/>
+          <p:cNvSpPr txBox="1">
+            <a:spLocks noGrp="1"/>
+          </p:cNvSpPr>
+          <p:nvPr>
+            <p:ph type="ftr" idx="11"/>
+          </p:nvPr>
+        </p:nvSpPr>
+        <p:spPr>
+          <a:xfrm>
+            <a:off x="1545300" y="6265350"/>
+            <a:ext cx="3494400" cy="457200"/>
+          </a:xfrm>
+          <a:prstGeom prst="rect">
+            <a:avLst/>
+          </a:prstGeom>
+          <a:noFill/>
+          <a:ln>
+            <a:noFill/>
+          </a:ln>
+        </p:spPr>
+        <p:txBody>
+          <a:bodyPr spcFirstLastPara="1" wrap="square" lIns="91425" tIns="45700" rIns="91425" bIns="45700" anchor="t" anchorCtr="0">
+            <a:noAutofit/>
+          </a:bodyPr>
+          <a:lstStyle/>
+          <a:p>
+            <a:pPr marL="0" marR="0" lvl="0" indent="0" algn="l" rtl="0">
+              <a:lnSpc>
+                <a:spcPct val="100000"/>
+              </a:lnSpc>
+              <a:spcBef>
+                <a:spcPts val="0"/>
+              </a:spcBef>
+              <a:spcAft>
+                <a:spcPts val="0"/>
+              </a:spcAft>
+              <a:buSzPts val="1400"/>
+              <a:buNone/>
+            </a:pPr>
+            <a:endParaRPr dirty="0">
+              <a:solidFill>
+                <a:srgbClr val="FFFFFF"/>
+              </a:solidFill>
+            </a:endParaRPr>
+          </a:p>
+        </p:txBody>
+      </p:sp>
+      <p:sp>
+        <p:nvSpPr>
+          <p:cNvPr id="489" name="Google Shape;489;p27"/>
           <p:cNvSpPr txBox="1"/>
           <p:nvPr/>
         </p:nvSpPr>
         <p:spPr>
           <a:xfrm>
-            <a:off x="1445740" y="1643554"/>
-            <a:ext cx="5739072" cy="954107"/>
+            <a:off x="222300" y="1030900"/>
+            <a:ext cx="4121100" cy="2313900"/>
           </a:xfrm>
           <a:prstGeom prst="rect">
             <a:avLst/>
           </a:prstGeom>
           <a:noFill/>
+          <a:ln w="9525" cap="flat" cmpd="sng">
+            <a:solidFill>
+              <a:srgbClr val="000000"/>
+            </a:solidFill>
+            <a:prstDash val="solid"/>
+            <a:round/>
+            <a:headEnd type="none" w="sm" len="sm"/>
+            <a:tailEnd type="none" w="sm" len="sm"/>
+          </a:ln>
         </p:spPr>
         <p:txBody>
-          <a:bodyPr wrap="none" rtlCol="0">
-            <a:spAutoFit/>
+          <a:bodyPr spcFirstLastPara="1" wrap="square" lIns="91425" tIns="91425" rIns="91425" bIns="91425" anchor="t" anchorCtr="0">
+            <a:noAutofit/>
           </a:bodyPr>
           <a:lstStyle/>
           <a:p>
-            <a:r>
-              <a:rPr lang="it-IT" b="1" dirty="0" smtClean="0">
-                <a:solidFill>
-                  <a:srgbClr val="FF0000"/>
-                </a:solidFill>
-              </a:rPr>
-              <a:t>PRIMA PARTE</a:t>
-            </a:r>
-          </a:p>
-          <a:p>
-            <a:endParaRPr lang="it-IT" dirty="0"/>
-          </a:p>
-          <a:p>
-            <a:r>
-              <a:rPr lang="it-IT" dirty="0" smtClean="0"/>
-              <a:t>Esempi </a:t>
-            </a:r>
-            <a:r>
-              <a:rPr lang="it-IT" dirty="0" err="1" smtClean="0"/>
-              <a:t>paper</a:t>
-            </a:r>
-            <a:r>
-              <a:rPr lang="it-IT" dirty="0" smtClean="0"/>
-              <a:t> (veloci). BREAKOUT SAPIENTINO COCKTAIL PARTY</a:t>
-            </a:r>
-          </a:p>
-          <a:p>
-            <a:r>
-              <a:rPr lang="it-IT" dirty="0" smtClean="0"/>
-              <a:t>Parlare solo di 1 giusto per finire di esporre il </a:t>
-            </a:r>
-            <a:r>
-              <a:rPr lang="it-IT" dirty="0" err="1" smtClean="0"/>
-              <a:t>paper</a:t>
-            </a:r>
-            <a:endParaRPr lang="it-IT" dirty="0"/>
+            <a:pPr marL="0" lvl="0" indent="0" algn="ctr" rtl="0">
+              <a:lnSpc>
+                <a:spcPct val="130000"/>
+              </a:lnSpc>
+              <a:spcBef>
+                <a:spcPts val="0"/>
+              </a:spcBef>
+              <a:spcAft>
+                <a:spcPts val="0"/>
+              </a:spcAft>
+              <a:buNone/>
+            </a:pPr>
+            <a:r>
+              <a:rPr lang="en-US" sz="1800" b="1"/>
+              <a:t>Assumptions</a:t>
+            </a:r>
+            <a:endParaRPr sz="1800" b="1"/>
+          </a:p>
+          <a:p>
+            <a:pPr marL="457200" lvl="0" indent="-330200" algn="l" rtl="0">
+              <a:lnSpc>
+                <a:spcPct val="130000"/>
+              </a:lnSpc>
+              <a:spcBef>
+                <a:spcPts val="1000"/>
+              </a:spcBef>
+              <a:spcAft>
+                <a:spcPts val="0"/>
+              </a:spcAft>
+              <a:buSzPts val="1600"/>
+              <a:buAutoNum type="arabicPeriod"/>
+            </a:pPr>
+            <a:r>
+              <a:rPr lang="en-US" sz="1600"/>
+              <a:t>RL and RB have real sensors for real world</a:t>
+            </a:r>
+            <a:endParaRPr sz="1600"/>
+          </a:p>
+          <a:p>
+            <a:pPr marL="457200" lvl="0" indent="-330200" algn="l" rtl="0">
+              <a:lnSpc>
+                <a:spcPct val="130000"/>
+              </a:lnSpc>
+              <a:spcBef>
+                <a:spcPts val="0"/>
+              </a:spcBef>
+              <a:spcAft>
+                <a:spcPts val="0"/>
+              </a:spcAft>
+              <a:buSzPts val="1600"/>
+              <a:buAutoNum type="arabicPeriod"/>
+            </a:pPr>
+            <a:r>
+              <a:rPr lang="en-US" sz="1600"/>
+              <a:t>and virtual sensors for virtual world.</a:t>
+            </a:r>
+            <a:endParaRPr sz="1600"/>
+          </a:p>
+          <a:p>
+            <a:pPr marL="457200" lvl="0" indent="-330200" algn="l" rtl="0">
+              <a:lnSpc>
+                <a:spcPct val="130000"/>
+              </a:lnSpc>
+              <a:spcBef>
+                <a:spcPts val="0"/>
+              </a:spcBef>
+              <a:spcAft>
+                <a:spcPts val="0"/>
+              </a:spcAft>
+              <a:buSzPts val="1600"/>
+              <a:buAutoNum type="arabicPeriod"/>
+            </a:pPr>
+            <a:r>
+              <a:rPr lang="en-US" sz="1600"/>
+              <a:t>The simulator is able to model all the relevant evolutions of the world.</a:t>
+            </a:r>
+            <a:endParaRPr sz="1600"/>
           </a:p>
         </p:txBody>
       </p:sp>
       <p:sp>
         <p:nvSpPr>
-          <p:cNvPr id="4" name="CasellaDiTesto 3"/>
+          <p:cNvPr id="490" name="Google Shape;490;p27"/>
           <p:cNvSpPr txBox="1"/>
           <p:nvPr/>
         </p:nvSpPr>
         <p:spPr>
           <a:xfrm>
-            <a:off x="1524000" y="2738875"/>
-            <a:ext cx="5549917" cy="954107"/>
+            <a:off x="4741100" y="1061450"/>
+            <a:ext cx="4121100" cy="2052600"/>
           </a:xfrm>
           <a:prstGeom prst="rect">
             <a:avLst/>
           </a:prstGeom>
           <a:noFill/>
+          <a:ln w="9525" cap="flat" cmpd="sng">
+            <a:solidFill>
+              <a:srgbClr val="000000"/>
+            </a:solidFill>
+            <a:prstDash val="solid"/>
+            <a:round/>
+            <a:headEnd type="none" w="sm" len="sm"/>
+            <a:tailEnd type="none" w="sm" len="sm"/>
+          </a:ln>
         </p:spPr>
         <p:txBody>
-          <a:bodyPr wrap="none" rtlCol="0">
-            <a:spAutoFit/>
+          <a:bodyPr spcFirstLastPara="1" wrap="square" lIns="91425" tIns="91425" rIns="91425" bIns="91425" anchor="t" anchorCtr="0">
+            <a:noAutofit/>
           </a:bodyPr>
           <a:lstStyle/>
           <a:p>
-            <a:r>
-              <a:rPr lang="it-IT" b="1" dirty="0" smtClean="0">
-                <a:solidFill>
-                  <a:srgbClr val="FF0000"/>
-                </a:solidFill>
-              </a:rPr>
-              <a:t>SECONDA PARTE</a:t>
-            </a:r>
-          </a:p>
-          <a:p>
-            <a:endParaRPr lang="it-IT" dirty="0" smtClean="0"/>
-          </a:p>
-          <a:p>
-            <a:r>
-              <a:rPr lang="it-IT" dirty="0" smtClean="0"/>
-              <a:t>Esperimento principale: CHESS </a:t>
-            </a:r>
-            <a:r>
-              <a:rPr lang="it-IT" dirty="0" err="1" smtClean="0"/>
-              <a:t>learning</a:t>
-            </a:r>
-            <a:r>
-              <a:rPr lang="it-IT" dirty="0" smtClean="0"/>
-              <a:t> </a:t>
-            </a:r>
-            <a:r>
-              <a:rPr lang="it-IT" dirty="0" err="1" smtClean="0"/>
-              <a:t>moves</a:t>
-            </a:r>
-            <a:endParaRPr lang="it-IT" dirty="0" smtClean="0"/>
-          </a:p>
-          <a:p>
-            <a:r>
-              <a:rPr lang="it-IT" dirty="0" smtClean="0"/>
-              <a:t>RL,RB, </a:t>
-            </a:r>
-            <a:r>
-              <a:rPr lang="it-IT" dirty="0" err="1" smtClean="0"/>
-              <a:t>env</a:t>
-            </a:r>
-            <a:r>
-              <a:rPr lang="it-IT" dirty="0" smtClean="0"/>
-              <a:t>.  +   breve CODE/training   +    </a:t>
-            </a:r>
-            <a:r>
-              <a:rPr lang="it-IT" dirty="0" err="1" smtClean="0"/>
-              <a:t>Results</a:t>
-            </a:r>
-            <a:r>
-              <a:rPr lang="it-IT" dirty="0" smtClean="0"/>
-              <a:t> grafici and Video</a:t>
-            </a:r>
-            <a:endParaRPr lang="it-IT" dirty="0"/>
+            <a:pPr marL="0" lvl="0" indent="0" algn="ctr" rtl="0">
+              <a:lnSpc>
+                <a:spcPct val="130000"/>
+              </a:lnSpc>
+              <a:spcBef>
+                <a:spcPts val="0"/>
+              </a:spcBef>
+              <a:spcAft>
+                <a:spcPts val="0"/>
+              </a:spcAft>
+              <a:buNone/>
+            </a:pPr>
+            <a:r>
+              <a:rPr lang="en-US" sz="1800" b="1"/>
+              <a:t>Software</a:t>
+            </a:r>
+            <a:endParaRPr sz="1800" b="1"/>
+          </a:p>
+          <a:p>
+            <a:pPr marL="457200" lvl="0" indent="-330200" algn="l" rtl="0">
+              <a:lnSpc>
+                <a:spcPct val="130000"/>
+              </a:lnSpc>
+              <a:spcBef>
+                <a:spcPts val="1000"/>
+              </a:spcBef>
+              <a:spcAft>
+                <a:spcPts val="0"/>
+              </a:spcAft>
+              <a:buSzPts val="1600"/>
+              <a:buAutoNum type="arabicPeriod"/>
+            </a:pPr>
+            <a:r>
+              <a:rPr lang="en-US" sz="1600"/>
+              <a:t>Core software is domain </a:t>
+            </a:r>
+            <a:r>
+              <a:rPr lang="en-US" sz="1600" b="1"/>
+              <a:t>independent.</a:t>
+            </a:r>
+            <a:endParaRPr sz="1600" b="1"/>
+          </a:p>
+          <a:p>
+            <a:pPr marL="457200" lvl="0" indent="-330200" algn="l" rtl="0">
+              <a:lnSpc>
+                <a:spcPct val="130000"/>
+              </a:lnSpc>
+              <a:spcBef>
+                <a:spcPts val="0"/>
+              </a:spcBef>
+              <a:spcAft>
+                <a:spcPts val="0"/>
+              </a:spcAft>
+              <a:buSzPts val="1600"/>
+              <a:buAutoNum type="arabicPeriod"/>
+            </a:pPr>
+            <a:r>
+              <a:rPr lang="en-US" sz="1600"/>
+              <a:t>Virtual sensors and LDL/LTL formulas are domain </a:t>
+            </a:r>
+            <a:r>
+              <a:rPr lang="en-US" sz="1600" b="1"/>
+              <a:t>dependent.</a:t>
+            </a:r>
+            <a:endParaRPr sz="1600"/>
           </a:p>
         </p:txBody>
       </p:sp>
       <p:sp>
         <p:nvSpPr>
-          <p:cNvPr id="6" name="CasellaDiTesto 5"/>
+          <p:cNvPr id="491" name="Google Shape;491;p27"/>
           <p:cNvSpPr txBox="1"/>
           <p:nvPr/>
         </p:nvSpPr>
         <p:spPr>
           <a:xfrm>
-            <a:off x="1524000" y="4049639"/>
-            <a:ext cx="6306535" cy="954107"/>
+            <a:off x="4741100" y="3651250"/>
+            <a:ext cx="4121100" cy="1848000"/>
           </a:xfrm>
           <a:prstGeom prst="rect">
             <a:avLst/>
           </a:prstGeom>
           <a:noFill/>
+          <a:ln w="9525" cap="flat" cmpd="sng">
+            <a:solidFill>
+              <a:srgbClr val="000000"/>
+            </a:solidFill>
+            <a:prstDash val="solid"/>
+            <a:round/>
+            <a:headEnd type="none" w="sm" len="sm"/>
+            <a:tailEnd type="none" w="sm" len="sm"/>
+          </a:ln>
         </p:spPr>
         <p:txBody>
-          <a:bodyPr wrap="none" rtlCol="0">
-            <a:spAutoFit/>
+          <a:bodyPr spcFirstLastPara="1" wrap="square" lIns="91425" tIns="91425" rIns="91425" bIns="91425" anchor="t" anchorCtr="0">
+            <a:noAutofit/>
           </a:bodyPr>
           <a:lstStyle/>
           <a:p>
-            <a:r>
-              <a:rPr lang="it-IT" b="1" dirty="0" smtClean="0">
-                <a:solidFill>
-                  <a:srgbClr val="FF0000"/>
-                </a:solidFill>
-              </a:rPr>
-              <a:t>TERZA PARTE</a:t>
-            </a:r>
-          </a:p>
-          <a:p>
-            <a:endParaRPr lang="it-IT" dirty="0"/>
-          </a:p>
-          <a:p>
-            <a:r>
-              <a:rPr lang="it-IT" dirty="0" smtClean="0"/>
-              <a:t>2,3 Esempi finali implementabili</a:t>
-            </a:r>
-          </a:p>
-          <a:p>
-            <a:r>
-              <a:rPr lang="it-IT" dirty="0" smtClean="0"/>
-              <a:t>RL,RB </a:t>
-            </a:r>
-            <a:r>
-              <a:rPr lang="it-IT" dirty="0" err="1" smtClean="0"/>
-              <a:t>env</a:t>
-            </a:r>
-            <a:r>
-              <a:rPr lang="it-IT" dirty="0" smtClean="0"/>
-              <a:t>.    +.  Spiegare come si potrebbe fare, o pseudo codice a riguardo</a:t>
-            </a:r>
-            <a:endParaRPr lang="it-IT" dirty="0"/>
+            <a:pPr marL="0" lvl="0" indent="0" algn="ctr" rtl="0">
+              <a:lnSpc>
+                <a:spcPct val="130000"/>
+              </a:lnSpc>
+              <a:spcBef>
+                <a:spcPts val="0"/>
+              </a:spcBef>
+              <a:spcAft>
+                <a:spcPts val="0"/>
+              </a:spcAft>
+              <a:buNone/>
+            </a:pPr>
+            <a:r>
+              <a:rPr lang="en-US" sz="1800" b="1"/>
+              <a:t>Episode reset conditions</a:t>
+            </a:r>
+            <a:endParaRPr sz="1800" b="1"/>
+          </a:p>
+          <a:p>
+            <a:pPr marL="457200" lvl="0" indent="-330200" algn="l" rtl="0">
+              <a:lnSpc>
+                <a:spcPct val="130000"/>
+              </a:lnSpc>
+              <a:spcBef>
+                <a:spcPts val="1000"/>
+              </a:spcBef>
+              <a:spcAft>
+                <a:spcPts val="0"/>
+              </a:spcAft>
+              <a:buSzPts val="1600"/>
+              <a:buAutoNum type="arabicPeriod"/>
+            </a:pPr>
+            <a:r>
+              <a:rPr lang="en-US" sz="1600" i="1"/>
+              <a:t>DFA </a:t>
+            </a:r>
+            <a:r>
+              <a:rPr lang="en-US" sz="1600"/>
+              <a:t>state satisfy formula. </a:t>
+            </a:r>
+            <a:endParaRPr sz="1600"/>
+          </a:p>
+          <a:p>
+            <a:pPr marL="457200" lvl="0" indent="-330200" algn="l" rtl="0">
+              <a:lnSpc>
+                <a:spcPct val="130000"/>
+              </a:lnSpc>
+              <a:spcBef>
+                <a:spcPts val="0"/>
+              </a:spcBef>
+              <a:spcAft>
+                <a:spcPts val="0"/>
+              </a:spcAft>
+              <a:buSzPts val="1600"/>
+              <a:buAutoNum type="arabicPeriod"/>
+            </a:pPr>
+            <a:r>
+              <a:rPr lang="en-US" sz="1600" i="1"/>
+              <a:t>DFA </a:t>
+            </a:r>
+            <a:r>
+              <a:rPr lang="en-US" sz="1600"/>
+              <a:t>state is failure.</a:t>
+            </a:r>
+            <a:endParaRPr sz="1600"/>
+          </a:p>
+          <a:p>
+            <a:pPr marL="457200" lvl="0" indent="-330200" algn="l" rtl="0">
+              <a:lnSpc>
+                <a:spcPct val="130000"/>
+              </a:lnSpc>
+              <a:spcBef>
+                <a:spcPts val="0"/>
+              </a:spcBef>
+              <a:spcAft>
+                <a:spcPts val="0"/>
+              </a:spcAft>
+              <a:buSzPts val="1600"/>
+              <a:buAutoNum type="arabicPeriod"/>
+            </a:pPr>
+            <a:r>
+              <a:rPr lang="en-US" sz="1600"/>
+              <a:t>Maximum number of action reached.</a:t>
+            </a:r>
+            <a:endParaRPr sz="1600"/>
           </a:p>
         </p:txBody>
       </p:sp>
       <p:sp>
         <p:nvSpPr>
-          <p:cNvPr id="7" name="CasellaDiTesto 6"/>
+          <p:cNvPr id="492" name="Google Shape;492;p27"/>
           <p:cNvSpPr txBox="1"/>
           <p:nvPr/>
         </p:nvSpPr>
         <p:spPr>
           <a:xfrm>
-            <a:off x="1509412" y="5360403"/>
-            <a:ext cx="3167855" cy="307777"/>
+            <a:off x="272250" y="3967450"/>
+            <a:ext cx="4021200" cy="1215600"/>
           </a:xfrm>
           <a:prstGeom prst="rect">
             <a:avLst/>
           </a:prstGeom>
           <a:noFill/>
-        </p:spPr>
-        <p:txBody>
-          <a:bodyPr wrap="none" rtlCol="0">
-            <a:spAutoFit/>
-          </a:bodyPr>
-          <a:lstStyle/>
-          <a:p>
-            <a:r>
-              <a:rPr lang="it-IT" b="1" dirty="0" smtClean="0">
-                <a:solidFill>
-                  <a:srgbClr val="FF0000"/>
-                </a:solidFill>
-              </a:rPr>
-              <a:t>CONCLUSIONI E SVILUPPI FUTURI</a:t>
-            </a:r>
-            <a:endParaRPr lang="it-IT" b="1" dirty="0">
-              <a:solidFill>
-                <a:srgbClr val="FF0000"/>
-              </a:solidFill>
-            </a:endParaRPr>
-          </a:p>
-        </p:txBody>
-      </p:sp>
-      <p:sp>
-        <p:nvSpPr>
-          <p:cNvPr id="8" name="CasellaDiTesto 7"/>
-          <p:cNvSpPr txBox="1"/>
-          <p:nvPr/>
-        </p:nvSpPr>
-        <p:spPr>
-          <a:xfrm>
-            <a:off x="123568" y="548234"/>
-            <a:ext cx="8489091" cy="523220"/>
-          </a:xfrm>
-          <a:prstGeom prst="rect">
-            <a:avLst/>
-          </a:prstGeom>
-          <a:noFill/>
-          <a:ln w="19050">
+          <a:ln w="9525" cap="flat" cmpd="sng">
             <a:solidFill>
-              <a:schemeClr val="tx1"/>
+              <a:srgbClr val="000000"/>
             </a:solidFill>
+            <a:prstDash val="solid"/>
+            <a:round/>
+            <a:headEnd type="none" w="sm" len="sm"/>
+            <a:tailEnd type="none" w="sm" len="sm"/>
           </a:ln>
         </p:spPr>
         <p:txBody>
-          <a:bodyPr wrap="square" rtlCol="0">
-            <a:spAutoFit/>
+          <a:bodyPr spcFirstLastPara="1" wrap="square" lIns="91425" tIns="91425" rIns="91425" bIns="91425" anchor="t" anchorCtr="0">
+            <a:noAutofit/>
           </a:bodyPr>
           <a:lstStyle/>
           <a:p>
-            <a:r>
-              <a:rPr lang="it-IT" sz="2800" dirty="0" smtClean="0"/>
-              <a:t>PARTE SPERIMENTALE: MANTOVANI e LORENZI</a:t>
-            </a:r>
-            <a:endParaRPr lang="it-IT" sz="2800" dirty="0"/>
-          </a:p>
-        </p:txBody>
-      </p:sp>
-      <p:sp>
-        <p:nvSpPr>
-          <p:cNvPr id="5" name="CasellaDiTesto 4"/>
-          <p:cNvSpPr txBox="1"/>
-          <p:nvPr/>
-        </p:nvSpPr>
-        <p:spPr>
-          <a:xfrm>
-            <a:off x="1445740" y="5618753"/>
-            <a:ext cx="7183377" cy="307777"/>
-          </a:xfrm>
-          <a:prstGeom prst="rect">
-            <a:avLst/>
-          </a:prstGeom>
-          <a:noFill/>
-        </p:spPr>
-        <p:txBody>
-          <a:bodyPr wrap="none" rtlCol="0">
-            <a:spAutoFit/>
-          </a:bodyPr>
-          <a:lstStyle/>
-          <a:p>
-            <a:r>
-              <a:rPr lang="it-IT" dirty="0" smtClean="0"/>
-              <a:t> </a:t>
-            </a:r>
-            <a:r>
-              <a:rPr lang="it-IT" dirty="0" err="1" smtClean="0"/>
-              <a:t>Chess</a:t>
-            </a:r>
-            <a:r>
-              <a:rPr lang="it-IT" dirty="0" smtClean="0"/>
-              <a:t> game completo  </a:t>
-            </a:r>
-            <a:r>
-              <a:rPr lang="it-IT" dirty="0" smtClean="0">
-                <a:sym typeface="Wingdings"/>
-              </a:rPr>
-              <a:t> </a:t>
-            </a:r>
-            <a:r>
-              <a:rPr lang="it-IT" dirty="0" err="1" smtClean="0">
-                <a:sym typeface="Wingdings"/>
-              </a:rPr>
-              <a:t>concept</a:t>
-            </a:r>
-            <a:r>
-              <a:rPr lang="it-IT" dirty="0" smtClean="0">
-                <a:sym typeface="Wingdings"/>
-              </a:rPr>
-              <a:t> ancora in fase sperimentale per un approccio pratico </a:t>
-            </a:r>
-            <a:endParaRPr lang="it-IT" dirty="0"/>
+            <a:pPr marL="0" lvl="0" indent="0" algn="ctr" rtl="0">
+              <a:lnSpc>
+                <a:spcPct val="130000"/>
+              </a:lnSpc>
+              <a:spcBef>
+                <a:spcPts val="0"/>
+              </a:spcBef>
+              <a:spcAft>
+                <a:spcPts val="0"/>
+              </a:spcAft>
+              <a:buNone/>
+            </a:pPr>
+            <a:r>
+              <a:rPr lang="en-US" sz="1800" b="1"/>
+              <a:t>Algorithm Specifications</a:t>
+            </a:r>
+            <a:endParaRPr sz="1800" b="1"/>
+          </a:p>
+          <a:p>
+            <a:pPr marL="457200" lvl="0" indent="-330200" algn="l" rtl="0">
+              <a:lnSpc>
+                <a:spcPct val="130000"/>
+              </a:lnSpc>
+              <a:spcBef>
+                <a:spcPts val="1000"/>
+              </a:spcBef>
+              <a:spcAft>
+                <a:spcPts val="0"/>
+              </a:spcAft>
+              <a:buSzPts val="1600"/>
+              <a:buAutoNum type="arabicPeriod"/>
+            </a:pPr>
+            <a:r>
+              <a:rPr lang="en-US" sz="1600" i="1"/>
+              <a:t>n-step SARSA</a:t>
+            </a:r>
+            <a:r>
+              <a:rPr lang="en-US" sz="1600"/>
+              <a:t> algorithm.</a:t>
+            </a:r>
+            <a:endParaRPr sz="1600"/>
+          </a:p>
+          <a:p>
+            <a:pPr marL="457200" lvl="0" indent="-330200" algn="l" rtl="0">
+              <a:lnSpc>
+                <a:spcPct val="130000"/>
+              </a:lnSpc>
+              <a:spcBef>
+                <a:spcPts val="0"/>
+              </a:spcBef>
+              <a:spcAft>
+                <a:spcPts val="0"/>
+              </a:spcAft>
+              <a:buSzPts val="1600"/>
+              <a:buAutoNum type="arabicPeriod"/>
+            </a:pPr>
+            <a:r>
+              <a:rPr lang="en-US" sz="1600"/>
+              <a:t>Use of reward shaping for speed up.</a:t>
+            </a:r>
+            <a:endParaRPr sz="1600"/>
           </a:p>
         </p:txBody>
       </p:sp>
     </p:spTree>
     <p:extLst>
       <p:ext uri="{BB962C8B-B14F-4D97-AF65-F5344CB8AC3E}">
-        <p14:creationId xmlns:p14="http://schemas.microsoft.com/office/powerpoint/2010/main" val="357315485"/>
+        <p14:creationId xmlns:p14="http://schemas.microsoft.com/office/powerpoint/2010/main" val="1745723763"/>
       </p:ext>
     </p:extLst>
   </p:cSld>
@@ -7312,455 +7307,6 @@
 </file>
 
 <file path=ppt/slides/slide10.xml><?xml version="1.0" encoding="utf-8"?>
-<p:sld xmlns:a="http://schemas.openxmlformats.org/drawingml/2006/main" xmlns:r="http://schemas.openxmlformats.org/officeDocument/2006/relationships" xmlns:p="http://schemas.openxmlformats.org/presentationml/2006/main">
-  <p:cSld>
-    <p:spTree>
-      <p:nvGrpSpPr>
-        <p:cNvPr id="1" name=""/>
-        <p:cNvGrpSpPr/>
-        <p:nvPr/>
-      </p:nvGrpSpPr>
-      <p:grpSpPr>
-        <a:xfrm>
-          <a:off x="0" y="0"/>
-          <a:ext cx="0" cy="0"/>
-          <a:chOff x="0" y="0"/>
-          <a:chExt cx="0" cy="0"/>
-        </a:xfrm>
-      </p:grpSpPr>
-      <p:sp>
-        <p:nvSpPr>
-          <p:cNvPr id="2" name="Titolo 1"/>
-          <p:cNvSpPr>
-            <a:spLocks noGrp="1"/>
-          </p:cNvSpPr>
-          <p:nvPr>
-            <p:ph type="title"/>
-          </p:nvPr>
-        </p:nvSpPr>
-        <p:spPr/>
-        <p:txBody>
-          <a:bodyPr/>
-          <a:lstStyle/>
-          <a:p>
-            <a:r>
-              <a:rPr lang="it-IT" dirty="0" err="1" smtClean="0"/>
-              <a:t>Other</a:t>
-            </a:r>
-            <a:r>
-              <a:rPr lang="it-IT" dirty="0" smtClean="0"/>
-              <a:t> </a:t>
-            </a:r>
-            <a:r>
-              <a:rPr lang="it-IT" dirty="0" err="1" smtClean="0"/>
-              <a:t>Possible</a:t>
-            </a:r>
-            <a:r>
-              <a:rPr lang="it-IT" dirty="0" smtClean="0"/>
-              <a:t> </a:t>
-            </a:r>
-            <a:r>
-              <a:rPr lang="it-IT" dirty="0" err="1" smtClean="0"/>
-              <a:t>Example</a:t>
-            </a:r>
-            <a:r>
-              <a:rPr lang="it-IT" dirty="0" smtClean="0"/>
-              <a:t> : drive (1)</a:t>
-            </a:r>
-            <a:endParaRPr lang="it-IT" dirty="0"/>
-          </a:p>
-        </p:txBody>
-      </p:sp>
-      <p:sp>
-        <p:nvSpPr>
-          <p:cNvPr id="3" name="Segnaposto testo 2"/>
-          <p:cNvSpPr>
-            <a:spLocks noGrp="1"/>
-          </p:cNvSpPr>
-          <p:nvPr>
-            <p:ph type="body" idx="1"/>
-          </p:nvPr>
-        </p:nvSpPr>
-        <p:spPr>
-          <a:xfrm>
-            <a:off x="462444" y="2580503"/>
-            <a:ext cx="7559675" cy="4114800"/>
-          </a:xfrm>
-        </p:spPr>
-        <p:txBody>
-          <a:bodyPr/>
-          <a:lstStyle/>
-          <a:p>
-            <a:r>
-              <a:rPr lang="it-IT" dirty="0" smtClean="0"/>
-              <a:t>RL AND RB</a:t>
-            </a:r>
-          </a:p>
-          <a:p>
-            <a:endParaRPr lang="it-IT" dirty="0"/>
-          </a:p>
-        </p:txBody>
-      </p:sp>
-      <p:sp>
-        <p:nvSpPr>
-          <p:cNvPr id="4" name="CasellaDiTesto 3"/>
-          <p:cNvSpPr txBox="1"/>
-          <p:nvPr/>
-        </p:nvSpPr>
-        <p:spPr>
-          <a:xfrm>
-            <a:off x="1116012" y="1013365"/>
-            <a:ext cx="6378669" cy="1754326"/>
-          </a:xfrm>
-          <a:prstGeom prst="rect">
-            <a:avLst/>
-          </a:prstGeom>
-          <a:noFill/>
-        </p:spPr>
-        <p:txBody>
-          <a:bodyPr wrap="none" rtlCol="0">
-            <a:spAutoFit/>
-          </a:bodyPr>
-          <a:lstStyle/>
-          <a:p>
-            <a:r>
-              <a:rPr lang="it-IT" sz="1800" dirty="0" smtClean="0"/>
-              <a:t>Sistema di parcheggio automatico automobile</a:t>
-            </a:r>
-          </a:p>
-          <a:p>
-            <a:r>
-              <a:rPr lang="it-IT" sz="1800" dirty="0" smtClean="0"/>
-              <a:t>Una limitazione potrebbe essere posta dalle strisce gialle/blu</a:t>
-            </a:r>
-          </a:p>
-          <a:p>
-            <a:r>
-              <a:rPr lang="it-IT" sz="1800" dirty="0" smtClean="0"/>
-              <a:t>O da un posto handicap</a:t>
-            </a:r>
-          </a:p>
-          <a:p>
-            <a:r>
-              <a:rPr lang="it-IT" sz="1800" dirty="0" smtClean="0"/>
-              <a:t>Quindi capire dove non fare </a:t>
-            </a:r>
-            <a:r>
-              <a:rPr lang="it-IT" sz="1800" dirty="0" err="1" smtClean="0"/>
-              <a:t>learning</a:t>
-            </a:r>
-            <a:endParaRPr lang="it-IT" sz="1800" dirty="0" smtClean="0"/>
-          </a:p>
-          <a:p>
-            <a:r>
-              <a:rPr lang="it-IT" sz="1800" dirty="0">
-                <a:hlinkClick r:id="rId2"/>
-              </a:rPr>
-              <a:t>https://</a:t>
-            </a:r>
-            <a:r>
-              <a:rPr lang="it-IT" sz="1800" dirty="0" smtClean="0">
-                <a:hlinkClick r:id="rId2"/>
-              </a:rPr>
-              <a:t>www.youtube.com/watch?v=VMp6pq6_QjI</a:t>
-            </a:r>
-            <a:endParaRPr lang="it-IT" sz="1800" dirty="0" smtClean="0"/>
-          </a:p>
-          <a:p>
-            <a:endParaRPr lang="it-IT" sz="1800" dirty="0" smtClean="0"/>
-          </a:p>
-        </p:txBody>
-      </p:sp>
-    </p:spTree>
-    <p:extLst>
-      <p:ext uri="{BB962C8B-B14F-4D97-AF65-F5344CB8AC3E}">
-        <p14:creationId xmlns:p14="http://schemas.microsoft.com/office/powerpoint/2010/main" val="1846519925"/>
-      </p:ext>
-    </p:extLst>
-  </p:cSld>
-  <p:clrMapOvr>
-    <a:masterClrMapping/>
-  </p:clrMapOvr>
-</p:sld>
-</file>
-
-<file path=ppt/slides/slide11.xml><?xml version="1.0" encoding="utf-8"?>
-<p:sld xmlns:a="http://schemas.openxmlformats.org/drawingml/2006/main" xmlns:r="http://schemas.openxmlformats.org/officeDocument/2006/relationships" xmlns:p="http://schemas.openxmlformats.org/presentationml/2006/main">
-  <p:cSld>
-    <p:spTree>
-      <p:nvGrpSpPr>
-        <p:cNvPr id="1" name=""/>
-        <p:cNvGrpSpPr/>
-        <p:nvPr/>
-      </p:nvGrpSpPr>
-      <p:grpSpPr>
-        <a:xfrm>
-          <a:off x="0" y="0"/>
-          <a:ext cx="0" cy="0"/>
-          <a:chOff x="0" y="0"/>
-          <a:chExt cx="0" cy="0"/>
-        </a:xfrm>
-      </p:grpSpPr>
-      <p:sp>
-        <p:nvSpPr>
-          <p:cNvPr id="2" name="Titolo 1"/>
-          <p:cNvSpPr>
-            <a:spLocks noGrp="1"/>
-          </p:cNvSpPr>
-          <p:nvPr>
-            <p:ph type="title"/>
-          </p:nvPr>
-        </p:nvSpPr>
-        <p:spPr/>
-        <p:txBody>
-          <a:bodyPr/>
-          <a:lstStyle/>
-          <a:p>
-            <a:r>
-              <a:rPr lang="it-IT" dirty="0" err="1"/>
-              <a:t>Other</a:t>
-            </a:r>
-            <a:r>
-              <a:rPr lang="it-IT" dirty="0"/>
-              <a:t> </a:t>
-            </a:r>
-            <a:r>
-              <a:rPr lang="it-IT" dirty="0" err="1"/>
-              <a:t>Possible</a:t>
-            </a:r>
-            <a:r>
-              <a:rPr lang="it-IT" dirty="0"/>
-              <a:t> </a:t>
-            </a:r>
-            <a:r>
-              <a:rPr lang="it-IT" dirty="0" err="1"/>
-              <a:t>Example</a:t>
-            </a:r>
-            <a:r>
-              <a:rPr lang="it-IT" dirty="0"/>
-              <a:t> </a:t>
-            </a:r>
-            <a:r>
-              <a:rPr lang="it-IT" dirty="0" smtClean="0"/>
-              <a:t>: drive (2)</a:t>
-            </a:r>
-            <a:endParaRPr lang="it-IT" dirty="0"/>
-          </a:p>
-        </p:txBody>
-      </p:sp>
-      <p:sp>
-        <p:nvSpPr>
-          <p:cNvPr id="3" name="Segnaposto testo 2"/>
-          <p:cNvSpPr>
-            <a:spLocks noGrp="1"/>
-          </p:cNvSpPr>
-          <p:nvPr>
-            <p:ph type="body" idx="1"/>
-          </p:nvPr>
-        </p:nvSpPr>
-        <p:spPr>
-          <a:xfrm>
-            <a:off x="1116012" y="1752600"/>
-            <a:ext cx="7559675" cy="817605"/>
-          </a:xfrm>
-        </p:spPr>
-        <p:txBody>
-          <a:bodyPr/>
-          <a:lstStyle/>
-          <a:p>
-            <a:r>
-              <a:rPr lang="it-IT" dirty="0" smtClean="0"/>
-              <a:t>PSEUDO CODE</a:t>
-            </a:r>
-            <a:endParaRPr lang="it-IT" dirty="0"/>
-          </a:p>
-        </p:txBody>
-      </p:sp>
-    </p:spTree>
-    <p:extLst>
-      <p:ext uri="{BB962C8B-B14F-4D97-AF65-F5344CB8AC3E}">
-        <p14:creationId xmlns:p14="http://schemas.microsoft.com/office/powerpoint/2010/main" val="1057969629"/>
-      </p:ext>
-    </p:extLst>
-  </p:cSld>
-  <p:clrMapOvr>
-    <a:masterClrMapping/>
-  </p:clrMapOvr>
-</p:sld>
-</file>
-
-<file path=ppt/slides/slide12.xml><?xml version="1.0" encoding="utf-8"?>
-<p:sld xmlns:a="http://schemas.openxmlformats.org/drawingml/2006/main" xmlns:r="http://schemas.openxmlformats.org/officeDocument/2006/relationships" xmlns:p="http://schemas.openxmlformats.org/presentationml/2006/main">
-  <p:cSld>
-    <p:spTree>
-      <p:nvGrpSpPr>
-        <p:cNvPr id="1" name=""/>
-        <p:cNvGrpSpPr/>
-        <p:nvPr/>
-      </p:nvGrpSpPr>
-      <p:grpSpPr>
-        <a:xfrm>
-          <a:off x="0" y="0"/>
-          <a:ext cx="0" cy="0"/>
-          <a:chOff x="0" y="0"/>
-          <a:chExt cx="0" cy="0"/>
-        </a:xfrm>
-      </p:grpSpPr>
-      <p:sp>
-        <p:nvSpPr>
-          <p:cNvPr id="2" name="Titolo 1"/>
-          <p:cNvSpPr>
-            <a:spLocks noGrp="1"/>
-          </p:cNvSpPr>
-          <p:nvPr>
-            <p:ph type="title"/>
-          </p:nvPr>
-        </p:nvSpPr>
-        <p:spPr/>
-        <p:txBody>
-          <a:bodyPr/>
-          <a:lstStyle/>
-          <a:p>
-            <a:r>
-              <a:rPr lang="it-IT" dirty="0" err="1" smtClean="0"/>
-              <a:t>Other</a:t>
-            </a:r>
-            <a:r>
-              <a:rPr lang="it-IT" dirty="0" smtClean="0"/>
-              <a:t> </a:t>
-            </a:r>
-            <a:r>
-              <a:rPr lang="it-IT" dirty="0" err="1" smtClean="0"/>
-              <a:t>Possible</a:t>
-            </a:r>
-            <a:r>
-              <a:rPr lang="it-IT" dirty="0" smtClean="0"/>
-              <a:t> </a:t>
-            </a:r>
-            <a:r>
-              <a:rPr lang="it-IT" dirty="0" err="1" smtClean="0"/>
-              <a:t>Example</a:t>
-            </a:r>
-            <a:r>
-              <a:rPr lang="it-IT" dirty="0" smtClean="0"/>
-              <a:t> : robot </a:t>
-            </a:r>
-            <a:r>
-              <a:rPr lang="it-IT" dirty="0" err="1" smtClean="0"/>
-              <a:t>arm</a:t>
-            </a:r>
-            <a:endParaRPr lang="it-IT" dirty="0"/>
-          </a:p>
-        </p:txBody>
-      </p:sp>
-      <p:sp>
-        <p:nvSpPr>
-          <p:cNvPr id="3" name="Segnaposto testo 2"/>
-          <p:cNvSpPr>
-            <a:spLocks noGrp="1"/>
-          </p:cNvSpPr>
-          <p:nvPr>
-            <p:ph type="body" idx="1"/>
-          </p:nvPr>
-        </p:nvSpPr>
-        <p:spPr/>
-        <p:txBody>
-          <a:bodyPr/>
-          <a:lstStyle/>
-          <a:p>
-            <a:r>
-              <a:rPr lang="it-IT" dirty="0" smtClean="0"/>
-              <a:t>RL AND RB</a:t>
-            </a:r>
-          </a:p>
-          <a:p>
-            <a:endParaRPr lang="it-IT" dirty="0"/>
-          </a:p>
-          <a:p>
-            <a:endParaRPr lang="it-IT" dirty="0" smtClean="0"/>
-          </a:p>
-          <a:p>
-            <a:endParaRPr lang="it-IT" dirty="0"/>
-          </a:p>
-          <a:p>
-            <a:r>
-              <a:rPr lang="it-IT" dirty="0" smtClean="0"/>
-              <a:t>Come per il primo anche qui si potrebbe implementare </a:t>
-            </a:r>
-            <a:r>
-              <a:rPr lang="mr-IN" dirty="0" smtClean="0"/>
-              <a:t>…</a:t>
-            </a:r>
-            <a:endParaRPr lang="it-IT" dirty="0"/>
-          </a:p>
-        </p:txBody>
-      </p:sp>
-      <p:sp>
-        <p:nvSpPr>
-          <p:cNvPr id="4" name="CasellaDiTesto 3"/>
-          <p:cNvSpPr txBox="1"/>
-          <p:nvPr/>
-        </p:nvSpPr>
-        <p:spPr>
-          <a:xfrm>
-            <a:off x="939114" y="1112108"/>
-            <a:ext cx="5375015" cy="584775"/>
-          </a:xfrm>
-          <a:prstGeom prst="rect">
-            <a:avLst/>
-          </a:prstGeom>
-          <a:noFill/>
-        </p:spPr>
-        <p:txBody>
-          <a:bodyPr wrap="square" rtlCol="0">
-            <a:spAutoFit/>
-          </a:bodyPr>
-          <a:lstStyle/>
-          <a:p>
-            <a:r>
-              <a:rPr lang="it-IT" sz="1600" dirty="0" smtClean="0"/>
-              <a:t>Braccio meccanico per una classica </a:t>
-            </a:r>
-            <a:r>
-              <a:rPr lang="it-IT" sz="1600" dirty="0" err="1" smtClean="0"/>
-              <a:t>pick</a:t>
-            </a:r>
-            <a:r>
-              <a:rPr lang="it-IT" sz="1600" dirty="0" smtClean="0"/>
-              <a:t> and </a:t>
-            </a:r>
-            <a:r>
-              <a:rPr lang="it-IT" sz="1600" dirty="0" err="1" smtClean="0"/>
-              <a:t>place</a:t>
-            </a:r>
-            <a:r>
-              <a:rPr lang="it-IT" sz="1600" dirty="0" smtClean="0"/>
-              <a:t> con varie restrizioni--</a:t>
-            </a:r>
-            <a:r>
-              <a:rPr lang="it-IT" sz="1600" dirty="0" smtClean="0">
-                <a:sym typeface="Wingdings"/>
-              </a:rPr>
-              <a:t> per cosa potrebbe servire???</a:t>
-            </a:r>
-            <a:endParaRPr lang="it-IT" sz="1600" dirty="0" smtClean="0"/>
-          </a:p>
-        </p:txBody>
-      </p:sp>
-    </p:spTree>
-    <p:extLst>
-      <p:ext uri="{BB962C8B-B14F-4D97-AF65-F5344CB8AC3E}">
-        <p14:creationId xmlns:p14="http://schemas.microsoft.com/office/powerpoint/2010/main" val="166882518"/>
-      </p:ext>
-    </p:extLst>
-  </p:cSld>
-  <p:clrMapOvr>
-    <a:masterClrMapping/>
-  </p:clrMapOvr>
-</p:sld>
-</file>
-
-<file path=ppt/slides/slide13.xml><?xml version="1.0" encoding="utf-8"?>
 <p:sld xmlns:a="http://schemas.openxmlformats.org/drawingml/2006/main" xmlns:r="http://schemas.openxmlformats.org/officeDocument/2006/relationships" xmlns:p="http://schemas.openxmlformats.org/presentationml/2006/main">
   <p:cSld>
     <p:spTree>
@@ -7813,7 +7359,7 @@
             </a:pPr>
             <a:r>
               <a:rPr lang="en-US" dirty="0" smtClean="0"/>
-              <a:t>Conclusions AND FUTURE WORK</a:t>
+              <a:t>Conclusions</a:t>
             </a:r>
             <a:endParaRPr dirty="0"/>
           </a:p>
@@ -8125,1841 +7671,6 @@
     </p:bg>
     <p:spTree>
       <p:nvGrpSpPr>
-        <p:cNvPr id="1" name="Shape 482"/>
-        <p:cNvGrpSpPr/>
-        <p:nvPr/>
-      </p:nvGrpSpPr>
-      <p:grpSpPr>
-        <a:xfrm>
-          <a:off x="0" y="0"/>
-          <a:ext cx="0" cy="0"/>
-          <a:chOff x="0" y="0"/>
-          <a:chExt cx="0" cy="0"/>
-        </a:xfrm>
-      </p:grpSpPr>
-      <p:sp>
-        <p:nvSpPr>
-          <p:cNvPr id="483" name="Google Shape;483;p27"/>
-          <p:cNvSpPr txBox="1">
-            <a:spLocks noGrp="1"/>
-          </p:cNvSpPr>
-          <p:nvPr>
-            <p:ph type="dt" idx="10"/>
-          </p:nvPr>
-        </p:nvSpPr>
-        <p:spPr>
-          <a:xfrm>
-            <a:off x="4343400" y="6146800"/>
-            <a:ext cx="1905000" cy="457200"/>
-          </a:xfrm>
-          <a:prstGeom prst="rect">
-            <a:avLst/>
-          </a:prstGeom>
-          <a:noFill/>
-          <a:ln>
-            <a:noFill/>
-          </a:ln>
-        </p:spPr>
-        <p:txBody>
-          <a:bodyPr spcFirstLastPara="1" wrap="square" lIns="91425" tIns="45700" rIns="91425" bIns="45700" anchor="t" anchorCtr="0">
-            <a:noAutofit/>
-          </a:bodyPr>
-          <a:lstStyle/>
-          <a:p>
-            <a:pPr marL="0" marR="0" lvl="0" indent="0" algn="l" rtl="0">
-              <a:lnSpc>
-                <a:spcPct val="100000"/>
-              </a:lnSpc>
-              <a:spcBef>
-                <a:spcPts val="0"/>
-              </a:spcBef>
-              <a:spcAft>
-                <a:spcPts val="0"/>
-              </a:spcAft>
-              <a:buSzPts val="1400"/>
-              <a:buNone/>
-            </a:pPr>
-            <a:r>
-              <a:rPr lang="en-US" sz="2400" b="0" i="0" u="none">
-                <a:solidFill>
-                  <a:schemeClr val="dk1"/>
-                </a:solidFill>
-                <a:latin typeface="Arial"/>
-                <a:ea typeface="Arial"/>
-                <a:cs typeface="Arial"/>
-                <a:sym typeface="Arial"/>
-              </a:rPr>
-              <a:t>04/13/2019</a:t>
-            </a:r>
-            <a:endParaRPr/>
-          </a:p>
-        </p:txBody>
-      </p:sp>
-      <p:sp>
-        <p:nvSpPr>
-          <p:cNvPr id="484" name="Google Shape;484;p27"/>
-          <p:cNvSpPr txBox="1">
-            <a:spLocks noGrp="1"/>
-          </p:cNvSpPr>
-          <p:nvPr>
-            <p:ph type="ftr" idx="11"/>
-          </p:nvPr>
-        </p:nvSpPr>
-        <p:spPr>
-          <a:xfrm>
-            <a:off x="1219200" y="6146800"/>
-            <a:ext cx="2895600" cy="457200"/>
-          </a:xfrm>
-          <a:prstGeom prst="rect">
-            <a:avLst/>
-          </a:prstGeom>
-          <a:noFill/>
-          <a:ln>
-            <a:noFill/>
-          </a:ln>
-        </p:spPr>
-        <p:txBody>
-          <a:bodyPr spcFirstLastPara="1" wrap="square" lIns="91425" tIns="45700" rIns="91425" bIns="45700" anchor="t" anchorCtr="0">
-            <a:noAutofit/>
-          </a:bodyPr>
-          <a:lstStyle/>
-          <a:p>
-            <a:pPr marL="0" marR="0" lvl="0" indent="0" algn="l" rtl="0">
-              <a:lnSpc>
-                <a:spcPct val="100000"/>
-              </a:lnSpc>
-              <a:spcBef>
-                <a:spcPts val="0"/>
-              </a:spcBef>
-              <a:spcAft>
-                <a:spcPts val="0"/>
-              </a:spcAft>
-              <a:buSzPts val="1400"/>
-              <a:buNone/>
-            </a:pPr>
-            <a:r>
-              <a:rPr lang="en-US" sz="2400" b="0" i="0" u="none">
-                <a:solidFill>
-                  <a:schemeClr val="dk1"/>
-                </a:solidFill>
-                <a:latin typeface="Arial"/>
-                <a:ea typeface="Arial"/>
-                <a:cs typeface="Arial"/>
-                <a:sym typeface="Arial"/>
-              </a:rPr>
-              <a:t>Titolo Presentazione</a:t>
-            </a:r>
-            <a:endParaRPr/>
-          </a:p>
-        </p:txBody>
-      </p:sp>
-      <p:sp>
-        <p:nvSpPr>
-          <p:cNvPr id="486" name="Google Shape;486;p27"/>
-          <p:cNvSpPr txBox="1">
-            <a:spLocks noGrp="1"/>
-          </p:cNvSpPr>
-          <p:nvPr>
-            <p:ph type="title" idx="4294967295"/>
-          </p:nvPr>
-        </p:nvSpPr>
-        <p:spPr>
-          <a:xfrm>
-            <a:off x="661449" y="236825"/>
-            <a:ext cx="8028000" cy="509700"/>
-          </a:xfrm>
-          <a:prstGeom prst="rect">
-            <a:avLst/>
-          </a:prstGeom>
-          <a:noFill/>
-          <a:ln>
-            <a:noFill/>
-          </a:ln>
-        </p:spPr>
-        <p:txBody>
-          <a:bodyPr spcFirstLastPara="1" wrap="square" lIns="91425" tIns="45700" rIns="91425" bIns="45700" anchor="t" anchorCtr="0">
-            <a:noAutofit/>
-          </a:bodyPr>
-          <a:lstStyle/>
-          <a:p>
-            <a:pPr marL="0" lvl="0" indent="0" algn="ctr" rtl="0">
-              <a:spcBef>
-                <a:spcPts val="0"/>
-              </a:spcBef>
-              <a:spcAft>
-                <a:spcPts val="0"/>
-              </a:spcAft>
-              <a:buClr>
-                <a:srgbClr val="000000"/>
-              </a:buClr>
-              <a:buSzPts val="2200"/>
-              <a:buFont typeface="Arial"/>
-              <a:buNone/>
-            </a:pPr>
-            <a:r>
-              <a:rPr lang="en-US" sz="2600">
-                <a:solidFill>
-                  <a:schemeClr val="dk1"/>
-                </a:solidFill>
-              </a:rPr>
-              <a:t>Example Setup</a:t>
-            </a:r>
-            <a:endParaRPr sz="3000">
-              <a:solidFill>
-                <a:schemeClr val="dk1"/>
-              </a:solidFill>
-            </a:endParaRPr>
-          </a:p>
-        </p:txBody>
-      </p:sp>
-      <p:sp>
-        <p:nvSpPr>
-          <p:cNvPr id="487" name="Google Shape;487;p27"/>
-          <p:cNvSpPr txBox="1">
-            <a:spLocks noGrp="1"/>
-          </p:cNvSpPr>
-          <p:nvPr>
-            <p:ph type="dt" idx="10"/>
-          </p:nvPr>
-        </p:nvSpPr>
-        <p:spPr>
-          <a:xfrm>
-            <a:off x="7158525" y="6265350"/>
-            <a:ext cx="1905000" cy="457200"/>
-          </a:xfrm>
-          <a:prstGeom prst="rect">
-            <a:avLst/>
-          </a:prstGeom>
-          <a:noFill/>
-          <a:ln>
-            <a:noFill/>
-          </a:ln>
-        </p:spPr>
-        <p:txBody>
-          <a:bodyPr spcFirstLastPara="1" wrap="square" lIns="91425" tIns="45700" rIns="91425" bIns="45700" anchor="t" anchorCtr="0">
-            <a:noAutofit/>
-          </a:bodyPr>
-          <a:lstStyle/>
-          <a:p>
-            <a:pPr marL="0" marR="0" lvl="0" indent="0" algn="l" rtl="0">
-              <a:lnSpc>
-                <a:spcPct val="100000"/>
-              </a:lnSpc>
-              <a:spcBef>
-                <a:spcPts val="0"/>
-              </a:spcBef>
-              <a:spcAft>
-                <a:spcPts val="0"/>
-              </a:spcAft>
-              <a:buSzPts val="1400"/>
-              <a:buNone/>
-            </a:pPr>
-            <a:endParaRPr dirty="0">
-              <a:solidFill>
-                <a:srgbClr val="FFFFFF"/>
-              </a:solidFill>
-            </a:endParaRPr>
-          </a:p>
-        </p:txBody>
-      </p:sp>
-      <p:sp>
-        <p:nvSpPr>
-          <p:cNvPr id="488" name="Google Shape;488;p27"/>
-          <p:cNvSpPr txBox="1">
-            <a:spLocks noGrp="1"/>
-          </p:cNvSpPr>
-          <p:nvPr>
-            <p:ph type="ftr" idx="11"/>
-          </p:nvPr>
-        </p:nvSpPr>
-        <p:spPr>
-          <a:xfrm>
-            <a:off x="1545300" y="6265350"/>
-            <a:ext cx="3494400" cy="457200"/>
-          </a:xfrm>
-          <a:prstGeom prst="rect">
-            <a:avLst/>
-          </a:prstGeom>
-          <a:noFill/>
-          <a:ln>
-            <a:noFill/>
-          </a:ln>
-        </p:spPr>
-        <p:txBody>
-          <a:bodyPr spcFirstLastPara="1" wrap="square" lIns="91425" tIns="45700" rIns="91425" bIns="45700" anchor="t" anchorCtr="0">
-            <a:noAutofit/>
-          </a:bodyPr>
-          <a:lstStyle/>
-          <a:p>
-            <a:pPr marL="0" marR="0" lvl="0" indent="0" algn="l" rtl="0">
-              <a:lnSpc>
-                <a:spcPct val="100000"/>
-              </a:lnSpc>
-              <a:spcBef>
-                <a:spcPts val="0"/>
-              </a:spcBef>
-              <a:spcAft>
-                <a:spcPts val="0"/>
-              </a:spcAft>
-              <a:buSzPts val="1400"/>
-              <a:buNone/>
-            </a:pPr>
-            <a:endParaRPr dirty="0">
-              <a:solidFill>
-                <a:srgbClr val="FFFFFF"/>
-              </a:solidFill>
-            </a:endParaRPr>
-          </a:p>
-        </p:txBody>
-      </p:sp>
-      <p:sp>
-        <p:nvSpPr>
-          <p:cNvPr id="489" name="Google Shape;489;p27"/>
-          <p:cNvSpPr txBox="1"/>
-          <p:nvPr/>
-        </p:nvSpPr>
-        <p:spPr>
-          <a:xfrm>
-            <a:off x="222300" y="1030900"/>
-            <a:ext cx="4121100" cy="2313900"/>
-          </a:xfrm>
-          <a:prstGeom prst="rect">
-            <a:avLst/>
-          </a:prstGeom>
-          <a:noFill/>
-          <a:ln w="9525" cap="flat" cmpd="sng">
-            <a:solidFill>
-              <a:srgbClr val="000000"/>
-            </a:solidFill>
-            <a:prstDash val="solid"/>
-            <a:round/>
-            <a:headEnd type="none" w="sm" len="sm"/>
-            <a:tailEnd type="none" w="sm" len="sm"/>
-          </a:ln>
-        </p:spPr>
-        <p:txBody>
-          <a:bodyPr spcFirstLastPara="1" wrap="square" lIns="91425" tIns="91425" rIns="91425" bIns="91425" anchor="t" anchorCtr="0">
-            <a:noAutofit/>
-          </a:bodyPr>
-          <a:lstStyle/>
-          <a:p>
-            <a:pPr marL="0" lvl="0" indent="0" algn="ctr" rtl="0">
-              <a:lnSpc>
-                <a:spcPct val="130000"/>
-              </a:lnSpc>
-              <a:spcBef>
-                <a:spcPts val="0"/>
-              </a:spcBef>
-              <a:spcAft>
-                <a:spcPts val="0"/>
-              </a:spcAft>
-              <a:buNone/>
-            </a:pPr>
-            <a:r>
-              <a:rPr lang="en-US" sz="1800" b="1"/>
-              <a:t>Assumptions</a:t>
-            </a:r>
-            <a:endParaRPr sz="1800" b="1"/>
-          </a:p>
-          <a:p>
-            <a:pPr marL="457200" lvl="0" indent="-330200" algn="l" rtl="0">
-              <a:lnSpc>
-                <a:spcPct val="130000"/>
-              </a:lnSpc>
-              <a:spcBef>
-                <a:spcPts val="1000"/>
-              </a:spcBef>
-              <a:spcAft>
-                <a:spcPts val="0"/>
-              </a:spcAft>
-              <a:buSzPts val="1600"/>
-              <a:buAutoNum type="arabicPeriod"/>
-            </a:pPr>
-            <a:r>
-              <a:rPr lang="en-US" sz="1600"/>
-              <a:t>RL and RB have real sensors for real world</a:t>
-            </a:r>
-            <a:endParaRPr sz="1600"/>
-          </a:p>
-          <a:p>
-            <a:pPr marL="457200" lvl="0" indent="-330200" algn="l" rtl="0">
-              <a:lnSpc>
-                <a:spcPct val="130000"/>
-              </a:lnSpc>
-              <a:spcBef>
-                <a:spcPts val="0"/>
-              </a:spcBef>
-              <a:spcAft>
-                <a:spcPts val="0"/>
-              </a:spcAft>
-              <a:buSzPts val="1600"/>
-              <a:buAutoNum type="arabicPeriod"/>
-            </a:pPr>
-            <a:r>
-              <a:rPr lang="en-US" sz="1600"/>
-              <a:t>and virtual sensors for virtual world.</a:t>
-            </a:r>
-            <a:endParaRPr sz="1600"/>
-          </a:p>
-          <a:p>
-            <a:pPr marL="457200" lvl="0" indent="-330200" algn="l" rtl="0">
-              <a:lnSpc>
-                <a:spcPct val="130000"/>
-              </a:lnSpc>
-              <a:spcBef>
-                <a:spcPts val="0"/>
-              </a:spcBef>
-              <a:spcAft>
-                <a:spcPts val="0"/>
-              </a:spcAft>
-              <a:buSzPts val="1600"/>
-              <a:buAutoNum type="arabicPeriod"/>
-            </a:pPr>
-            <a:r>
-              <a:rPr lang="en-US" sz="1600"/>
-              <a:t>The simulator is able to model all the relevant evolutions of the world.</a:t>
-            </a:r>
-            <a:endParaRPr sz="1600"/>
-          </a:p>
-        </p:txBody>
-      </p:sp>
-      <p:sp>
-        <p:nvSpPr>
-          <p:cNvPr id="490" name="Google Shape;490;p27"/>
-          <p:cNvSpPr txBox="1"/>
-          <p:nvPr/>
-        </p:nvSpPr>
-        <p:spPr>
-          <a:xfrm>
-            <a:off x="4741100" y="1061450"/>
-            <a:ext cx="4121100" cy="2052600"/>
-          </a:xfrm>
-          <a:prstGeom prst="rect">
-            <a:avLst/>
-          </a:prstGeom>
-          <a:noFill/>
-          <a:ln w="9525" cap="flat" cmpd="sng">
-            <a:solidFill>
-              <a:srgbClr val="000000"/>
-            </a:solidFill>
-            <a:prstDash val="solid"/>
-            <a:round/>
-            <a:headEnd type="none" w="sm" len="sm"/>
-            <a:tailEnd type="none" w="sm" len="sm"/>
-          </a:ln>
-        </p:spPr>
-        <p:txBody>
-          <a:bodyPr spcFirstLastPara="1" wrap="square" lIns="91425" tIns="91425" rIns="91425" bIns="91425" anchor="t" anchorCtr="0">
-            <a:noAutofit/>
-          </a:bodyPr>
-          <a:lstStyle/>
-          <a:p>
-            <a:pPr marL="0" lvl="0" indent="0" algn="ctr" rtl="0">
-              <a:lnSpc>
-                <a:spcPct val="130000"/>
-              </a:lnSpc>
-              <a:spcBef>
-                <a:spcPts val="0"/>
-              </a:spcBef>
-              <a:spcAft>
-                <a:spcPts val="0"/>
-              </a:spcAft>
-              <a:buNone/>
-            </a:pPr>
-            <a:r>
-              <a:rPr lang="en-US" sz="1800" b="1"/>
-              <a:t>Software</a:t>
-            </a:r>
-            <a:endParaRPr sz="1800" b="1"/>
-          </a:p>
-          <a:p>
-            <a:pPr marL="457200" lvl="0" indent="-330200" algn="l" rtl="0">
-              <a:lnSpc>
-                <a:spcPct val="130000"/>
-              </a:lnSpc>
-              <a:spcBef>
-                <a:spcPts val="1000"/>
-              </a:spcBef>
-              <a:spcAft>
-                <a:spcPts val="0"/>
-              </a:spcAft>
-              <a:buSzPts val="1600"/>
-              <a:buAutoNum type="arabicPeriod"/>
-            </a:pPr>
-            <a:r>
-              <a:rPr lang="en-US" sz="1600"/>
-              <a:t>Core software is domain </a:t>
-            </a:r>
-            <a:r>
-              <a:rPr lang="en-US" sz="1600" b="1"/>
-              <a:t>independent.</a:t>
-            </a:r>
-            <a:endParaRPr sz="1600" b="1"/>
-          </a:p>
-          <a:p>
-            <a:pPr marL="457200" lvl="0" indent="-330200" algn="l" rtl="0">
-              <a:lnSpc>
-                <a:spcPct val="130000"/>
-              </a:lnSpc>
-              <a:spcBef>
-                <a:spcPts val="0"/>
-              </a:spcBef>
-              <a:spcAft>
-                <a:spcPts val="0"/>
-              </a:spcAft>
-              <a:buSzPts val="1600"/>
-              <a:buAutoNum type="arabicPeriod"/>
-            </a:pPr>
-            <a:r>
-              <a:rPr lang="en-US" sz="1600"/>
-              <a:t>Virtual sensors and LDL/LTL formulas are domain </a:t>
-            </a:r>
-            <a:r>
-              <a:rPr lang="en-US" sz="1600" b="1"/>
-              <a:t>dependent.</a:t>
-            </a:r>
-            <a:endParaRPr sz="1600"/>
-          </a:p>
-        </p:txBody>
-      </p:sp>
-      <p:sp>
-        <p:nvSpPr>
-          <p:cNvPr id="491" name="Google Shape;491;p27"/>
-          <p:cNvSpPr txBox="1"/>
-          <p:nvPr/>
-        </p:nvSpPr>
-        <p:spPr>
-          <a:xfrm>
-            <a:off x="4741100" y="3651250"/>
-            <a:ext cx="4121100" cy="1848000"/>
-          </a:xfrm>
-          <a:prstGeom prst="rect">
-            <a:avLst/>
-          </a:prstGeom>
-          <a:noFill/>
-          <a:ln w="9525" cap="flat" cmpd="sng">
-            <a:solidFill>
-              <a:srgbClr val="000000"/>
-            </a:solidFill>
-            <a:prstDash val="solid"/>
-            <a:round/>
-            <a:headEnd type="none" w="sm" len="sm"/>
-            <a:tailEnd type="none" w="sm" len="sm"/>
-          </a:ln>
-        </p:spPr>
-        <p:txBody>
-          <a:bodyPr spcFirstLastPara="1" wrap="square" lIns="91425" tIns="91425" rIns="91425" bIns="91425" anchor="t" anchorCtr="0">
-            <a:noAutofit/>
-          </a:bodyPr>
-          <a:lstStyle/>
-          <a:p>
-            <a:pPr marL="0" lvl="0" indent="0" algn="ctr" rtl="0">
-              <a:lnSpc>
-                <a:spcPct val="130000"/>
-              </a:lnSpc>
-              <a:spcBef>
-                <a:spcPts val="0"/>
-              </a:spcBef>
-              <a:spcAft>
-                <a:spcPts val="0"/>
-              </a:spcAft>
-              <a:buNone/>
-            </a:pPr>
-            <a:r>
-              <a:rPr lang="en-US" sz="1800" b="1"/>
-              <a:t>Episode reset conditions</a:t>
-            </a:r>
-            <a:endParaRPr sz="1800" b="1"/>
-          </a:p>
-          <a:p>
-            <a:pPr marL="457200" lvl="0" indent="-330200" algn="l" rtl="0">
-              <a:lnSpc>
-                <a:spcPct val="130000"/>
-              </a:lnSpc>
-              <a:spcBef>
-                <a:spcPts val="1000"/>
-              </a:spcBef>
-              <a:spcAft>
-                <a:spcPts val="0"/>
-              </a:spcAft>
-              <a:buSzPts val="1600"/>
-              <a:buAutoNum type="arabicPeriod"/>
-            </a:pPr>
-            <a:r>
-              <a:rPr lang="en-US" sz="1600" i="1"/>
-              <a:t>DFA </a:t>
-            </a:r>
-            <a:r>
-              <a:rPr lang="en-US" sz="1600"/>
-              <a:t>state satisfy formula. </a:t>
-            </a:r>
-            <a:endParaRPr sz="1600"/>
-          </a:p>
-          <a:p>
-            <a:pPr marL="457200" lvl="0" indent="-330200" algn="l" rtl="0">
-              <a:lnSpc>
-                <a:spcPct val="130000"/>
-              </a:lnSpc>
-              <a:spcBef>
-                <a:spcPts val="0"/>
-              </a:spcBef>
-              <a:spcAft>
-                <a:spcPts val="0"/>
-              </a:spcAft>
-              <a:buSzPts val="1600"/>
-              <a:buAutoNum type="arabicPeriod"/>
-            </a:pPr>
-            <a:r>
-              <a:rPr lang="en-US" sz="1600" i="1"/>
-              <a:t>DFA </a:t>
-            </a:r>
-            <a:r>
-              <a:rPr lang="en-US" sz="1600"/>
-              <a:t>state is failure.</a:t>
-            </a:r>
-            <a:endParaRPr sz="1600"/>
-          </a:p>
-          <a:p>
-            <a:pPr marL="457200" lvl="0" indent="-330200" algn="l" rtl="0">
-              <a:lnSpc>
-                <a:spcPct val="130000"/>
-              </a:lnSpc>
-              <a:spcBef>
-                <a:spcPts val="0"/>
-              </a:spcBef>
-              <a:spcAft>
-                <a:spcPts val="0"/>
-              </a:spcAft>
-              <a:buSzPts val="1600"/>
-              <a:buAutoNum type="arabicPeriod"/>
-            </a:pPr>
-            <a:r>
-              <a:rPr lang="en-US" sz="1600"/>
-              <a:t>Maximum number of action reached.</a:t>
-            </a:r>
-            <a:endParaRPr sz="1600"/>
-          </a:p>
-        </p:txBody>
-      </p:sp>
-      <p:sp>
-        <p:nvSpPr>
-          <p:cNvPr id="492" name="Google Shape;492;p27"/>
-          <p:cNvSpPr txBox="1"/>
-          <p:nvPr/>
-        </p:nvSpPr>
-        <p:spPr>
-          <a:xfrm>
-            <a:off x="272250" y="3967450"/>
-            <a:ext cx="4021200" cy="1215600"/>
-          </a:xfrm>
-          <a:prstGeom prst="rect">
-            <a:avLst/>
-          </a:prstGeom>
-          <a:noFill/>
-          <a:ln w="9525" cap="flat" cmpd="sng">
-            <a:solidFill>
-              <a:srgbClr val="000000"/>
-            </a:solidFill>
-            <a:prstDash val="solid"/>
-            <a:round/>
-            <a:headEnd type="none" w="sm" len="sm"/>
-            <a:tailEnd type="none" w="sm" len="sm"/>
-          </a:ln>
-        </p:spPr>
-        <p:txBody>
-          <a:bodyPr spcFirstLastPara="1" wrap="square" lIns="91425" tIns="91425" rIns="91425" bIns="91425" anchor="t" anchorCtr="0">
-            <a:noAutofit/>
-          </a:bodyPr>
-          <a:lstStyle/>
-          <a:p>
-            <a:pPr marL="0" lvl="0" indent="0" algn="ctr" rtl="0">
-              <a:lnSpc>
-                <a:spcPct val="130000"/>
-              </a:lnSpc>
-              <a:spcBef>
-                <a:spcPts val="0"/>
-              </a:spcBef>
-              <a:spcAft>
-                <a:spcPts val="0"/>
-              </a:spcAft>
-              <a:buNone/>
-            </a:pPr>
-            <a:r>
-              <a:rPr lang="en-US" sz="1800" b="1"/>
-              <a:t>Algorithm Specifications</a:t>
-            </a:r>
-            <a:endParaRPr sz="1800" b="1"/>
-          </a:p>
-          <a:p>
-            <a:pPr marL="457200" lvl="0" indent="-330200" algn="l" rtl="0">
-              <a:lnSpc>
-                <a:spcPct val="130000"/>
-              </a:lnSpc>
-              <a:spcBef>
-                <a:spcPts val="1000"/>
-              </a:spcBef>
-              <a:spcAft>
-                <a:spcPts val="0"/>
-              </a:spcAft>
-              <a:buSzPts val="1600"/>
-              <a:buAutoNum type="arabicPeriod"/>
-            </a:pPr>
-            <a:r>
-              <a:rPr lang="en-US" sz="1600" i="1"/>
-              <a:t>n-step SARSA</a:t>
-            </a:r>
-            <a:r>
-              <a:rPr lang="en-US" sz="1600"/>
-              <a:t> algorithm.</a:t>
-            </a:r>
-            <a:endParaRPr sz="1600"/>
-          </a:p>
-          <a:p>
-            <a:pPr marL="457200" lvl="0" indent="-330200" algn="l" rtl="0">
-              <a:lnSpc>
-                <a:spcPct val="130000"/>
-              </a:lnSpc>
-              <a:spcBef>
-                <a:spcPts val="0"/>
-              </a:spcBef>
-              <a:spcAft>
-                <a:spcPts val="0"/>
-              </a:spcAft>
-              <a:buSzPts val="1600"/>
-              <a:buAutoNum type="arabicPeriod"/>
-            </a:pPr>
-            <a:r>
-              <a:rPr lang="en-US" sz="1600"/>
-              <a:t>Use of reward shaping for speed up.</a:t>
-            </a:r>
-            <a:endParaRPr sz="1600"/>
-          </a:p>
-        </p:txBody>
-      </p:sp>
-    </p:spTree>
-  </p:cSld>
-  <p:clrMapOvr>
-    <a:masterClrMapping/>
-  </p:clrMapOvr>
-</p:sld>
-</file>
-
-<file path=ppt/slides/slide3.xml><?xml version="1.0" encoding="utf-8"?>
-<p:sld xmlns:a="http://schemas.openxmlformats.org/drawingml/2006/main" xmlns:r="http://schemas.openxmlformats.org/officeDocument/2006/relationships" xmlns:p="http://schemas.openxmlformats.org/presentationml/2006/main">
-  <p:cSld>
-    <p:bg>
-      <p:bgPr>
-        <a:solidFill>
-          <a:schemeClr val="lt1"/>
-        </a:solidFill>
-        <a:effectLst/>
-      </p:bgPr>
-    </p:bg>
-    <p:spTree>
-      <p:nvGrpSpPr>
-        <p:cNvPr id="1" name="Shape 497"/>
-        <p:cNvGrpSpPr/>
-        <p:nvPr/>
-      </p:nvGrpSpPr>
-      <p:grpSpPr>
-        <a:xfrm>
-          <a:off x="0" y="0"/>
-          <a:ext cx="0" cy="0"/>
-          <a:chOff x="0" y="0"/>
-          <a:chExt cx="0" cy="0"/>
-        </a:xfrm>
-      </p:grpSpPr>
-      <p:sp>
-        <p:nvSpPr>
-          <p:cNvPr id="498" name="Google Shape;498;p28"/>
-          <p:cNvSpPr txBox="1">
-            <a:spLocks noGrp="1"/>
-          </p:cNvSpPr>
-          <p:nvPr>
-            <p:ph type="dt" idx="10"/>
-          </p:nvPr>
-        </p:nvSpPr>
-        <p:spPr>
-          <a:xfrm>
-            <a:off x="4343400" y="6146800"/>
-            <a:ext cx="1905000" cy="457200"/>
-          </a:xfrm>
-          <a:prstGeom prst="rect">
-            <a:avLst/>
-          </a:prstGeom>
-          <a:noFill/>
-          <a:ln>
-            <a:noFill/>
-          </a:ln>
-        </p:spPr>
-        <p:txBody>
-          <a:bodyPr spcFirstLastPara="1" wrap="square" lIns="91425" tIns="45700" rIns="91425" bIns="45700" anchor="t" anchorCtr="0">
-            <a:noAutofit/>
-          </a:bodyPr>
-          <a:lstStyle/>
-          <a:p>
-            <a:pPr marL="0" marR="0" lvl="0" indent="0" algn="l" rtl="0">
-              <a:lnSpc>
-                <a:spcPct val="100000"/>
-              </a:lnSpc>
-              <a:spcBef>
-                <a:spcPts val="0"/>
-              </a:spcBef>
-              <a:spcAft>
-                <a:spcPts val="0"/>
-              </a:spcAft>
-              <a:buSzPts val="1400"/>
-              <a:buNone/>
-            </a:pPr>
-            <a:r>
-              <a:rPr lang="en-US" sz="2400" b="0" i="0" u="none">
-                <a:solidFill>
-                  <a:schemeClr val="dk1"/>
-                </a:solidFill>
-                <a:latin typeface="Arial"/>
-                <a:ea typeface="Arial"/>
-                <a:cs typeface="Arial"/>
-                <a:sym typeface="Arial"/>
-              </a:rPr>
-              <a:t>04/13/2019</a:t>
-            </a:r>
-            <a:endParaRPr/>
-          </a:p>
-        </p:txBody>
-      </p:sp>
-      <p:sp>
-        <p:nvSpPr>
-          <p:cNvPr id="499" name="Google Shape;499;p28"/>
-          <p:cNvSpPr txBox="1">
-            <a:spLocks noGrp="1"/>
-          </p:cNvSpPr>
-          <p:nvPr>
-            <p:ph type="ftr" idx="11"/>
-          </p:nvPr>
-        </p:nvSpPr>
-        <p:spPr>
-          <a:xfrm>
-            <a:off x="1219200" y="6146800"/>
-            <a:ext cx="2895600" cy="457200"/>
-          </a:xfrm>
-          <a:prstGeom prst="rect">
-            <a:avLst/>
-          </a:prstGeom>
-          <a:noFill/>
-          <a:ln>
-            <a:noFill/>
-          </a:ln>
-        </p:spPr>
-        <p:txBody>
-          <a:bodyPr spcFirstLastPara="1" wrap="square" lIns="91425" tIns="45700" rIns="91425" bIns="45700" anchor="t" anchorCtr="0">
-            <a:noAutofit/>
-          </a:bodyPr>
-          <a:lstStyle/>
-          <a:p>
-            <a:pPr marL="0" marR="0" lvl="0" indent="0" algn="l" rtl="0">
-              <a:lnSpc>
-                <a:spcPct val="100000"/>
-              </a:lnSpc>
-              <a:spcBef>
-                <a:spcPts val="0"/>
-              </a:spcBef>
-              <a:spcAft>
-                <a:spcPts val="0"/>
-              </a:spcAft>
-              <a:buSzPts val="1400"/>
-              <a:buNone/>
-            </a:pPr>
-            <a:r>
-              <a:rPr lang="en-US" sz="2400" b="0" i="0" u="none">
-                <a:solidFill>
-                  <a:schemeClr val="dk1"/>
-                </a:solidFill>
-                <a:latin typeface="Arial"/>
-                <a:ea typeface="Arial"/>
-                <a:cs typeface="Arial"/>
-                <a:sym typeface="Arial"/>
-              </a:rPr>
-              <a:t>Titolo Presentazione</a:t>
-            </a:r>
-            <a:endParaRPr/>
-          </a:p>
-        </p:txBody>
-      </p:sp>
-      <p:sp>
-        <p:nvSpPr>
-          <p:cNvPr id="500" name="Google Shape;500;p28"/>
-          <p:cNvSpPr txBox="1">
-            <a:spLocks noGrp="1"/>
-          </p:cNvSpPr>
-          <p:nvPr>
-            <p:ph type="sldNum" idx="12"/>
-          </p:nvPr>
-        </p:nvSpPr>
-        <p:spPr>
-          <a:xfrm>
-            <a:off x="6553200" y="6146800"/>
-            <a:ext cx="1905000" cy="457200"/>
-          </a:xfrm>
-          <a:prstGeom prst="rect">
-            <a:avLst/>
-          </a:prstGeom>
-          <a:noFill/>
-          <a:ln>
-            <a:noFill/>
-          </a:ln>
-        </p:spPr>
-        <p:txBody>
-          <a:bodyPr spcFirstLastPara="1" wrap="square" lIns="91425" tIns="45700" rIns="91425" bIns="45700" anchor="t" anchorCtr="0">
-            <a:noAutofit/>
-          </a:bodyPr>
-          <a:lstStyle/>
-          <a:p>
-            <a:pPr marL="0" marR="0" lvl="0" indent="0" algn="l" rtl="0">
-              <a:lnSpc>
-                <a:spcPct val="100000"/>
-              </a:lnSpc>
-              <a:spcBef>
-                <a:spcPts val="0"/>
-              </a:spcBef>
-              <a:spcAft>
-                <a:spcPts val="0"/>
-              </a:spcAft>
-              <a:buSzPts val="1100"/>
-              <a:buNone/>
-            </a:pPr>
-            <a:fld id="{00000000-1234-1234-1234-123412341234}" type="slidenum">
-              <a:rPr lang="en-US" sz="2400" b="0" i="0" u="none">
-                <a:solidFill>
-                  <a:schemeClr val="dk1"/>
-                </a:solidFill>
-                <a:latin typeface="Arial"/>
-                <a:ea typeface="Arial"/>
-                <a:cs typeface="Arial"/>
-                <a:sym typeface="Arial"/>
-              </a:rPr>
-              <a:t>3</a:t>
-            </a:fld>
-            <a:endParaRPr/>
-          </a:p>
-        </p:txBody>
-      </p:sp>
-      <p:sp>
-        <p:nvSpPr>
-          <p:cNvPr id="501" name="Google Shape;501;p28"/>
-          <p:cNvSpPr txBox="1">
-            <a:spLocks noGrp="1"/>
-          </p:cNvSpPr>
-          <p:nvPr>
-            <p:ph type="title" idx="4294967295"/>
-          </p:nvPr>
-        </p:nvSpPr>
-        <p:spPr>
-          <a:xfrm>
-            <a:off x="642675" y="218875"/>
-            <a:ext cx="8028000" cy="457200"/>
-          </a:xfrm>
-          <a:prstGeom prst="rect">
-            <a:avLst/>
-          </a:prstGeom>
-          <a:noFill/>
-          <a:ln>
-            <a:noFill/>
-          </a:ln>
-        </p:spPr>
-        <p:txBody>
-          <a:bodyPr spcFirstLastPara="1" wrap="square" lIns="91425" tIns="45700" rIns="91425" bIns="45700" anchor="t" anchorCtr="0">
-            <a:noAutofit/>
-          </a:bodyPr>
-          <a:lstStyle/>
-          <a:p>
-            <a:pPr marL="0" lvl="0" indent="0" algn="ctr" rtl="0">
-              <a:spcBef>
-                <a:spcPts val="0"/>
-              </a:spcBef>
-              <a:spcAft>
-                <a:spcPts val="0"/>
-              </a:spcAft>
-              <a:buClr>
-                <a:srgbClr val="000000"/>
-              </a:buClr>
-              <a:buSzPts val="2200"/>
-              <a:buFont typeface="Arial"/>
-              <a:buNone/>
-            </a:pPr>
-            <a:r>
-              <a:rPr lang="en-US" sz="2600">
-                <a:solidFill>
-                  <a:schemeClr val="dk1"/>
-                </a:solidFill>
-              </a:rPr>
-              <a:t>Breakout</a:t>
-            </a:r>
-            <a:endParaRPr sz="2600">
-              <a:solidFill>
-                <a:schemeClr val="dk1"/>
-              </a:solidFill>
-            </a:endParaRPr>
-          </a:p>
-        </p:txBody>
-      </p:sp>
-      <p:cxnSp>
-        <p:nvCxnSpPr>
-          <p:cNvPr id="504" name="Google Shape;504;p28"/>
-          <p:cNvCxnSpPr/>
-          <p:nvPr/>
-        </p:nvCxnSpPr>
-        <p:spPr>
-          <a:xfrm>
-            <a:off x="4641100" y="1350025"/>
-            <a:ext cx="0" cy="4772700"/>
-          </a:xfrm>
-          <a:prstGeom prst="straightConnector1">
-            <a:avLst/>
-          </a:prstGeom>
-          <a:noFill/>
-          <a:ln w="9525" cap="flat" cmpd="sng">
-            <a:solidFill>
-              <a:schemeClr val="dk2"/>
-            </a:solidFill>
-            <a:prstDash val="solid"/>
-            <a:round/>
-            <a:headEnd type="none" w="med" len="med"/>
-            <a:tailEnd type="none" w="med" len="med"/>
-          </a:ln>
-        </p:spPr>
-      </p:cxnSp>
-      <p:sp>
-        <p:nvSpPr>
-          <p:cNvPr id="505" name="Google Shape;505;p28"/>
-          <p:cNvSpPr txBox="1"/>
-          <p:nvPr/>
-        </p:nvSpPr>
-        <p:spPr>
-          <a:xfrm>
-            <a:off x="1333900" y="1089775"/>
-            <a:ext cx="1710300" cy="601800"/>
-          </a:xfrm>
-          <a:prstGeom prst="rect">
-            <a:avLst/>
-          </a:prstGeom>
-          <a:noFill/>
-          <a:ln>
-            <a:noFill/>
-          </a:ln>
-        </p:spPr>
-        <p:txBody>
-          <a:bodyPr spcFirstLastPara="1" wrap="square" lIns="91425" tIns="91425" rIns="91425" bIns="91425" anchor="t" anchorCtr="0">
-            <a:noAutofit/>
-          </a:bodyPr>
-          <a:lstStyle/>
-          <a:p>
-            <a:pPr marL="0" lvl="0" indent="0" algn="l" rtl="0">
-              <a:spcBef>
-                <a:spcPts val="0"/>
-              </a:spcBef>
-              <a:spcAft>
-                <a:spcPts val="0"/>
-              </a:spcAft>
-              <a:buNone/>
-            </a:pPr>
-            <a:r>
-              <a:rPr lang="en-US" sz="2400" b="1"/>
-              <a:t>RL Agent</a:t>
-            </a:r>
-            <a:endParaRPr sz="2400" b="1"/>
-          </a:p>
-          <a:p>
-            <a:pPr marL="0" lvl="0" indent="0" algn="l" rtl="0">
-              <a:spcBef>
-                <a:spcPts val="0"/>
-              </a:spcBef>
-              <a:spcAft>
-                <a:spcPts val="0"/>
-              </a:spcAft>
-              <a:buNone/>
-            </a:pPr>
-            <a:endParaRPr sz="2400"/>
-          </a:p>
-        </p:txBody>
-      </p:sp>
-      <p:sp>
-        <p:nvSpPr>
-          <p:cNvPr id="506" name="Google Shape;506;p28"/>
-          <p:cNvSpPr txBox="1"/>
-          <p:nvPr/>
-        </p:nvSpPr>
-        <p:spPr>
-          <a:xfrm>
-            <a:off x="5580550" y="1089775"/>
-            <a:ext cx="3269100" cy="601800"/>
-          </a:xfrm>
-          <a:prstGeom prst="rect">
-            <a:avLst/>
-          </a:prstGeom>
-          <a:noFill/>
-          <a:ln>
-            <a:noFill/>
-          </a:ln>
-        </p:spPr>
-        <p:txBody>
-          <a:bodyPr spcFirstLastPara="1" wrap="square" lIns="91425" tIns="91425" rIns="91425" bIns="91425" anchor="t" anchorCtr="0">
-            <a:noAutofit/>
-          </a:bodyPr>
-          <a:lstStyle/>
-          <a:p>
-            <a:pPr marL="0" lvl="0" indent="0" algn="l" rtl="0">
-              <a:spcBef>
-                <a:spcPts val="0"/>
-              </a:spcBef>
-              <a:spcAft>
-                <a:spcPts val="0"/>
-              </a:spcAft>
-              <a:buNone/>
-            </a:pPr>
-            <a:r>
-              <a:rPr lang="en-US" sz="2400" b="1"/>
-              <a:t>Restraining Bolt</a:t>
-            </a:r>
-            <a:endParaRPr sz="2400" b="1"/>
-          </a:p>
-          <a:p>
-            <a:pPr marL="0" lvl="0" indent="0" algn="l" rtl="0">
-              <a:spcBef>
-                <a:spcPts val="0"/>
-              </a:spcBef>
-              <a:spcAft>
-                <a:spcPts val="0"/>
-              </a:spcAft>
-              <a:buNone/>
-            </a:pPr>
-            <a:endParaRPr sz="2400"/>
-          </a:p>
-        </p:txBody>
-      </p:sp>
-      <p:sp>
-        <p:nvSpPr>
-          <p:cNvPr id="507" name="Google Shape;507;p28"/>
-          <p:cNvSpPr txBox="1"/>
-          <p:nvPr/>
-        </p:nvSpPr>
-        <p:spPr>
-          <a:xfrm>
-            <a:off x="112950" y="1715875"/>
-            <a:ext cx="4459200" cy="4041000"/>
-          </a:xfrm>
-          <a:prstGeom prst="rect">
-            <a:avLst/>
-          </a:prstGeom>
-          <a:noFill/>
-          <a:ln>
-            <a:noFill/>
-          </a:ln>
-        </p:spPr>
-        <p:txBody>
-          <a:bodyPr spcFirstLastPara="1" wrap="square" lIns="91425" tIns="91425" rIns="91425" bIns="91425" anchor="t" anchorCtr="0">
-            <a:noAutofit/>
-          </a:bodyPr>
-          <a:lstStyle/>
-          <a:p>
-            <a:pPr marL="0" lvl="0" indent="0" algn="l" rtl="0">
-              <a:spcBef>
-                <a:spcPts val="0"/>
-              </a:spcBef>
-              <a:spcAft>
-                <a:spcPts val="0"/>
-              </a:spcAft>
-              <a:buNone/>
-            </a:pPr>
-            <a:endParaRPr sz="1800"/>
-          </a:p>
-          <a:p>
-            <a:pPr marL="0" lvl="0" indent="0" algn="l" rtl="0">
-              <a:spcBef>
-                <a:spcPts val="0"/>
-              </a:spcBef>
-              <a:spcAft>
-                <a:spcPts val="0"/>
-              </a:spcAft>
-              <a:buNone/>
-            </a:pPr>
-            <a:r>
-              <a:rPr lang="en-US" sz="1800"/>
-              <a:t>Can have two configurations:</a:t>
-            </a:r>
-            <a:endParaRPr sz="1800"/>
-          </a:p>
-          <a:p>
-            <a:pPr marL="457200" lvl="0" indent="-342900" algn="l" rtl="0">
-              <a:spcBef>
-                <a:spcPts val="0"/>
-              </a:spcBef>
-              <a:spcAft>
-                <a:spcPts val="0"/>
-              </a:spcAft>
-              <a:buSzPts val="1800"/>
-              <a:buAutoNum type="arabicPeriod"/>
-            </a:pPr>
-            <a:r>
-              <a:rPr lang="en-US" sz="1800"/>
-              <a:t>MOVE </a:t>
-            </a:r>
-            <a:endParaRPr sz="1800"/>
-          </a:p>
-          <a:p>
-            <a:pPr marL="457200" lvl="0" indent="-342900" algn="l" rtl="0">
-              <a:spcBef>
-                <a:spcPts val="0"/>
-              </a:spcBef>
-              <a:spcAft>
-                <a:spcPts val="0"/>
-              </a:spcAft>
-              <a:buSzPts val="1800"/>
-              <a:buAutoNum type="arabicPeriod"/>
-            </a:pPr>
-            <a:r>
-              <a:rPr lang="en-US" sz="1800"/>
-              <a:t>MOVE +FIRE</a:t>
-            </a:r>
-            <a:endParaRPr sz="1800"/>
-          </a:p>
-          <a:p>
-            <a:pPr marL="0" lvl="0" indent="0" algn="l" rtl="0">
-              <a:spcBef>
-                <a:spcPts val="0"/>
-              </a:spcBef>
-              <a:spcAft>
-                <a:spcPts val="0"/>
-              </a:spcAft>
-              <a:buNone/>
-            </a:pPr>
-            <a:endParaRPr sz="1800"/>
-          </a:p>
-          <a:p>
-            <a:pPr marL="0" lvl="0" indent="0" algn="l" rtl="0">
-              <a:spcBef>
-                <a:spcPts val="0"/>
-              </a:spcBef>
-              <a:spcAft>
-                <a:spcPts val="0"/>
-              </a:spcAft>
-              <a:buNone/>
-            </a:pPr>
-            <a:r>
-              <a:rPr lang="en-US" sz="1800"/>
-              <a:t>The state representation is given by:</a:t>
-            </a:r>
-            <a:endParaRPr sz="1800"/>
-          </a:p>
-          <a:p>
-            <a:pPr marL="457200" lvl="0" indent="-342900" algn="l" rtl="0">
-              <a:spcBef>
-                <a:spcPts val="0"/>
-              </a:spcBef>
-              <a:spcAft>
-                <a:spcPts val="0"/>
-              </a:spcAft>
-              <a:buSzPts val="1800"/>
-              <a:buChar char="●"/>
-            </a:pPr>
-            <a:r>
-              <a:rPr lang="en-US" sz="1800"/>
-              <a:t>Paddle position: </a:t>
-            </a:r>
-            <a:endParaRPr sz="1800" i="1"/>
-          </a:p>
-          <a:p>
-            <a:pPr marL="457200" lvl="0" indent="-342900" algn="l" rtl="0">
-              <a:spcBef>
-                <a:spcPts val="0"/>
-              </a:spcBef>
-              <a:spcAft>
-                <a:spcPts val="0"/>
-              </a:spcAft>
-              <a:buSzPts val="1800"/>
-              <a:buChar char="●"/>
-            </a:pPr>
-            <a:r>
-              <a:rPr lang="en-US" sz="1800"/>
-              <a:t>Ball position: </a:t>
-            </a:r>
-            <a:endParaRPr sz="1800" i="1"/>
-          </a:p>
-          <a:p>
-            <a:pPr marL="457200" lvl="0" indent="-342900" algn="l" rtl="0">
-              <a:spcBef>
-                <a:spcPts val="0"/>
-              </a:spcBef>
-              <a:spcAft>
-                <a:spcPts val="0"/>
-              </a:spcAft>
-              <a:buSzPts val="1800"/>
-              <a:buChar char="●"/>
-            </a:pPr>
-            <a:r>
-              <a:rPr lang="en-US" sz="1800"/>
-              <a:t>Ball direction of movement: </a:t>
-            </a:r>
-            <a:endParaRPr sz="1800"/>
-          </a:p>
-          <a:p>
-            <a:pPr marL="457200" lvl="0" indent="-342900" algn="l" rtl="0">
-              <a:spcBef>
-                <a:spcPts val="0"/>
-              </a:spcBef>
-              <a:spcAft>
-                <a:spcPts val="0"/>
-              </a:spcAft>
-              <a:buSzPts val="1800"/>
-              <a:buChar char="●"/>
-            </a:pPr>
-            <a:r>
-              <a:rPr lang="en-US" sz="1800"/>
-              <a:t>A matrix representing the states of the bricks.</a:t>
-            </a:r>
-            <a:endParaRPr sz="1800"/>
-          </a:p>
-          <a:p>
-            <a:pPr marL="0" lvl="0" indent="0" algn="l" rtl="0">
-              <a:spcBef>
-                <a:spcPts val="0"/>
-              </a:spcBef>
-              <a:spcAft>
-                <a:spcPts val="0"/>
-              </a:spcAft>
-              <a:buNone/>
-            </a:pPr>
-            <a:endParaRPr sz="1800" i="1"/>
-          </a:p>
-          <a:p>
-            <a:pPr marL="0" lvl="0" indent="0" algn="l" rtl="0">
-              <a:spcBef>
-                <a:spcPts val="0"/>
-              </a:spcBef>
-              <a:spcAft>
-                <a:spcPts val="0"/>
-              </a:spcAft>
-              <a:buNone/>
-            </a:pPr>
-            <a:r>
-              <a:rPr lang="en-US" sz="1800"/>
-              <a:t>Reward is given when a brick has been hit.</a:t>
-            </a:r>
-            <a:endParaRPr sz="1800"/>
-          </a:p>
-        </p:txBody>
-      </p:sp>
-      <p:sp>
-        <p:nvSpPr>
-          <p:cNvPr id="508" name="Google Shape;508;p28"/>
-          <p:cNvSpPr txBox="1"/>
-          <p:nvPr/>
-        </p:nvSpPr>
-        <p:spPr>
-          <a:xfrm>
-            <a:off x="4710050" y="1715863"/>
-            <a:ext cx="4459200" cy="4041000"/>
-          </a:xfrm>
-          <a:prstGeom prst="rect">
-            <a:avLst/>
-          </a:prstGeom>
-          <a:noFill/>
-          <a:ln>
-            <a:noFill/>
-          </a:ln>
-        </p:spPr>
-        <p:txBody>
-          <a:bodyPr spcFirstLastPara="1" wrap="square" lIns="91425" tIns="91425" rIns="91425" bIns="91425" anchor="t" anchorCtr="0">
-            <a:noAutofit/>
-          </a:bodyPr>
-          <a:lstStyle/>
-          <a:p>
-            <a:pPr marL="0" lvl="0" indent="0" algn="l" rtl="0">
-              <a:spcBef>
-                <a:spcPts val="0"/>
-              </a:spcBef>
-              <a:spcAft>
-                <a:spcPts val="0"/>
-              </a:spcAft>
-              <a:buNone/>
-            </a:pPr>
-            <a:endParaRPr sz="1800"/>
-          </a:p>
-          <a:p>
-            <a:pPr marL="0" lvl="0" indent="0" algn="l" rtl="0">
-              <a:spcBef>
-                <a:spcPts val="0"/>
-              </a:spcBef>
-              <a:spcAft>
-                <a:spcPts val="0"/>
-              </a:spcAft>
-              <a:buNone/>
-            </a:pPr>
-            <a:endParaRPr sz="1800"/>
-          </a:p>
-          <a:p>
-            <a:pPr marL="0" lvl="0" indent="0" algn="l" rtl="0">
-              <a:spcBef>
-                <a:spcPts val="0"/>
-              </a:spcBef>
-              <a:spcAft>
-                <a:spcPts val="0"/>
-              </a:spcAft>
-              <a:buNone/>
-            </a:pPr>
-            <a:endParaRPr sz="1800"/>
-          </a:p>
-          <a:p>
-            <a:pPr marL="0" lvl="0" indent="0" algn="l" rtl="0">
-              <a:spcBef>
-                <a:spcPts val="0"/>
-              </a:spcBef>
-              <a:spcAft>
-                <a:spcPts val="0"/>
-              </a:spcAft>
-              <a:buNone/>
-            </a:pPr>
-            <a:endParaRPr sz="1800"/>
-          </a:p>
-          <a:p>
-            <a:pPr marL="0" lvl="0" indent="0" algn="l" rtl="0">
-              <a:spcBef>
-                <a:spcPts val="0"/>
-              </a:spcBef>
-              <a:spcAft>
-                <a:spcPts val="0"/>
-              </a:spcAft>
-              <a:buNone/>
-            </a:pPr>
-            <a:r>
-              <a:rPr lang="en-US" sz="1800"/>
-              <a:t>The bricks must be removed from left to right, so we need a representation of the status of each brick.</a:t>
-            </a:r>
-            <a:endParaRPr sz="1800"/>
-          </a:p>
-        </p:txBody>
-      </p:sp>
-      <p:pic>
-        <p:nvPicPr>
-          <p:cNvPr id="509" name="Google Shape;509;p28" descr="f_{bx}, f_{by}, f_{dx}, f_{dy}" title="MathEquation,#000000"/>
-          <p:cNvPicPr preferRelativeResize="0"/>
-          <p:nvPr/>
-        </p:nvPicPr>
-        <p:blipFill rotWithShape="1">
-          <a:blip r:embed="rId3">
-            <a:alphaModFix/>
-          </a:blip>
-          <a:srcRect r="53904"/>
-          <a:stretch/>
-        </p:blipFill>
-        <p:spPr>
-          <a:xfrm>
-            <a:off x="1992150" y="3730575"/>
-            <a:ext cx="788724" cy="301575"/>
-          </a:xfrm>
-          <a:prstGeom prst="rect">
-            <a:avLst/>
-          </a:prstGeom>
-          <a:noFill/>
-          <a:ln>
-            <a:noFill/>
-          </a:ln>
-        </p:spPr>
-      </p:pic>
-      <p:pic>
-        <p:nvPicPr>
-          <p:cNvPr id="510" name="Google Shape;510;p28" descr="f_{bx}, f_{by}, f_{dx}, f_{dy}" title="MathEquation,#000000"/>
-          <p:cNvPicPr preferRelativeResize="0"/>
-          <p:nvPr/>
-        </p:nvPicPr>
-        <p:blipFill rotWithShape="1">
-          <a:blip r:embed="rId3">
-            <a:alphaModFix/>
-          </a:blip>
-          <a:srcRect l="51164"/>
-          <a:stretch/>
-        </p:blipFill>
-        <p:spPr>
-          <a:xfrm>
-            <a:off x="3475599" y="3979550"/>
-            <a:ext cx="835624" cy="301575"/>
-          </a:xfrm>
-          <a:prstGeom prst="rect">
-            <a:avLst/>
-          </a:prstGeom>
-          <a:noFill/>
-          <a:ln>
-            <a:noFill/>
-          </a:ln>
-        </p:spPr>
-      </p:pic>
-      <p:pic>
-        <p:nvPicPr>
-          <p:cNvPr id="511" name="Google Shape;511;p28" descr="f_x" title="MathEquation,#000000"/>
-          <p:cNvPicPr preferRelativeResize="0"/>
-          <p:nvPr/>
-        </p:nvPicPr>
-        <p:blipFill>
-          <a:blip r:embed="rId4">
-            <a:alphaModFix/>
-          </a:blip>
-          <a:stretch>
-            <a:fillRect/>
-          </a:stretch>
-        </p:blipFill>
-        <p:spPr>
-          <a:xfrm>
-            <a:off x="2349850" y="3476575"/>
-            <a:ext cx="233028" cy="254001"/>
-          </a:xfrm>
-          <a:prstGeom prst="rect">
-            <a:avLst/>
-          </a:prstGeom>
-          <a:noFill/>
-          <a:ln>
-            <a:noFill/>
-          </a:ln>
-        </p:spPr>
-      </p:pic>
-    </p:spTree>
-  </p:cSld>
-  <p:clrMapOvr>
-    <a:masterClrMapping/>
-  </p:clrMapOvr>
-</p:sld>
-</file>
-
-<file path=ppt/slides/slide4.xml><?xml version="1.0" encoding="utf-8"?>
-<p:sld xmlns:a="http://schemas.openxmlformats.org/drawingml/2006/main" xmlns:r="http://schemas.openxmlformats.org/officeDocument/2006/relationships" xmlns:p="http://schemas.openxmlformats.org/presentationml/2006/main">
-  <p:cSld>
-    <p:spTree>
-      <p:nvGrpSpPr>
-        <p:cNvPr id="1" name="Shape 517"/>
-        <p:cNvGrpSpPr/>
-        <p:nvPr/>
-      </p:nvGrpSpPr>
-      <p:grpSpPr>
-        <a:xfrm>
-          <a:off x="0" y="0"/>
-          <a:ext cx="0" cy="0"/>
-          <a:chOff x="0" y="0"/>
-          <a:chExt cx="0" cy="0"/>
-        </a:xfrm>
-      </p:grpSpPr>
-      <p:pic>
-        <p:nvPicPr>
-          <p:cNvPr id="518" name="Google Shape;518;p29"/>
-          <p:cNvPicPr preferRelativeResize="0"/>
-          <p:nvPr/>
-        </p:nvPicPr>
-        <p:blipFill>
-          <a:blip r:embed="rId3">
-            <a:alphaModFix/>
-          </a:blip>
-          <a:stretch>
-            <a:fillRect/>
-          </a:stretch>
-        </p:blipFill>
-        <p:spPr>
-          <a:xfrm>
-            <a:off x="0" y="1211950"/>
-            <a:ext cx="5958751" cy="4821175"/>
-          </a:xfrm>
-          <a:prstGeom prst="rect">
-            <a:avLst/>
-          </a:prstGeom>
-          <a:noFill/>
-          <a:ln>
-            <a:noFill/>
-          </a:ln>
-        </p:spPr>
-      </p:pic>
-      <p:sp>
-        <p:nvSpPr>
-          <p:cNvPr id="519" name="Google Shape;519;p29"/>
-          <p:cNvSpPr txBox="1">
-            <a:spLocks noGrp="1"/>
-          </p:cNvSpPr>
-          <p:nvPr>
-            <p:ph type="title" idx="4294967295"/>
-          </p:nvPr>
-        </p:nvSpPr>
-        <p:spPr>
-          <a:xfrm>
-            <a:off x="661450" y="215725"/>
-            <a:ext cx="8028000" cy="896100"/>
-          </a:xfrm>
-          <a:prstGeom prst="rect">
-            <a:avLst/>
-          </a:prstGeom>
-          <a:noFill/>
-          <a:ln>
-            <a:noFill/>
-          </a:ln>
-        </p:spPr>
-        <p:txBody>
-          <a:bodyPr spcFirstLastPara="1" wrap="square" lIns="91425" tIns="45700" rIns="91425" bIns="45700" anchor="t" anchorCtr="0">
-            <a:noAutofit/>
-          </a:bodyPr>
-          <a:lstStyle/>
-          <a:p>
-            <a:pPr marL="0" lvl="0" indent="0" algn="l" rtl="0">
-              <a:spcBef>
-                <a:spcPts val="0"/>
-              </a:spcBef>
-              <a:spcAft>
-                <a:spcPts val="0"/>
-              </a:spcAft>
-              <a:buClr>
-                <a:srgbClr val="000000"/>
-              </a:buClr>
-              <a:buSzPts val="2200"/>
-              <a:buFont typeface="Arial"/>
-              <a:buNone/>
-            </a:pPr>
-            <a:r>
-              <a:rPr lang="en-US" sz="2600">
-                <a:solidFill>
-                  <a:schemeClr val="dk1"/>
-                </a:solidFill>
-              </a:rPr>
-              <a:t>Implementation and Examples:</a:t>
-            </a:r>
-            <a:endParaRPr sz="2600">
-              <a:solidFill>
-                <a:schemeClr val="dk1"/>
-              </a:solidFill>
-            </a:endParaRPr>
-          </a:p>
-          <a:p>
-            <a:pPr marL="0" lvl="0" indent="0" algn="l" rtl="0">
-              <a:spcBef>
-                <a:spcPts val="0"/>
-              </a:spcBef>
-              <a:spcAft>
-                <a:spcPts val="0"/>
-              </a:spcAft>
-              <a:buClr>
-                <a:srgbClr val="000000"/>
-              </a:buClr>
-              <a:buSzPts val="2200"/>
-              <a:buFont typeface="Arial"/>
-              <a:buNone/>
-            </a:pPr>
-            <a:r>
-              <a:rPr lang="en-US" sz="2600">
-                <a:solidFill>
-                  <a:schemeClr val="dk1"/>
-                </a:solidFill>
-              </a:rPr>
-              <a:t>Breakout</a:t>
-            </a:r>
-            <a:endParaRPr sz="2600">
-              <a:solidFill>
-                <a:schemeClr val="dk1"/>
-              </a:solidFill>
-            </a:endParaRPr>
-          </a:p>
-        </p:txBody>
-      </p:sp>
-      <p:sp>
-        <p:nvSpPr>
-          <p:cNvPr id="520" name="Google Shape;520;p29"/>
-          <p:cNvSpPr txBox="1"/>
-          <p:nvPr/>
-        </p:nvSpPr>
-        <p:spPr>
-          <a:xfrm>
-            <a:off x="6067450" y="1509150"/>
-            <a:ext cx="3076500" cy="1547400"/>
-          </a:xfrm>
-          <a:prstGeom prst="rect">
-            <a:avLst/>
-          </a:prstGeom>
-          <a:noFill/>
-          <a:ln>
-            <a:noFill/>
-          </a:ln>
-        </p:spPr>
-        <p:txBody>
-          <a:bodyPr spcFirstLastPara="1" wrap="square" lIns="91425" tIns="91425" rIns="91425" bIns="91425" anchor="t" anchorCtr="0">
-            <a:noAutofit/>
-          </a:bodyPr>
-          <a:lstStyle/>
-          <a:p>
-            <a:pPr marL="457200" lvl="0" indent="-330200" algn="l" rtl="0">
-              <a:spcBef>
-                <a:spcPts val="0"/>
-              </a:spcBef>
-              <a:spcAft>
-                <a:spcPts val="0"/>
-              </a:spcAft>
-              <a:buSzPts val="1600"/>
-              <a:buChar char="●"/>
-            </a:pPr>
-            <a:r>
-              <a:rPr lang="en-US" sz="1600"/>
-              <a:t>Breakout with </a:t>
-            </a:r>
-            <a:r>
-              <a:rPr lang="en-US" sz="1600" b="1"/>
-              <a:t>MOVE + FIRE</a:t>
-            </a:r>
-            <a:r>
-              <a:rPr lang="en-US" sz="1600"/>
-              <a:t> action</a:t>
-            </a:r>
-            <a:endParaRPr sz="1600"/>
-          </a:p>
-          <a:p>
-            <a:pPr marL="457200" lvl="0" indent="-330200" algn="l" rtl="0">
-              <a:spcBef>
-                <a:spcPts val="0"/>
-              </a:spcBef>
-              <a:spcAft>
-                <a:spcPts val="0"/>
-              </a:spcAft>
-              <a:buSzPts val="1600"/>
-              <a:buChar char="●"/>
-            </a:pPr>
-            <a:r>
-              <a:rPr lang="en-US" sz="1600"/>
-              <a:t>4 x 6 blocks on screen</a:t>
-            </a:r>
-            <a:endParaRPr sz="1600"/>
-          </a:p>
-          <a:p>
-            <a:pPr marL="457200" lvl="0" indent="-330200" algn="l" rtl="0">
-              <a:spcBef>
-                <a:spcPts val="0"/>
-              </a:spcBef>
-              <a:spcAft>
-                <a:spcPts val="0"/>
-              </a:spcAft>
-              <a:buSzPts val="1600"/>
-              <a:buChar char="●"/>
-            </a:pPr>
-            <a:r>
-              <a:rPr lang="en-US" sz="1600" b="1"/>
-              <a:t>Training time</a:t>
-            </a:r>
-            <a:r>
-              <a:rPr lang="en-US" sz="1600"/>
-              <a:t>: 5 minutes</a:t>
-            </a:r>
-            <a:endParaRPr sz="1600"/>
-          </a:p>
-        </p:txBody>
-      </p:sp>
-      <p:sp>
-        <p:nvSpPr>
-          <p:cNvPr id="521" name="Google Shape;521;p29"/>
-          <p:cNvSpPr txBox="1"/>
-          <p:nvPr/>
-        </p:nvSpPr>
-        <p:spPr>
-          <a:xfrm>
-            <a:off x="6012325" y="3954125"/>
-            <a:ext cx="3076500" cy="1547400"/>
-          </a:xfrm>
-          <a:prstGeom prst="rect">
-            <a:avLst/>
-          </a:prstGeom>
-          <a:noFill/>
-          <a:ln>
-            <a:noFill/>
-          </a:ln>
-        </p:spPr>
-        <p:txBody>
-          <a:bodyPr spcFirstLastPara="1" wrap="square" lIns="91425" tIns="91425" rIns="91425" bIns="91425" anchor="t" anchorCtr="0">
-            <a:noAutofit/>
-          </a:bodyPr>
-          <a:lstStyle/>
-          <a:p>
-            <a:pPr marL="457200" lvl="0" indent="-330200" algn="l" rtl="0">
-              <a:spcBef>
-                <a:spcPts val="0"/>
-              </a:spcBef>
-              <a:spcAft>
-                <a:spcPts val="0"/>
-              </a:spcAft>
-              <a:buSzPts val="1600"/>
-              <a:buChar char="●"/>
-            </a:pPr>
-            <a:r>
-              <a:rPr lang="en-US" sz="1600"/>
-              <a:t>Breakout with </a:t>
-            </a:r>
-            <a:r>
-              <a:rPr lang="en-US" sz="1600" b="1"/>
-              <a:t>MOVE </a:t>
-            </a:r>
-            <a:r>
-              <a:rPr lang="en-US" sz="1600"/>
-              <a:t>action</a:t>
-            </a:r>
-            <a:endParaRPr sz="1600"/>
-          </a:p>
-          <a:p>
-            <a:pPr marL="457200" lvl="0" indent="-330200" algn="l" rtl="0">
-              <a:spcBef>
-                <a:spcPts val="0"/>
-              </a:spcBef>
-              <a:spcAft>
-                <a:spcPts val="0"/>
-              </a:spcAft>
-              <a:buSzPts val="1600"/>
-              <a:buChar char="●"/>
-            </a:pPr>
-            <a:r>
-              <a:rPr lang="en-US" sz="1600"/>
-              <a:t>4 x 5 blocks on screen</a:t>
-            </a:r>
-            <a:endParaRPr sz="1600"/>
-          </a:p>
-          <a:p>
-            <a:pPr marL="457200" lvl="0" indent="-330200" algn="l" rtl="0">
-              <a:spcBef>
-                <a:spcPts val="0"/>
-              </a:spcBef>
-              <a:spcAft>
-                <a:spcPts val="0"/>
-              </a:spcAft>
-              <a:buSzPts val="1600"/>
-              <a:buChar char="●"/>
-            </a:pPr>
-            <a:r>
-              <a:rPr lang="en-US" sz="1600" b="1"/>
-              <a:t>Training time</a:t>
-            </a:r>
-            <a:r>
-              <a:rPr lang="en-US" sz="1600"/>
-              <a:t>: 1 hour</a:t>
-            </a:r>
-            <a:endParaRPr sz="1600"/>
-          </a:p>
-        </p:txBody>
-      </p:sp>
-    </p:spTree>
-  </p:cSld>
-  <p:clrMapOvr>
-    <a:masterClrMapping/>
-  </p:clrMapOvr>
-</p:sld>
-</file>
-
-<file path=ppt/slides/slide5.xml><?xml version="1.0" encoding="utf-8"?>
-<p:sld xmlns:a="http://schemas.openxmlformats.org/drawingml/2006/main" xmlns:r="http://schemas.openxmlformats.org/officeDocument/2006/relationships" xmlns:p="http://schemas.openxmlformats.org/presentationml/2006/main">
-  <p:cSld>
-    <p:bg>
-      <p:bgPr>
-        <a:solidFill>
-          <a:schemeClr val="lt1"/>
-        </a:solidFill>
-        <a:effectLst/>
-      </p:bgPr>
-    </p:bg>
-    <p:spTree>
-      <p:nvGrpSpPr>
         <p:cNvPr id="1" name="Shape 528"/>
         <p:cNvGrpSpPr/>
         <p:nvPr/>
@@ -10140,7 +7851,7 @@
                 <a:cs typeface="Arial"/>
                 <a:sym typeface="Arial"/>
               </a:rPr>
-              <a:t>5</a:t>
+              <a:t>2</a:t>
             </a:fld>
             <a:endParaRPr/>
           </a:p>
@@ -10158,7 +7869,7 @@
         </p:nvSpPr>
         <p:spPr>
           <a:xfrm>
-            <a:off x="642675" y="218875"/>
+            <a:off x="627100" y="211216"/>
             <a:ext cx="8028000" cy="457200"/>
           </a:xfrm>
           <a:prstGeom prst="rect">
@@ -10190,14 +7901,22 @@
               <a:buNone/>
             </a:pPr>
             <a:r>
-              <a:rPr lang="en-US" sz="2600">
+              <a:rPr lang="en-US" sz="2600" dirty="0" smtClean="0">
+                <a:solidFill>
+                  <a:schemeClr val="dk1"/>
+                </a:solidFill>
+              </a:rPr>
+              <a:t>Paper experiment: </a:t>
+            </a:r>
+            <a:r>
+              <a:rPr lang="en-US" sz="2600" dirty="0" err="1" smtClean="0">
                 <a:solidFill>
                   <a:schemeClr val="dk1"/>
                 </a:solidFill>
               </a:rPr>
               <a:t>Sapientino</a:t>
             </a:r>
-            <a:endParaRPr sz="2600">
+            <a:endParaRPr sz="2600" dirty="0">
               <a:solidFill>
                 <a:schemeClr val="dk1"/>
               </a:solidFill>
@@ -10366,10 +8085,10 @@
               <a:buNone/>
             </a:pPr>
             <a:r>
-              <a:rPr lang="en-US" sz="2400" b="1"/>
+              <a:rPr lang="en-US" sz="2400" b="1" dirty="0"/>
               <a:t>RL Agent</a:t>
             </a:r>
-            <a:endParaRPr sz="2400" b="1"/>
+            <a:endParaRPr sz="2400" b="1" dirty="0"/>
           </a:p>
           <a:p>
             <a:pPr marL="0" lvl="0" indent="0" algn="l" rtl="0">
@@ -10381,7 +8100,7 @@
               </a:spcAft>
               <a:buNone/>
             </a:pPr>
-            <a:endParaRPr sz="2400"/>
+            <a:endParaRPr sz="2400" dirty="0"/>
           </a:p>
         </p:txBody>
       </p:sp>
@@ -10848,12 +8567,12 @@
 </p:sld>
 </file>
 
-<file path=ppt/slides/slide6.xml><?xml version="1.0" encoding="utf-8"?>
+<file path=ppt/slides/slide3.xml><?xml version="1.0" encoding="utf-8"?>
 <p:sld xmlns:a="http://schemas.openxmlformats.org/drawingml/2006/main" xmlns:r="http://schemas.openxmlformats.org/officeDocument/2006/relationships" xmlns:p="http://schemas.openxmlformats.org/presentationml/2006/main">
   <p:cSld>
     <p:spTree>
       <p:nvGrpSpPr>
-        <p:cNvPr id="1" name="Shape 546"/>
+        <p:cNvPr id="1" name=""/>
         <p:cNvGrpSpPr/>
         <p:nvPr/>
       </p:nvGrpSpPr>
@@ -10867,102 +8586,134 @@
       </p:grpSpPr>
       <p:sp>
         <p:nvSpPr>
-          <p:cNvPr id="547" name="Google Shape;547;p31"/>
-          <p:cNvSpPr txBox="1">
+          <p:cNvPr id="2" name="Titolo 1"/>
+          <p:cNvSpPr>
             <a:spLocks noGrp="1"/>
           </p:cNvSpPr>
           <p:nvPr>
-            <p:ph type="title" idx="4294967295"/>
+            <p:ph type="title"/>
           </p:nvPr>
         </p:nvSpPr>
         <p:spPr>
           <a:xfrm>
-            <a:off x="661450" y="215725"/>
-            <a:ext cx="8028000" cy="896100"/>
+            <a:off x="2228741" y="384861"/>
+            <a:ext cx="5408356" cy="504825"/>
+          </a:xfrm>
+        </p:spPr>
+        <p:txBody>
+          <a:bodyPr/>
+          <a:lstStyle/>
+          <a:p>
+            <a:r>
+              <a:rPr lang="it-IT" dirty="0" err="1" smtClean="0"/>
+              <a:t>Our</a:t>
+            </a:r>
+            <a:r>
+              <a:rPr lang="it-IT" dirty="0" smtClean="0"/>
+              <a:t> </a:t>
+            </a:r>
+            <a:r>
+              <a:rPr lang="it-IT" dirty="0" err="1" smtClean="0"/>
+              <a:t>experiment</a:t>
+            </a:r>
+            <a:r>
+              <a:rPr lang="it-IT" dirty="0" smtClean="0"/>
+              <a:t> :</a:t>
+            </a:r>
+            <a:r>
+              <a:rPr lang="it-IT" dirty="0" err="1" smtClean="0"/>
+              <a:t>Chess</a:t>
+            </a:r>
+            <a:r>
+              <a:rPr lang="it-IT" dirty="0" smtClean="0"/>
+              <a:t> ( </a:t>
+            </a:r>
+            <a:r>
+              <a:rPr lang="it-IT" dirty="0" err="1" smtClean="0"/>
+              <a:t>abstract</a:t>
+            </a:r>
+            <a:r>
+              <a:rPr lang="it-IT" dirty="0" smtClean="0"/>
+              <a:t>)</a:t>
+            </a:r>
+            <a:endParaRPr lang="it-IT" dirty="0"/>
+          </a:p>
+        </p:txBody>
+      </p:sp>
+      <p:sp>
+        <p:nvSpPr>
+          <p:cNvPr id="9" name="CasellaDiTesto 8"/>
+          <p:cNvSpPr txBox="1"/>
+          <p:nvPr/>
+        </p:nvSpPr>
+        <p:spPr>
+          <a:xfrm>
+            <a:off x="3201443" y="971948"/>
+            <a:ext cx="2074607" cy="307777"/>
           </a:xfrm>
           <a:prstGeom prst="rect">
             <a:avLst/>
           </a:prstGeom>
           <a:noFill/>
-          <a:ln>
-            <a:noFill/>
+        </p:spPr>
+        <p:txBody>
+          <a:bodyPr wrap="none" rtlCol="0">
+            <a:spAutoFit/>
+          </a:bodyPr>
+          <a:lstStyle/>
+          <a:p>
+            <a:r>
+              <a:rPr lang="it-IT" dirty="0" err="1"/>
+              <a:t>Description</a:t>
+            </a:r>
+            <a:r>
+              <a:rPr lang="it-IT" dirty="0"/>
+              <a:t> of the </a:t>
+            </a:r>
+            <a:r>
+              <a:rPr lang="it-IT" dirty="0" smtClean="0"/>
+              <a:t>game</a:t>
+            </a:r>
+            <a:endParaRPr lang="it-IT" dirty="0"/>
+          </a:p>
+        </p:txBody>
+      </p:sp>
+      <p:cxnSp>
+        <p:nvCxnSpPr>
+          <p:cNvPr id="11" name="Google Shape;535;p30"/>
+          <p:cNvCxnSpPr/>
+          <p:nvPr/>
+        </p:nvCxnSpPr>
+        <p:spPr>
+          <a:xfrm>
+            <a:off x="4641100" y="1350025"/>
+            <a:ext cx="0" cy="4772700"/>
+          </a:xfrm>
+          <a:prstGeom prst="straightConnector1">
+            <a:avLst/>
+          </a:prstGeom>
+          <a:noFill/>
+          <a:ln w="9525" cap="flat" cmpd="sng">
+            <a:solidFill>
+              <a:schemeClr val="dk2"/>
+            </a:solidFill>
+            <a:prstDash val="solid"/>
+            <a:round/>
+            <a:headEnd type="none" w="med" len="med"/>
+            <a:tailEnd type="none" w="med" len="med"/>
           </a:ln>
         </p:spPr>
-        <p:txBody>
-          <a:bodyPr spcFirstLastPara="1" wrap="square" lIns="91425" tIns="45700" rIns="91425" bIns="45700" anchor="t" anchorCtr="0">
-            <a:noAutofit/>
-          </a:bodyPr>
-          <a:lstStyle/>
-          <a:p>
-            <a:pPr marL="0" lvl="0" indent="0" algn="l" rtl="0">
-              <a:spcBef>
-                <a:spcPts val="0"/>
-              </a:spcBef>
-              <a:spcAft>
-                <a:spcPts val="0"/>
-              </a:spcAft>
-              <a:buClr>
-                <a:srgbClr val="000000"/>
-              </a:buClr>
-              <a:buSzPts val="2200"/>
-              <a:buFont typeface="Arial"/>
-              <a:buNone/>
-            </a:pPr>
-            <a:r>
-              <a:rPr lang="en-US" sz="2600">
-                <a:solidFill>
-                  <a:schemeClr val="dk1"/>
-                </a:solidFill>
-              </a:rPr>
-              <a:t>Implementation and Examples:</a:t>
-            </a:r>
-            <a:endParaRPr sz="2600">
-              <a:solidFill>
-                <a:schemeClr val="dk1"/>
-              </a:solidFill>
-            </a:endParaRPr>
-          </a:p>
-          <a:p>
-            <a:pPr marL="0" lvl="0" indent="0" algn="l" rtl="0">
-              <a:spcBef>
-                <a:spcPts val="0"/>
-              </a:spcBef>
-              <a:spcAft>
-                <a:spcPts val="0"/>
-              </a:spcAft>
-              <a:buClr>
-                <a:srgbClr val="000000"/>
-              </a:buClr>
-              <a:buSzPts val="2200"/>
-              <a:buFont typeface="Arial"/>
-              <a:buNone/>
-            </a:pPr>
-            <a:r>
-              <a:rPr lang="en-US" sz="2600">
-                <a:solidFill>
-                  <a:schemeClr val="dk1"/>
-                </a:solidFill>
-              </a:rPr>
-              <a:t>Sapientino</a:t>
-            </a:r>
-            <a:endParaRPr sz="2600">
-              <a:solidFill>
-                <a:schemeClr val="dk1"/>
-              </a:solidFill>
-            </a:endParaRPr>
-          </a:p>
-        </p:txBody>
-      </p:sp>
+      </p:cxnSp>
       <p:sp>
         <p:nvSpPr>
-          <p:cNvPr id="548" name="Google Shape;548;p31"/>
+          <p:cNvPr id="12" name="Google Shape;536;p30"/>
           <p:cNvSpPr txBox="1"/>
           <p:nvPr/>
         </p:nvSpPr>
         <p:spPr>
           <a:xfrm>
-            <a:off x="6067450" y="1509150"/>
-            <a:ext cx="3076500" cy="1547400"/>
+            <a:off x="1333900" y="1089775"/>
+            <a:ext cx="1710300" cy="601800"/>
           </a:xfrm>
           <a:prstGeom prst="rect">
             <a:avLst/>
@@ -10978,59 +8729,45 @@
           </a:bodyPr>
           <a:lstStyle/>
           <a:p>
-            <a:pPr marL="457200" lvl="0" indent="-342900" algn="l" rtl="0">
-              <a:spcBef>
-                <a:spcPts val="0"/>
-              </a:spcBef>
-              <a:spcAft>
-                <a:spcPts val="0"/>
-              </a:spcAft>
-              <a:buSzPts val="1800"/>
-              <a:buChar char="●"/>
+            <a:pPr marL="0" lvl="0" indent="0" algn="l" rtl="0">
+              <a:spcBef>
+                <a:spcPts val="0"/>
+              </a:spcBef>
+              <a:spcAft>
+                <a:spcPts val="0"/>
+              </a:spcAft>
+              <a:buNone/>
             </a:pPr>
             <a:r>
-              <a:rPr lang="en-US" sz="1800"/>
-              <a:t>Sapientino </a:t>
-            </a:r>
-            <a:r>
-              <a:rPr lang="en-US" sz="1800" b="1"/>
-              <a:t>OMNI</a:t>
-            </a:r>
-            <a:endParaRPr sz="1800"/>
-          </a:p>
-          <a:p>
-            <a:pPr marL="457200" lvl="0" indent="-342900" algn="l" rtl="0">
-              <a:spcBef>
-                <a:spcPts val="0"/>
-              </a:spcBef>
-              <a:spcAft>
-                <a:spcPts val="0"/>
-              </a:spcAft>
-              <a:buSzPts val="1800"/>
-              <a:buChar char="●"/>
+              <a:rPr lang="en-US" sz="2400" b="1" dirty="0"/>
+              <a:t>RL Agent</a:t>
+            </a:r>
+            <a:endParaRPr sz="2400" b="1" dirty="0"/>
+          </a:p>
+          <a:p>
+            <a:pPr marL="0" lvl="0" indent="0" algn="l" rtl="0">
+              <a:spcBef>
+                <a:spcPts val="0"/>
+              </a:spcBef>
+              <a:spcAft>
+                <a:spcPts val="0"/>
+              </a:spcAft>
+              <a:buNone/>
             </a:pPr>
-            <a:r>
-              <a:rPr lang="en-US" sz="1800" b="1"/>
-              <a:t>Training time</a:t>
-            </a:r>
-            <a:r>
-              <a:rPr lang="en-US" sz="1800"/>
-              <a:t>: 3 minutes</a:t>
-            </a:r>
-            <a:endParaRPr sz="1800"/>
+            <a:endParaRPr sz="2400" dirty="0"/>
           </a:p>
         </p:txBody>
       </p:sp>
       <p:sp>
         <p:nvSpPr>
-          <p:cNvPr id="549" name="Google Shape;549;p31"/>
+          <p:cNvPr id="13" name="Google Shape;537;p30"/>
           <p:cNvSpPr txBox="1"/>
           <p:nvPr/>
         </p:nvSpPr>
         <p:spPr>
           <a:xfrm>
-            <a:off x="6012325" y="3954125"/>
-            <a:ext cx="3076500" cy="1547400"/>
+            <a:off x="5580550" y="1089775"/>
+            <a:ext cx="3269100" cy="601800"/>
           </a:xfrm>
           <a:prstGeom prst="rect">
             <a:avLst/>
@@ -11046,78 +8783,41 @@
           </a:bodyPr>
           <a:lstStyle/>
           <a:p>
-            <a:pPr marL="457200" lvl="0" indent="-342900" algn="l" rtl="0">
-              <a:spcBef>
-                <a:spcPts val="0"/>
-              </a:spcBef>
-              <a:spcAft>
-                <a:spcPts val="0"/>
-              </a:spcAft>
-              <a:buSzPts val="1800"/>
-              <a:buChar char="●"/>
+            <a:pPr marL="0" lvl="0" indent="0" algn="l" rtl="0">
+              <a:spcBef>
+                <a:spcPts val="0"/>
+              </a:spcBef>
+              <a:spcAft>
+                <a:spcPts val="0"/>
+              </a:spcAft>
+              <a:buNone/>
             </a:pPr>
             <a:r>
-              <a:rPr lang="en-US" sz="1800"/>
-              <a:t>Sapientino </a:t>
-            </a:r>
-            <a:r>
-              <a:rPr lang="en-US" sz="1800" b="1"/>
-              <a:t>DIRECTIONAL</a:t>
-            </a:r>
-            <a:endParaRPr sz="1800"/>
-          </a:p>
-          <a:p>
-            <a:pPr marL="457200" lvl="0" indent="-342900" algn="l" rtl="0">
-              <a:spcBef>
-                <a:spcPts val="0"/>
-              </a:spcBef>
-              <a:spcAft>
-                <a:spcPts val="0"/>
-              </a:spcAft>
-              <a:buSzPts val="1800"/>
-              <a:buChar char="●"/>
+              <a:rPr lang="en-US" sz="2400" b="1"/>
+              <a:t>Restraining Bolt</a:t>
+            </a:r>
+            <a:endParaRPr sz="2400" b="1"/>
+          </a:p>
+          <a:p>
+            <a:pPr marL="0" lvl="0" indent="0" algn="l" rtl="0">
+              <a:spcBef>
+                <a:spcPts val="0"/>
+              </a:spcBef>
+              <a:spcAft>
+                <a:spcPts val="0"/>
+              </a:spcAft>
+              <a:buNone/>
             </a:pPr>
-            <a:r>
-              <a:rPr lang="en-US" sz="1800" b="1"/>
-              <a:t>Training time</a:t>
-            </a:r>
-            <a:r>
-              <a:rPr lang="en-US" sz="1800"/>
-              <a:t>: 1 hour</a:t>
-            </a:r>
-            <a:endParaRPr sz="1800"/>
+            <a:endParaRPr sz="2400"/>
           </a:p>
         </p:txBody>
       </p:sp>
-      <p:pic>
-        <p:nvPicPr>
-          <p:cNvPr id="550" name="Google Shape;550;p31"/>
-          <p:cNvPicPr preferRelativeResize="0"/>
-          <p:nvPr/>
-        </p:nvPicPr>
-        <p:blipFill>
-          <a:blip r:embed="rId3">
-            <a:alphaModFix/>
-          </a:blip>
-          <a:stretch>
-            <a:fillRect/>
-          </a:stretch>
-        </p:blipFill>
-        <p:spPr>
-          <a:xfrm>
-            <a:off x="304800" y="1277575"/>
-            <a:ext cx="5707526" cy="4579556"/>
-          </a:xfrm>
-          <a:prstGeom prst="rect">
-            <a:avLst/>
-          </a:prstGeom>
-          <a:noFill/>
-          <a:ln>
-            <a:noFill/>
-          </a:ln>
-        </p:spPr>
-      </p:pic>
     </p:spTree>
+    <p:extLst>
+      <p:ext uri="{BB962C8B-B14F-4D97-AF65-F5344CB8AC3E}">
+        <p14:creationId xmlns:p14="http://schemas.microsoft.com/office/powerpoint/2010/main" val="1596622387"/>
+      </p:ext>
+    </p:extLst>
   </p:cSld>
   <p:clrMapOvr>
     <a:masterClrMapping/>
@@ -11125,7 +8825,7 @@
 </p:sld>
 </file>
 
-<file path=ppt/slides/slide7.xml><?xml version="1.0" encoding="utf-8"?>
+<file path=ppt/slides/slide4.xml><?xml version="1.0" encoding="utf-8"?>
 <p:sld xmlns:a="http://schemas.openxmlformats.org/drawingml/2006/main" xmlns:r="http://schemas.openxmlformats.org/officeDocument/2006/relationships" xmlns:p="http://schemas.openxmlformats.org/presentationml/2006/main">
   <p:cSld>
     <p:spTree>
@@ -11158,9 +8858,24 @@
           <a:lstStyle/>
           <a:p>
             <a:r>
+              <a:rPr lang="it-IT" dirty="0" err="1" smtClean="0"/>
+              <a:t>Chess</a:t>
+            </a:r>
+            <a:r>
               <a:rPr lang="it-IT" dirty="0" smtClean="0"/>
-              <a:t>MAIN EXPERIMENT -1</a:t>
-            </a:r>
+              <a:t> : in </a:t>
+            </a:r>
+            <a:r>
+              <a:rPr lang="it-IT" dirty="0" err="1" smtClean="0"/>
+              <a:t>detail</a:t>
+            </a:r>
+            <a:r>
+              <a:rPr lang="it-IT" dirty="0" smtClean="0"/>
+              <a:t/>
+            </a:r>
+            <a:br>
+              <a:rPr lang="it-IT" dirty="0" smtClean="0"/>
+            </a:br>
             <a:endParaRPr lang="it-IT" dirty="0"/>
           </a:p>
         </p:txBody>
@@ -11175,127 +8890,61 @@
             <p:ph type="body" idx="1"/>
           </p:nvPr>
         </p:nvSpPr>
-        <p:spPr/>
+        <p:spPr>
+          <a:xfrm>
+            <a:off x="967731" y="2234513"/>
+            <a:ext cx="7559675" cy="2139778"/>
+          </a:xfrm>
+        </p:spPr>
         <p:txBody>
           <a:bodyPr/>
           <a:lstStyle/>
           <a:p>
             <a:r>
-              <a:rPr lang="it-IT" dirty="0" err="1" smtClean="0"/>
-              <a:t>Description</a:t>
-            </a:r>
-            <a:endParaRPr lang="it-IT" dirty="0" smtClean="0"/>
-          </a:p>
-          <a:p>
-            <a:r>
               <a:rPr lang="it-IT" dirty="0" smtClean="0"/>
-              <a:t>ENV : RL e RB</a:t>
-            </a:r>
+              <a:t>CODE </a:t>
+            </a:r>
+            <a:r>
+              <a:rPr lang="it-IT" sz="1400" dirty="0" smtClean="0"/>
+              <a:t>(</a:t>
+            </a:r>
+            <a:r>
+              <a:rPr lang="it-IT" sz="1600" dirty="0" smtClean="0"/>
+              <a:t>metodo update principalmente a grandi linee)</a:t>
+            </a:r>
+            <a:endParaRPr lang="it-IT" sz="1600" dirty="0" smtClean="0"/>
+          </a:p>
+          <a:p>
             <a:endParaRPr lang="it-IT" dirty="0"/>
           </a:p>
-        </p:txBody>
-      </p:sp>
-      <p:sp>
-        <p:nvSpPr>
-          <p:cNvPr id="4" name="CasellaDiTesto 3"/>
-          <p:cNvSpPr txBox="1"/>
-          <p:nvPr/>
-        </p:nvSpPr>
-        <p:spPr>
-          <a:xfrm>
-            <a:off x="2792627" y="1581665"/>
-            <a:ext cx="805029" cy="307777"/>
-          </a:xfrm>
-          <a:prstGeom prst="rect">
-            <a:avLst/>
-          </a:prstGeom>
-          <a:noFill/>
-        </p:spPr>
-        <p:txBody>
-          <a:bodyPr wrap="none" rtlCol="0">
-            <a:spAutoFit/>
-          </a:bodyPr>
-          <a:lstStyle/>
           <a:p>
             <a:r>
               <a:rPr lang="it-IT" dirty="0" smtClean="0"/>
-              <a:t>CHESS</a:t>
-            </a:r>
-            <a:endParaRPr lang="it-IT" dirty="0"/>
-          </a:p>
-        </p:txBody>
-      </p:sp>
-    </p:spTree>
-    <p:extLst>
-      <p:ext uri="{BB962C8B-B14F-4D97-AF65-F5344CB8AC3E}">
-        <p14:creationId xmlns:p14="http://schemas.microsoft.com/office/powerpoint/2010/main" val="1596622387"/>
-      </p:ext>
-    </p:extLst>
-  </p:cSld>
-  <p:clrMapOvr>
-    <a:masterClrMapping/>
-  </p:clrMapOvr>
-</p:sld>
-</file>
-
-<file path=ppt/slides/slide8.xml><?xml version="1.0" encoding="utf-8"?>
-<p:sld xmlns:a="http://schemas.openxmlformats.org/drawingml/2006/main" xmlns:r="http://schemas.openxmlformats.org/officeDocument/2006/relationships" xmlns:p="http://schemas.openxmlformats.org/presentationml/2006/main">
-  <p:cSld>
-    <p:spTree>
-      <p:nvGrpSpPr>
-        <p:cNvPr id="1" name=""/>
-        <p:cNvGrpSpPr/>
-        <p:nvPr/>
-      </p:nvGrpSpPr>
-      <p:grpSpPr>
-        <a:xfrm>
-          <a:off x="0" y="0"/>
-          <a:ext cx="0" cy="0"/>
-          <a:chOff x="0" y="0"/>
-          <a:chExt cx="0" cy="0"/>
-        </a:xfrm>
-      </p:grpSpPr>
-      <p:sp>
-        <p:nvSpPr>
-          <p:cNvPr id="2" name="Titolo 1"/>
-          <p:cNvSpPr>
-            <a:spLocks noGrp="1"/>
-          </p:cNvSpPr>
-          <p:nvPr>
-            <p:ph type="title"/>
-          </p:nvPr>
-        </p:nvSpPr>
-        <p:spPr/>
-        <p:txBody>
-          <a:bodyPr/>
-          <a:lstStyle/>
-          <a:p>
+              <a:t>LTL 2 </a:t>
+            </a:r>
             <a:r>
               <a:rPr lang="it-IT" dirty="0" smtClean="0"/>
-              <a:t>MAIN EXPERIMENT -2</a:t>
-            </a:r>
-            <a:endParaRPr lang="it-IT" dirty="0"/>
-          </a:p>
-        </p:txBody>
-      </p:sp>
-      <p:sp>
-        <p:nvSpPr>
-          <p:cNvPr id="3" name="Segnaposto testo 2"/>
-          <p:cNvSpPr>
-            <a:spLocks noGrp="1"/>
-          </p:cNvSpPr>
-          <p:nvPr>
-            <p:ph type="body" idx="1"/>
-          </p:nvPr>
-        </p:nvSpPr>
-        <p:spPr/>
-        <p:txBody>
-          <a:bodyPr/>
-          <a:lstStyle/>
-          <a:p>
-            <a:r>
-              <a:rPr lang="it-IT" dirty="0" smtClean="0"/>
-              <a:t>CODE and TRAINING</a:t>
+              <a:t>formule implementate </a:t>
+            </a:r>
+            <a:r>
+              <a:rPr lang="it-IT" sz="1800" dirty="0" smtClean="0"/>
+              <a:t>(</a:t>
+            </a:r>
+            <a:r>
+              <a:rPr lang="it-IT" sz="1800" dirty="0" err="1" smtClean="0"/>
+              <a:t>check</a:t>
+            </a:r>
+            <a:r>
+              <a:rPr lang="it-IT" sz="1800" dirty="0" smtClean="0"/>
+              <a:t> colori e </a:t>
+            </a:r>
+            <a:r>
+              <a:rPr lang="it-IT" sz="1800" dirty="0" err="1" smtClean="0"/>
+              <a:t>check</a:t>
+            </a:r>
+            <a:r>
+              <a:rPr lang="it-IT" sz="1800" dirty="0" smtClean="0"/>
+              <a:t> ordine)</a:t>
             </a:r>
             <a:endParaRPr lang="it-IT" dirty="0"/>
           </a:p>
@@ -11314,7 +8963,7 @@
 </p:sld>
 </file>
 
-<file path=ppt/slides/slide9.xml><?xml version="1.0" encoding="utf-8"?>
+<file path=ppt/slides/slide5.xml><?xml version="1.0" encoding="utf-8"?>
 <p:sld xmlns:a="http://schemas.openxmlformats.org/drawingml/2006/main" xmlns:r="http://schemas.openxmlformats.org/officeDocument/2006/relationships" xmlns:p="http://schemas.openxmlformats.org/presentationml/2006/main">
   <p:cSld>
     <p:spTree>
@@ -11375,85 +9024,50 @@
               <a:buNone/>
             </a:pPr>
             <a:r>
+              <a:rPr lang="it-IT" sz="2600" dirty="0" err="1" smtClean="0">
+                <a:solidFill>
+                  <a:schemeClr val="dk1"/>
+                </a:solidFill>
+              </a:rPr>
+              <a:t>Chess</a:t>
+            </a:r>
+            <a:r>
               <a:rPr lang="it-IT" sz="2600" dirty="0" smtClean="0">
                 <a:solidFill>
                   <a:schemeClr val="dk1"/>
                 </a:solidFill>
               </a:rPr>
-              <a:t>MAIN EXPERIMENT -3</a:t>
+              <a:t>: </a:t>
+            </a:r>
+            <a:r>
+              <a:rPr lang="it-IT" sz="2600" dirty="0" err="1" smtClean="0">
+                <a:solidFill>
+                  <a:schemeClr val="dk1"/>
+                </a:solidFill>
+              </a:rPr>
+              <a:t>final</a:t>
+            </a:r>
+            <a:r>
+              <a:rPr lang="it-IT" sz="2600" dirty="0" smtClean="0">
+                <a:solidFill>
+                  <a:schemeClr val="dk1"/>
+                </a:solidFill>
+              </a:rPr>
+              <a:t> </a:t>
+            </a:r>
+            <a:r>
+              <a:rPr lang="it-IT" sz="2600" dirty="0" err="1" smtClean="0">
+                <a:solidFill>
+                  <a:schemeClr val="dk1"/>
+                </a:solidFill>
+              </a:rPr>
+              <a:t>results</a:t>
             </a:r>
             <a:endParaRPr sz="2600" dirty="0">
               <a:solidFill>
                 <a:schemeClr val="dk1"/>
               </a:solidFill>
             </a:endParaRPr>
-          </a:p>
-          <a:p>
-            <a:pPr marL="0" lvl="0" indent="0" algn="l" rtl="0">
-              <a:spcBef>
-                <a:spcPts val="0"/>
-              </a:spcBef>
-              <a:spcAft>
-                <a:spcPts val="0"/>
-              </a:spcAft>
-              <a:buClr>
-                <a:srgbClr val="000000"/>
-              </a:buClr>
-              <a:buSzPts val="2200"/>
-              <a:buFont typeface="Arial"/>
-              <a:buNone/>
-            </a:pPr>
-            <a:endParaRPr sz="2600" dirty="0">
-              <a:solidFill>
-                <a:schemeClr val="dk1"/>
-              </a:solidFill>
-            </a:endParaRPr>
-          </a:p>
-        </p:txBody>
-      </p:sp>
-      <p:sp>
-        <p:nvSpPr>
-          <p:cNvPr id="636" name="Google Shape;636;p37"/>
-          <p:cNvSpPr/>
-          <p:nvPr/>
-        </p:nvSpPr>
-        <p:spPr>
-          <a:xfrm>
-            <a:off x="8651325" y="645975"/>
-            <a:ext cx="211500" cy="211500"/>
-          </a:xfrm>
-          <a:prstGeom prst="rect">
-            <a:avLst/>
-          </a:prstGeom>
-          <a:solidFill>
-            <a:srgbClr val="FFFFFF"/>
-          </a:solidFill>
-          <a:ln w="9525" cap="flat" cmpd="sng">
-            <a:solidFill>
-              <a:srgbClr val="FFFFFF"/>
-            </a:solidFill>
-            <a:prstDash val="solid"/>
-            <a:round/>
-            <a:headEnd type="none" w="sm" len="sm"/>
-            <a:tailEnd type="none" w="sm" len="sm"/>
-          </a:ln>
-        </p:spPr>
-        <p:txBody>
-          <a:bodyPr spcFirstLastPara="1" wrap="square" lIns="91425" tIns="91425" rIns="91425" bIns="91425" anchor="ctr" anchorCtr="0">
-            <a:noAutofit/>
-          </a:bodyPr>
-          <a:lstStyle/>
-          <a:p>
-            <a:pPr marL="0" lvl="0" indent="0" algn="l" rtl="0">
-              <a:spcBef>
-                <a:spcPts val="0"/>
-              </a:spcBef>
-              <a:spcAft>
-                <a:spcPts val="0"/>
-              </a:spcAft>
-              <a:buNone/>
-            </a:pPr>
-            <a:endParaRPr/>
           </a:p>
         </p:txBody>
       </p:sp>
@@ -11491,11 +9105,7 @@
               </a:spcAft>
               <a:buNone/>
             </a:pPr>
-            <a:r>
-              <a:rPr lang="en-US" sz="1000"/>
-              <a:t>Done</a:t>
-            </a:r>
-            <a:endParaRPr sz="1000"/>
+            <a:endParaRPr sz="1000" dirty="0"/>
           </a:p>
         </p:txBody>
       </p:sp>
@@ -11806,8 +9416,8 @@
         </p:nvSpPr>
         <p:spPr>
           <a:xfrm>
-            <a:off x="5622324" y="3212757"/>
-            <a:ext cx="1766830" cy="307777"/>
+            <a:off x="4942888" y="3275111"/>
+            <a:ext cx="1329210" cy="307777"/>
           </a:xfrm>
           <a:prstGeom prst="rect">
             <a:avLst/>
@@ -11822,7 +9432,7 @@
           <a:p>
             <a:r>
               <a:rPr lang="it-IT" dirty="0" err="1" smtClean="0"/>
-              <a:t>Hyperparams</a:t>
+              <a:t>After</a:t>
             </a:r>
             <a:r>
               <a:rPr lang="it-IT" dirty="0" smtClean="0"/>
@@ -11830,7 +9440,11 @@
             </a:r>
             <a:r>
               <a:rPr lang="it-IT" dirty="0" err="1" smtClean="0"/>
-              <a:t>ecc</a:t>
+              <a:t>tuning</a:t>
+            </a:r>
+            <a:r>
+              <a:rPr lang="it-IT" dirty="0" smtClean="0"/>
+              <a:t> </a:t>
             </a:r>
             <a:r>
               <a:rPr lang="mr-IN" dirty="0" smtClean="0"/>
@@ -11875,6 +9489,804 @@
   <p:clrMapOvr>
     <a:masterClrMapping/>
   </p:clrMapOvr>
+</p:sld>
+</file>
+
+<file path=ppt/slides/slide6.xml><?xml version="1.0" encoding="utf-8"?>
+<p:sld xmlns:a="http://schemas.openxmlformats.org/drawingml/2006/main" xmlns:r="http://schemas.openxmlformats.org/officeDocument/2006/relationships" xmlns:p="http://schemas.openxmlformats.org/presentationml/2006/main">
+  <p:cSld>
+    <p:spTree>
+      <p:nvGrpSpPr>
+        <p:cNvPr id="1" name=""/>
+        <p:cNvGrpSpPr/>
+        <p:nvPr/>
+      </p:nvGrpSpPr>
+      <p:grpSpPr>
+        <a:xfrm>
+          <a:off x="0" y="0"/>
+          <a:ext cx="0" cy="0"/>
+          <a:chOff x="0" y="0"/>
+          <a:chExt cx="0" cy="0"/>
+        </a:xfrm>
+      </p:grpSpPr>
+      <p:sp>
+        <p:nvSpPr>
+          <p:cNvPr id="2" name="Titolo 1"/>
+          <p:cNvSpPr>
+            <a:spLocks noGrp="1"/>
+          </p:cNvSpPr>
+          <p:nvPr>
+            <p:ph type="title"/>
+          </p:nvPr>
+        </p:nvSpPr>
+        <p:spPr/>
+        <p:txBody>
+          <a:bodyPr/>
+          <a:lstStyle/>
+          <a:p>
+            <a:r>
+              <a:rPr lang="it-IT" dirty="0" err="1" smtClean="0"/>
+              <a:t>Pick</a:t>
+            </a:r>
+            <a:r>
+              <a:rPr lang="it-IT" dirty="0" smtClean="0"/>
+              <a:t> and </a:t>
+            </a:r>
+            <a:r>
+              <a:rPr lang="it-IT" dirty="0" err="1" smtClean="0"/>
+              <a:t>place</a:t>
+            </a:r>
+            <a:r>
+              <a:rPr lang="it-IT" dirty="0" smtClean="0"/>
+              <a:t> for a robot end </a:t>
+            </a:r>
+            <a:r>
+              <a:rPr lang="it-IT" dirty="0" err="1" smtClean="0"/>
+              <a:t>effector</a:t>
+            </a:r>
+            <a:endParaRPr lang="it-IT" dirty="0"/>
+          </a:p>
+        </p:txBody>
+      </p:sp>
+      <p:cxnSp>
+        <p:nvCxnSpPr>
+          <p:cNvPr id="6" name="Google Shape;535;p30"/>
+          <p:cNvCxnSpPr/>
+          <p:nvPr/>
+        </p:nvCxnSpPr>
+        <p:spPr>
+          <a:xfrm>
+            <a:off x="4641100" y="1350025"/>
+            <a:ext cx="0" cy="4772700"/>
+          </a:xfrm>
+          <a:prstGeom prst="straightConnector1">
+            <a:avLst/>
+          </a:prstGeom>
+          <a:noFill/>
+          <a:ln w="9525" cap="flat" cmpd="sng">
+            <a:solidFill>
+              <a:schemeClr val="dk2"/>
+            </a:solidFill>
+            <a:prstDash val="solid"/>
+            <a:round/>
+            <a:headEnd type="none" w="med" len="med"/>
+            <a:tailEnd type="none" w="med" len="med"/>
+          </a:ln>
+        </p:spPr>
+      </p:cxnSp>
+      <p:sp>
+        <p:nvSpPr>
+          <p:cNvPr id="7" name="Google Shape;536;p30"/>
+          <p:cNvSpPr txBox="1"/>
+          <p:nvPr/>
+        </p:nvSpPr>
+        <p:spPr>
+          <a:xfrm>
+            <a:off x="1333900" y="1089775"/>
+            <a:ext cx="1710300" cy="601800"/>
+          </a:xfrm>
+          <a:prstGeom prst="rect">
+            <a:avLst/>
+          </a:prstGeom>
+          <a:noFill/>
+          <a:ln>
+            <a:noFill/>
+          </a:ln>
+        </p:spPr>
+        <p:txBody>
+          <a:bodyPr spcFirstLastPara="1" wrap="square" lIns="91425" tIns="91425" rIns="91425" bIns="91425" anchor="t" anchorCtr="0">
+            <a:noAutofit/>
+          </a:bodyPr>
+          <a:lstStyle/>
+          <a:p>
+            <a:pPr marL="0" lvl="0" indent="0" algn="l" rtl="0">
+              <a:spcBef>
+                <a:spcPts val="0"/>
+              </a:spcBef>
+              <a:spcAft>
+                <a:spcPts val="0"/>
+              </a:spcAft>
+              <a:buNone/>
+            </a:pPr>
+            <a:r>
+              <a:rPr lang="en-US" sz="2400" b="1" dirty="0"/>
+              <a:t>RL Agent</a:t>
+            </a:r>
+            <a:endParaRPr sz="2400" b="1" dirty="0"/>
+          </a:p>
+          <a:p>
+            <a:pPr marL="0" lvl="0" indent="0" algn="l" rtl="0">
+              <a:spcBef>
+                <a:spcPts val="0"/>
+              </a:spcBef>
+              <a:spcAft>
+                <a:spcPts val="0"/>
+              </a:spcAft>
+              <a:buNone/>
+            </a:pPr>
+            <a:endParaRPr sz="2400" dirty="0"/>
+          </a:p>
+        </p:txBody>
+      </p:sp>
+      <p:sp>
+        <p:nvSpPr>
+          <p:cNvPr id="8" name="Google Shape;537;p30"/>
+          <p:cNvSpPr txBox="1"/>
+          <p:nvPr/>
+        </p:nvSpPr>
+        <p:spPr>
+          <a:xfrm>
+            <a:off x="5580550" y="1089775"/>
+            <a:ext cx="3269100" cy="601800"/>
+          </a:xfrm>
+          <a:prstGeom prst="rect">
+            <a:avLst/>
+          </a:prstGeom>
+          <a:noFill/>
+          <a:ln>
+            <a:noFill/>
+          </a:ln>
+        </p:spPr>
+        <p:txBody>
+          <a:bodyPr spcFirstLastPara="1" wrap="square" lIns="91425" tIns="91425" rIns="91425" bIns="91425" anchor="t" anchorCtr="0">
+            <a:noAutofit/>
+          </a:bodyPr>
+          <a:lstStyle/>
+          <a:p>
+            <a:pPr marL="0" lvl="0" indent="0" algn="l" rtl="0">
+              <a:spcBef>
+                <a:spcPts val="0"/>
+              </a:spcBef>
+              <a:spcAft>
+                <a:spcPts val="0"/>
+              </a:spcAft>
+              <a:buNone/>
+            </a:pPr>
+            <a:r>
+              <a:rPr lang="en-US" sz="2400" b="1"/>
+              <a:t>Restraining Bolt</a:t>
+            </a:r>
+            <a:endParaRPr sz="2400" b="1"/>
+          </a:p>
+          <a:p>
+            <a:pPr marL="0" lvl="0" indent="0" algn="l" rtl="0">
+              <a:spcBef>
+                <a:spcPts val="0"/>
+              </a:spcBef>
+              <a:spcAft>
+                <a:spcPts val="0"/>
+              </a:spcAft>
+              <a:buNone/>
+            </a:pPr>
+            <a:endParaRPr sz="2400"/>
+          </a:p>
+        </p:txBody>
+      </p:sp>
+    </p:spTree>
+    <p:extLst>
+      <p:ext uri="{BB962C8B-B14F-4D97-AF65-F5344CB8AC3E}">
+        <p14:creationId xmlns:p14="http://schemas.microsoft.com/office/powerpoint/2010/main" val="166882518"/>
+      </p:ext>
+    </p:extLst>
+  </p:cSld>
+  <p:clrMapOvr>
+    <a:masterClrMapping/>
+  </p:clrMapOvr>
+</p:sld>
+</file>
+
+<file path=ppt/slides/slide7.xml><?xml version="1.0" encoding="utf-8"?>
+<p:sld xmlns:a="http://schemas.openxmlformats.org/drawingml/2006/main" xmlns:r="http://schemas.openxmlformats.org/officeDocument/2006/relationships" xmlns:p="http://schemas.openxmlformats.org/presentationml/2006/main">
+  <p:cSld>
+    <p:spTree>
+      <p:nvGrpSpPr>
+        <p:cNvPr id="1" name=""/>
+        <p:cNvGrpSpPr/>
+        <p:nvPr/>
+      </p:nvGrpSpPr>
+      <p:grpSpPr>
+        <a:xfrm>
+          <a:off x="0" y="0"/>
+          <a:ext cx="0" cy="0"/>
+          <a:chOff x="0" y="0"/>
+          <a:chExt cx="0" cy="0"/>
+        </a:xfrm>
+      </p:grpSpPr>
+      <p:sp>
+        <p:nvSpPr>
+          <p:cNvPr id="2" name="Titolo 1"/>
+          <p:cNvSpPr>
+            <a:spLocks noGrp="1"/>
+          </p:cNvSpPr>
+          <p:nvPr>
+            <p:ph type="title"/>
+          </p:nvPr>
+        </p:nvSpPr>
+        <p:spPr/>
+        <p:txBody>
+          <a:bodyPr/>
+          <a:lstStyle/>
+          <a:p>
+            <a:r>
+              <a:rPr lang="it-IT" dirty="0" err="1" smtClean="0"/>
+              <a:t>Pick</a:t>
+            </a:r>
+            <a:r>
+              <a:rPr lang="it-IT" dirty="0" smtClean="0"/>
+              <a:t> and </a:t>
+            </a:r>
+            <a:r>
+              <a:rPr lang="it-IT" dirty="0" err="1" smtClean="0"/>
+              <a:t>place</a:t>
+            </a:r>
+            <a:endParaRPr lang="it-IT" dirty="0"/>
+          </a:p>
+        </p:txBody>
+      </p:sp>
+      <p:sp>
+        <p:nvSpPr>
+          <p:cNvPr id="3" name="Segnaposto testo 2"/>
+          <p:cNvSpPr>
+            <a:spLocks noGrp="1"/>
+          </p:cNvSpPr>
+          <p:nvPr>
+            <p:ph type="body" idx="1"/>
+          </p:nvPr>
+        </p:nvSpPr>
+        <p:spPr>
+          <a:xfrm>
+            <a:off x="1116013" y="1752600"/>
+            <a:ext cx="6817026" cy="4114800"/>
+          </a:xfrm>
+        </p:spPr>
+        <p:txBody>
+          <a:bodyPr/>
+          <a:lstStyle/>
+          <a:p>
+            <a:r>
+              <a:rPr lang="it-IT" dirty="0" smtClean="0"/>
+              <a:t>Pseudo code con i </a:t>
+            </a:r>
+            <a:r>
+              <a:rPr lang="it-IT" dirty="0" err="1" smtClean="0"/>
+              <a:t>reward</a:t>
+            </a:r>
+            <a:r>
+              <a:rPr lang="it-IT" dirty="0" smtClean="0"/>
+              <a:t> assegnati</a:t>
+            </a:r>
+            <a:endParaRPr lang="it-IT" dirty="0" smtClean="0"/>
+          </a:p>
+          <a:p>
+            <a:endParaRPr lang="it-IT" dirty="0"/>
+          </a:p>
+          <a:p>
+            <a:endParaRPr lang="it-IT" dirty="0" smtClean="0"/>
+          </a:p>
+          <a:p>
+            <a:r>
+              <a:rPr lang="it-IT" dirty="0" smtClean="0"/>
+              <a:t>LTL formula</a:t>
+            </a:r>
+            <a:endParaRPr lang="it-IT" dirty="0"/>
+          </a:p>
+        </p:txBody>
+      </p:sp>
+    </p:spTree>
+    <p:extLst>
+      <p:ext uri="{BB962C8B-B14F-4D97-AF65-F5344CB8AC3E}">
+        <p14:creationId xmlns:p14="http://schemas.microsoft.com/office/powerpoint/2010/main" val="401223630"/>
+      </p:ext>
+    </p:extLst>
+  </p:cSld>
+  <p:clrMapOvr>
+    <a:masterClrMapping/>
+  </p:clrMapOvr>
+</p:sld>
+</file>
+
+<file path=ppt/slides/slide8.xml><?xml version="1.0" encoding="utf-8"?>
+<p:sld xmlns:a="http://schemas.openxmlformats.org/drawingml/2006/main" xmlns:r="http://schemas.openxmlformats.org/officeDocument/2006/relationships" xmlns:p="http://schemas.openxmlformats.org/presentationml/2006/main">
+  <p:cSld>
+    <p:spTree>
+      <p:nvGrpSpPr>
+        <p:cNvPr id="1" name=""/>
+        <p:cNvGrpSpPr/>
+        <p:nvPr/>
+      </p:nvGrpSpPr>
+      <p:grpSpPr>
+        <a:xfrm>
+          <a:off x="0" y="0"/>
+          <a:ext cx="0" cy="0"/>
+          <a:chOff x="0" y="0"/>
+          <a:chExt cx="0" cy="0"/>
+        </a:xfrm>
+      </p:grpSpPr>
+      <p:sp>
+        <p:nvSpPr>
+          <p:cNvPr id="2" name="Titolo 1"/>
+          <p:cNvSpPr>
+            <a:spLocks noGrp="1"/>
+          </p:cNvSpPr>
+          <p:nvPr>
+            <p:ph type="title"/>
+          </p:nvPr>
+        </p:nvSpPr>
+        <p:spPr/>
+        <p:txBody>
+          <a:bodyPr/>
+          <a:lstStyle/>
+          <a:p>
+            <a:r>
+              <a:rPr lang="it-IT" dirty="0" err="1" smtClean="0"/>
+              <a:t>Pick</a:t>
+            </a:r>
+            <a:r>
+              <a:rPr lang="it-IT" dirty="0" smtClean="0"/>
+              <a:t> and </a:t>
+            </a:r>
+            <a:r>
+              <a:rPr lang="it-IT" dirty="0" err="1" smtClean="0"/>
+              <a:t>place</a:t>
+            </a:r>
+            <a:endParaRPr lang="it-IT" dirty="0"/>
+          </a:p>
+        </p:txBody>
+      </p:sp>
+      <p:sp>
+        <p:nvSpPr>
+          <p:cNvPr id="6" name="CasellaDiTesto 5"/>
+          <p:cNvSpPr txBox="1"/>
+          <p:nvPr/>
+        </p:nvSpPr>
+        <p:spPr>
+          <a:xfrm>
+            <a:off x="840259" y="1121767"/>
+            <a:ext cx="3089189" cy="3539430"/>
+          </a:xfrm>
+          <a:prstGeom prst="rect">
+            <a:avLst/>
+          </a:prstGeom>
+          <a:noFill/>
+          <a:ln>
+            <a:solidFill>
+              <a:schemeClr val="tx1"/>
+            </a:solidFill>
+          </a:ln>
+        </p:spPr>
+        <p:txBody>
+          <a:bodyPr wrap="square" rtlCol="0">
+            <a:spAutoFit/>
+          </a:bodyPr>
+          <a:lstStyle/>
+          <a:p>
+            <a:r>
+              <a:rPr lang="it-IT" dirty="0" smtClean="0"/>
+              <a:t>Screen e spiegazione finale</a:t>
+            </a:r>
+            <a:endParaRPr lang="it-IT" dirty="0" smtClean="0"/>
+          </a:p>
+          <a:p>
+            <a:endParaRPr lang="it-IT" dirty="0"/>
+          </a:p>
+          <a:p>
+            <a:endParaRPr lang="it-IT" dirty="0" smtClean="0"/>
+          </a:p>
+          <a:p>
+            <a:endParaRPr lang="it-IT" dirty="0"/>
+          </a:p>
+          <a:p>
+            <a:endParaRPr lang="it-IT" dirty="0" smtClean="0"/>
+          </a:p>
+          <a:p>
+            <a:endParaRPr lang="it-IT" dirty="0"/>
+          </a:p>
+          <a:p>
+            <a:endParaRPr lang="it-IT" dirty="0" smtClean="0"/>
+          </a:p>
+          <a:p>
+            <a:endParaRPr lang="it-IT" dirty="0"/>
+          </a:p>
+          <a:p>
+            <a:endParaRPr lang="it-IT" dirty="0" smtClean="0"/>
+          </a:p>
+          <a:p>
+            <a:endParaRPr lang="it-IT" dirty="0"/>
+          </a:p>
+          <a:p>
+            <a:endParaRPr lang="it-IT" dirty="0" smtClean="0"/>
+          </a:p>
+          <a:p>
+            <a:endParaRPr lang="it-IT" dirty="0"/>
+          </a:p>
+          <a:p>
+            <a:endParaRPr lang="it-IT" dirty="0" smtClean="0"/>
+          </a:p>
+          <a:p>
+            <a:endParaRPr lang="it-IT" dirty="0"/>
+          </a:p>
+          <a:p>
+            <a:endParaRPr lang="it-IT" dirty="0" smtClean="0"/>
+          </a:p>
+          <a:p>
+            <a:endParaRPr lang="it-IT" dirty="0"/>
+          </a:p>
+        </p:txBody>
+      </p:sp>
+      <p:sp>
+        <p:nvSpPr>
+          <p:cNvPr id="7" name="CasellaDiTesto 6"/>
+          <p:cNvSpPr txBox="1"/>
+          <p:nvPr/>
+        </p:nvSpPr>
+        <p:spPr>
+          <a:xfrm>
+            <a:off x="5449330" y="1729947"/>
+            <a:ext cx="2542684" cy="307777"/>
+          </a:xfrm>
+          <a:prstGeom prst="rect">
+            <a:avLst/>
+          </a:prstGeom>
+          <a:noFill/>
+        </p:spPr>
+        <p:txBody>
+          <a:bodyPr wrap="none" rtlCol="0">
+            <a:spAutoFit/>
+          </a:bodyPr>
+          <a:lstStyle/>
+          <a:p>
+            <a:r>
+              <a:rPr lang="it-IT" dirty="0" smtClean="0"/>
+              <a:t>Video di quello reale col robot</a:t>
+            </a:r>
+            <a:endParaRPr lang="it-IT" dirty="0"/>
+          </a:p>
+        </p:txBody>
+      </p:sp>
+      <p:sp>
+        <p:nvSpPr>
+          <p:cNvPr id="8" name="CasellaDiTesto 7"/>
+          <p:cNvSpPr txBox="1"/>
+          <p:nvPr/>
+        </p:nvSpPr>
+        <p:spPr>
+          <a:xfrm>
+            <a:off x="2236573" y="5436973"/>
+            <a:ext cx="2145139" cy="307777"/>
+          </a:xfrm>
+          <a:prstGeom prst="rect">
+            <a:avLst/>
+          </a:prstGeom>
+          <a:noFill/>
+        </p:spPr>
+        <p:txBody>
+          <a:bodyPr wrap="none" rtlCol="0">
+            <a:spAutoFit/>
+          </a:bodyPr>
+          <a:lstStyle/>
+          <a:p>
+            <a:r>
+              <a:rPr lang="it-IT" dirty="0" smtClean="0"/>
+              <a:t>Metodi implementabili</a:t>
+            </a:r>
+            <a:r>
+              <a:rPr lang="mr-IN" dirty="0" smtClean="0"/>
+              <a:t>…</a:t>
+            </a:r>
+            <a:r>
+              <a:rPr lang="it-IT" dirty="0" smtClean="0"/>
+              <a:t>.</a:t>
+            </a:r>
+            <a:endParaRPr lang="it-IT" dirty="0"/>
+          </a:p>
+        </p:txBody>
+      </p:sp>
+      <p:sp>
+        <p:nvSpPr>
+          <p:cNvPr id="9" name="CasellaDiTesto 8"/>
+          <p:cNvSpPr txBox="1"/>
+          <p:nvPr/>
+        </p:nvSpPr>
+        <p:spPr>
+          <a:xfrm>
+            <a:off x="5412259" y="5387546"/>
+            <a:ext cx="2214068" cy="307777"/>
+          </a:xfrm>
+          <a:prstGeom prst="rect">
+            <a:avLst/>
+          </a:prstGeom>
+          <a:noFill/>
+        </p:spPr>
+        <p:txBody>
+          <a:bodyPr wrap="none" rtlCol="0">
+            <a:spAutoFit/>
+          </a:bodyPr>
+          <a:lstStyle/>
+          <a:p>
+            <a:r>
+              <a:rPr lang="it-IT" dirty="0" smtClean="0"/>
+              <a:t>Con </a:t>
+            </a:r>
+            <a:r>
+              <a:rPr lang="it-IT" dirty="0" err="1" smtClean="0"/>
+              <a:t>piu</a:t>
+            </a:r>
+            <a:r>
+              <a:rPr lang="it-IT" dirty="0" smtClean="0"/>
+              <a:t> tempo bla bla bla</a:t>
+            </a:r>
+            <a:endParaRPr lang="it-IT" dirty="0"/>
+          </a:p>
+        </p:txBody>
+      </p:sp>
+    </p:spTree>
+    <p:extLst>
+      <p:ext uri="{BB962C8B-B14F-4D97-AF65-F5344CB8AC3E}">
+        <p14:creationId xmlns:p14="http://schemas.microsoft.com/office/powerpoint/2010/main" val="142927972"/>
+      </p:ext>
+    </p:extLst>
+  </p:cSld>
+  <p:clrMapOvr>
+    <a:masterClrMapping/>
+  </p:clrMapOvr>
+</p:sld>
+</file>
+
+<file path=ppt/slides/slide9.xml><?xml version="1.0" encoding="utf-8"?>
+<p:sld xmlns:a="http://schemas.openxmlformats.org/drawingml/2006/main" xmlns:r="http://schemas.openxmlformats.org/officeDocument/2006/relationships" xmlns:p="http://schemas.openxmlformats.org/presentationml/2006/main">
+  <p:cSld>
+    <p:spTree>
+      <p:nvGrpSpPr>
+        <p:cNvPr id="1" name="Shape 587"/>
+        <p:cNvGrpSpPr/>
+        <p:nvPr/>
+      </p:nvGrpSpPr>
+      <p:grpSpPr>
+        <a:xfrm>
+          <a:off x="0" y="0"/>
+          <a:ext cx="0" cy="0"/>
+          <a:chOff x="0" y="0"/>
+          <a:chExt cx="0" cy="0"/>
+        </a:xfrm>
+      </p:grpSpPr>
+      <p:sp>
+        <p:nvSpPr>
+          <p:cNvPr id="588" name="Google Shape;588;p34"/>
+          <p:cNvSpPr txBox="1">
+            <a:spLocks noGrp="1"/>
+          </p:cNvSpPr>
+          <p:nvPr>
+            <p:ph type="title"/>
+          </p:nvPr>
+        </p:nvSpPr>
+        <p:spPr>
+          <a:xfrm>
+            <a:off x="1116012" y="409575"/>
+            <a:ext cx="7559700" cy="504900"/>
+          </a:xfrm>
+          <a:prstGeom prst="rect">
+            <a:avLst/>
+          </a:prstGeom>
+        </p:spPr>
+        <p:txBody>
+          <a:bodyPr spcFirstLastPara="1" wrap="square" lIns="91425" tIns="45700" rIns="91425" bIns="45700" anchor="t" anchorCtr="0">
+            <a:noAutofit/>
+          </a:bodyPr>
+          <a:lstStyle/>
+          <a:p>
+            <a:pPr lvl="0"/>
+            <a:r>
+              <a:rPr lang="en-US" dirty="0"/>
+              <a:t>FUTURE </a:t>
+            </a:r>
+            <a:r>
+              <a:rPr lang="en-US" dirty="0" smtClean="0"/>
+              <a:t>WORKs</a:t>
+            </a:r>
+            <a:endParaRPr dirty="0"/>
+          </a:p>
+        </p:txBody>
+      </p:sp>
+      <p:sp>
+        <p:nvSpPr>
+          <p:cNvPr id="589" name="Google Shape;589;p34"/>
+          <p:cNvSpPr txBox="1">
+            <a:spLocks noGrp="1"/>
+          </p:cNvSpPr>
+          <p:nvPr>
+            <p:ph type="body" idx="1"/>
+          </p:nvPr>
+        </p:nvSpPr>
+        <p:spPr>
+          <a:xfrm>
+            <a:off x="1116000" y="838275"/>
+            <a:ext cx="7559700" cy="5228700"/>
+          </a:xfrm>
+          <a:prstGeom prst="rect">
+            <a:avLst/>
+          </a:prstGeom>
+        </p:spPr>
+        <p:txBody>
+          <a:bodyPr spcFirstLastPara="1" wrap="square" lIns="91425" tIns="45700" rIns="91425" bIns="45700" anchor="t" anchorCtr="0">
+            <a:noAutofit/>
+          </a:bodyPr>
+          <a:lstStyle/>
+          <a:p>
+            <a:pPr marL="0" marR="0" lvl="0" indent="0" defTabSz="914400" eaLnBrk="1" fontAlgn="auto" latinLnBrk="0" hangingPunct="1">
+              <a:lnSpc>
+                <a:spcPct val="100000"/>
+              </a:lnSpc>
+              <a:spcBef>
+                <a:spcPts val="0"/>
+              </a:spcBef>
+              <a:spcAft>
+                <a:spcPts val="0"/>
+              </a:spcAft>
+              <a:buClrTx/>
+              <a:buSzTx/>
+              <a:buFontTx/>
+              <a:buNone/>
+              <a:tabLst/>
+              <a:defRPr/>
+            </a:pPr>
+            <a:r>
+              <a:rPr lang="it-IT" dirty="0" err="1" smtClean="0"/>
+              <a:t>Chess</a:t>
+            </a:r>
+            <a:r>
+              <a:rPr lang="it-IT" dirty="0" smtClean="0"/>
+              <a:t> completo dove il robot mette in pratica quanto imparato nel nostro lavoro, magari con una scacchiera </a:t>
+            </a:r>
+            <a:r>
+              <a:rPr lang="it-IT" dirty="0" err="1" smtClean="0"/>
+              <a:t>piu</a:t>
+            </a:r>
+            <a:r>
+              <a:rPr lang="it-IT" dirty="0" smtClean="0"/>
+              <a:t> grande e con altri </a:t>
+            </a:r>
+            <a:r>
+              <a:rPr lang="it-IT" dirty="0" err="1" smtClean="0"/>
+              <a:t>learned</a:t>
+            </a:r>
+            <a:r>
+              <a:rPr lang="it-IT" dirty="0" smtClean="0"/>
+              <a:t> agents</a:t>
+            </a:r>
+          </a:p>
+          <a:p>
+            <a:pPr marL="0" marR="0" lvl="0" indent="0" defTabSz="914400" eaLnBrk="1" fontAlgn="auto" latinLnBrk="0" hangingPunct="1">
+              <a:lnSpc>
+                <a:spcPct val="100000"/>
+              </a:lnSpc>
+              <a:spcBef>
+                <a:spcPts val="0"/>
+              </a:spcBef>
+              <a:spcAft>
+                <a:spcPts val="0"/>
+              </a:spcAft>
+              <a:buClrTx/>
+              <a:buSzTx/>
+              <a:buFontTx/>
+              <a:buNone/>
+              <a:tabLst/>
+              <a:defRPr/>
+            </a:pPr>
+            <a:endParaRPr lang="it-IT" dirty="0"/>
+          </a:p>
+          <a:p>
+            <a:pPr marL="0" marR="0" lvl="0" indent="0" defTabSz="914400" eaLnBrk="1" fontAlgn="auto" latinLnBrk="0" hangingPunct="1">
+              <a:lnSpc>
+                <a:spcPct val="100000"/>
+              </a:lnSpc>
+              <a:spcBef>
+                <a:spcPts val="0"/>
+              </a:spcBef>
+              <a:spcAft>
+                <a:spcPts val="0"/>
+              </a:spcAft>
+              <a:buClrTx/>
+              <a:buSzTx/>
+              <a:buFontTx/>
+              <a:buNone/>
+              <a:tabLst/>
+              <a:defRPr/>
+            </a:pPr>
+            <a:endParaRPr lang="it-IT" dirty="0" smtClean="0"/>
+          </a:p>
+          <a:p>
+            <a:pPr marL="0" marR="0" lvl="0" indent="0" defTabSz="914400" eaLnBrk="1" fontAlgn="auto" latinLnBrk="0" hangingPunct="1">
+              <a:lnSpc>
+                <a:spcPct val="100000"/>
+              </a:lnSpc>
+              <a:spcBef>
+                <a:spcPts val="0"/>
+              </a:spcBef>
+              <a:spcAft>
+                <a:spcPts val="0"/>
+              </a:spcAft>
+              <a:buClrTx/>
+              <a:buSzTx/>
+              <a:buFontTx/>
+              <a:buNone/>
+              <a:tabLst/>
+              <a:defRPr/>
+            </a:pPr>
+            <a:r>
+              <a:rPr lang="it-IT" dirty="0" smtClean="0"/>
+              <a:t> </a:t>
+            </a:r>
+            <a:endParaRPr dirty="0"/>
+          </a:p>
+        </p:txBody>
+      </p:sp>
+      <p:pic>
+        <p:nvPicPr>
+          <p:cNvPr id="3" name="Immagine 2"/>
+          <p:cNvPicPr>
+            <a:picLocks noChangeAspect="1"/>
+          </p:cNvPicPr>
+          <p:nvPr/>
+        </p:nvPicPr>
+        <p:blipFill>
+          <a:blip r:embed="rId3">
+            <a:extLst>
+              <a:ext uri="{28A0092B-C50C-407E-A947-70E740481C1C}">
+                <a14:useLocalDpi xmlns:a14="http://schemas.microsoft.com/office/drawing/2010/main" val="0"/>
+              </a:ext>
+            </a:extLst>
+          </a:blip>
+          <a:stretch>
+            <a:fillRect/>
+          </a:stretch>
+        </p:blipFill>
+        <p:spPr>
+          <a:xfrm>
+            <a:off x="3209904" y="2174788"/>
+            <a:ext cx="2330728" cy="2220441"/>
+          </a:xfrm>
+          <a:prstGeom prst="rect">
+            <a:avLst/>
+          </a:prstGeom>
+        </p:spPr>
+      </p:pic>
+    </p:spTree>
+    <p:extLst>
+      <p:ext uri="{BB962C8B-B14F-4D97-AF65-F5344CB8AC3E}">
+        <p14:creationId xmlns:p14="http://schemas.microsoft.com/office/powerpoint/2010/main" val="1784132930"/>
+      </p:ext>
+    </p:extLst>
+  </p:cSld>
+  <p:clrMapOvr>
+    <a:masterClrMapping/>
+  </p:clrMapOvr>
+  <p:timing>
+    <p:tnLst>
+      <p:par>
+        <p:cTn id="1" dur="indefinite" restart="never" nodeType="tmRoot"/>
+      </p:par>
+    </p:tnLst>
+  </p:timing>
 </p:sld>
 </file>
 

--- a/Resogning_Agents.pptx
+++ b/Resogning_Agents.pptx
@@ -8649,7 +8649,7 @@
         <p:spPr>
           <a:xfrm>
             <a:off x="3201443" y="971948"/>
-            <a:ext cx="2074607" cy="307777"/>
+            <a:ext cx="2730235" cy="307777"/>
           </a:xfrm>
           <a:prstGeom prst="rect">
             <a:avLst/>
@@ -8663,12 +8663,20 @@
           <a:lstStyle/>
           <a:p>
             <a:r>
-              <a:rPr lang="it-IT" dirty="0" err="1"/>
-              <a:t>Description</a:t>
+              <a:rPr lang="it-IT" dirty="0" smtClean="0"/>
+              <a:t>General </a:t>
+            </a:r>
+            <a:r>
+              <a:rPr lang="it-IT" dirty="0" err="1" smtClean="0"/>
+              <a:t>description</a:t>
+            </a:r>
+            <a:r>
+              <a:rPr lang="it-IT" dirty="0" smtClean="0"/>
+              <a:t> </a:t>
             </a:r>
             <a:r>
               <a:rPr lang="it-IT" dirty="0"/>
-              <a:t> of the </a:t>
+              <a:t>of the </a:t>
             </a:r>
             <a:r>
               <a:rPr lang="it-IT" dirty="0" smtClean="0"/>
@@ -8912,7 +8920,6 @@
               <a:rPr lang="it-IT" sz="1600" dirty="0" smtClean="0"/>
               <a:t>metodo update principalmente a grandi linee)</a:t>
             </a:r>
-            <a:endParaRPr lang="it-IT" sz="1600" dirty="0" smtClean="0"/>
           </a:p>
           <a:p>
             <a:endParaRPr lang="it-IT" dirty="0"/>
@@ -8920,11 +8927,7 @@
           <a:p>
             <a:r>
               <a:rPr lang="it-IT" dirty="0" smtClean="0"/>
-              <a:t>LTL 2 </a:t>
-            </a:r>
-            <a:r>
-              <a:rPr lang="it-IT" dirty="0" smtClean="0"/>
-              <a:t>formule implementate </a:t>
+              <a:t>LTL 2 formule implementate </a:t>
             </a:r>
             <a:r>
               <a:rPr lang="it-IT" sz="1800" dirty="0" smtClean="0"/>
@@ -9765,7 +9768,11 @@
           <a:p>
             <a:r>
               <a:rPr lang="it-IT" dirty="0" smtClean="0"/>
-              <a:t>Pseudo code con i </a:t>
+              <a:t>Pseudo code </a:t>
+            </a:r>
+            <a:r>
+              <a:rPr lang="it-IT" dirty="0" smtClean="0"/>
+              <a:t>con state e </a:t>
             </a:r>
             <a:r>
               <a:rPr lang="it-IT" dirty="0" err="1" smtClean="0"/>
@@ -9775,7 +9782,6 @@
               <a:rPr lang="it-IT" dirty="0" smtClean="0"/>
               <a:t> assegnati</a:t>
             </a:r>
-            <a:endParaRPr lang="it-IT" dirty="0" smtClean="0"/>
           </a:p>
           <a:p>
             <a:endParaRPr lang="it-IT" dirty="0"/>
@@ -9869,9 +9875,7 @@
           </a:prstGeom>
           <a:noFill/>
           <a:ln>
-            <a:solidFill>
-              <a:schemeClr val="tx1"/>
-            </a:solidFill>
+            <a:noFill/>
           </a:ln>
         </p:spPr>
         <p:txBody>
@@ -9882,7 +9886,11 @@
           <a:p>
             <a:r>
               <a:rPr lang="it-IT" dirty="0" smtClean="0"/>
-              <a:t>Screen e spiegazione finale</a:t>
+              <a:t>Screen e </a:t>
+            </a:r>
+            <a:r>
+              <a:rPr lang="it-IT" dirty="0" smtClean="0"/>
+              <a:t>spiegazione</a:t>
             </a:r>
             <a:endParaRPr lang="it-IT" dirty="0" smtClean="0"/>
           </a:p>
@@ -10034,6 +10042,154 @@
             <a:r>
               <a:rPr lang="it-IT" dirty="0" smtClean="0"/>
               <a:t> tempo bla bla bla</a:t>
+            </a:r>
+            <a:endParaRPr lang="it-IT" dirty="0"/>
+          </a:p>
+        </p:txBody>
+      </p:sp>
+      <p:pic>
+        <p:nvPicPr>
+          <p:cNvPr id="3" name="Immagine 2"/>
+          <p:cNvPicPr>
+            <a:picLocks noChangeAspect="1"/>
+          </p:cNvPicPr>
+          <p:nvPr/>
+        </p:nvPicPr>
+        <p:blipFill>
+          <a:blip r:embed="rId2">
+            <a:extLst>
+              <a:ext uri="{28A0092B-C50C-407E-A947-70E740481C1C}">
+                <a14:useLocalDpi xmlns:a14="http://schemas.microsoft.com/office/drawing/2010/main" val="0"/>
+              </a:ext>
+            </a:extLst>
+          </a:blip>
+          <a:stretch>
+            <a:fillRect/>
+          </a:stretch>
+        </p:blipFill>
+        <p:spPr>
+          <a:xfrm>
+            <a:off x="978135" y="1690176"/>
+            <a:ext cx="2472201" cy="2441680"/>
+          </a:xfrm>
+          <a:prstGeom prst="rect">
+            <a:avLst/>
+          </a:prstGeom>
+        </p:spPr>
+      </p:pic>
+      <p:sp>
+        <p:nvSpPr>
+          <p:cNvPr id="5" name="CasellaDiTesto 4"/>
+          <p:cNvSpPr txBox="1"/>
+          <p:nvPr/>
+        </p:nvSpPr>
+        <p:spPr>
+          <a:xfrm>
+            <a:off x="978135" y="3438144"/>
+            <a:ext cx="561372" cy="261610"/>
+          </a:xfrm>
+          <a:prstGeom prst="rect">
+            <a:avLst/>
+          </a:prstGeom>
+          <a:noFill/>
+        </p:spPr>
+        <p:txBody>
+          <a:bodyPr wrap="none" rtlCol="0">
+            <a:spAutoFit/>
+          </a:bodyPr>
+          <a:lstStyle/>
+          <a:p>
+            <a:r>
+              <a:rPr lang="it-IT" sz="1100" dirty="0" smtClean="0"/>
+              <a:t>Home</a:t>
+            </a:r>
+            <a:endParaRPr lang="it-IT" sz="1100" dirty="0"/>
+          </a:p>
+        </p:txBody>
+      </p:sp>
+      <p:sp>
+        <p:nvSpPr>
+          <p:cNvPr id="10" name="CasellaDiTesto 9"/>
+          <p:cNvSpPr txBox="1"/>
+          <p:nvPr/>
+        </p:nvSpPr>
+        <p:spPr>
+          <a:xfrm>
+            <a:off x="1539507" y="4069419"/>
+            <a:ext cx="671979" cy="430887"/>
+          </a:xfrm>
+          <a:prstGeom prst="rect">
+            <a:avLst/>
+          </a:prstGeom>
+          <a:noFill/>
+        </p:spPr>
+        <p:txBody>
+          <a:bodyPr wrap="none" rtlCol="0">
+            <a:spAutoFit/>
+          </a:bodyPr>
+          <a:lstStyle/>
+          <a:p>
+            <a:r>
+              <a:rPr lang="it-IT" sz="1050" dirty="0" smtClean="0"/>
+              <a:t>Item</a:t>
+            </a:r>
+          </a:p>
+          <a:p>
+            <a:r>
+              <a:rPr lang="it-IT" sz="1050" dirty="0" smtClean="0"/>
+              <a:t>location</a:t>
+            </a:r>
+            <a:endParaRPr lang="it-IT" sz="1050" dirty="0"/>
+          </a:p>
+        </p:txBody>
+      </p:sp>
+      <p:sp>
+        <p:nvSpPr>
+          <p:cNvPr id="11" name="CasellaDiTesto 10"/>
+          <p:cNvSpPr txBox="1"/>
+          <p:nvPr/>
+        </p:nvSpPr>
+        <p:spPr>
+          <a:xfrm>
+            <a:off x="3451854" y="1776114"/>
+            <a:ext cx="1518364" cy="523220"/>
+          </a:xfrm>
+          <a:prstGeom prst="rect">
+            <a:avLst/>
+          </a:prstGeom>
+          <a:noFill/>
+        </p:spPr>
+        <p:txBody>
+          <a:bodyPr wrap="none" rtlCol="0">
+            <a:spAutoFit/>
+          </a:bodyPr>
+          <a:lstStyle/>
+          <a:p>
+            <a:r>
+              <a:rPr lang="it-IT" dirty="0" smtClean="0"/>
+              <a:t>End </a:t>
+            </a:r>
+            <a:r>
+              <a:rPr lang="it-IT" dirty="0" err="1" smtClean="0"/>
+              <a:t>effector</a:t>
+            </a:r>
+            <a:r>
+              <a:rPr lang="it-IT" dirty="0" smtClean="0"/>
+              <a:t> with</a:t>
+            </a:r>
+          </a:p>
+          <a:p>
+            <a:r>
+              <a:rPr lang="it-IT" dirty="0" smtClean="0"/>
+              <a:t> the </a:t>
+            </a:r>
+            <a:r>
+              <a:rPr lang="it-IT" dirty="0" err="1" smtClean="0"/>
+              <a:t>picked</a:t>
+            </a:r>
+            <a:r>
+              <a:rPr lang="it-IT" dirty="0" smtClean="0"/>
+              <a:t> item</a:t>
             </a:r>
             <a:endParaRPr lang="it-IT" dirty="0"/>
           </a:p>
@@ -10262,12 +10418,17 @@
         </p:blipFill>
         <p:spPr>
           <a:xfrm>
-            <a:off x="3209904" y="2174788"/>
+            <a:off x="3209904" y="2516164"/>
             <a:ext cx="2330728" cy="2220441"/>
           </a:xfrm>
           <a:prstGeom prst="rect">
             <a:avLst/>
           </a:prstGeom>
+          <a:ln>
+            <a:solidFill>
+              <a:schemeClr val="accent1"/>
+            </a:solidFill>
+          </a:ln>
         </p:spPr>
       </p:pic>
     </p:spTree>
